--- a/Increase number of discounted products,  keep discount levels.pptx
+++ b/Increase number of discounted products,  keep discount levels.pptx
@@ -1,51 +1,51 @@
 
 <file path=ppt/presentation.xml><?xml version="1.0" encoding="utf-8"?>
-<p:presentation xmlns:a="http://schemas.openxmlformats.org/drawingml/2006/main" xmlns:r="http://schemas.openxmlformats.org/officeDocument/2006/relationships" xmlns:mc="http://schemas.openxmlformats.org/markup-compatibility/2006" xmlns:mv="urn:schemas-microsoft-com:mac:vml" xmlns:p="http://schemas.openxmlformats.org/presentationml/2006/main" xmlns:c="http://schemas.openxmlformats.org/drawingml/2006/chart" xmlns:dgm="http://schemas.openxmlformats.org/drawingml/2006/diagram" xmlns:o="urn:schemas-microsoft-com:office:office" xmlns:v="urn:schemas-microsoft-com:vml" xmlns:pvml="urn:schemas-microsoft-com:office:powerpoint" xmlns:com="http://schemas.openxmlformats.org/drawingml/2006/compatibility" xmlns:p14="http://schemas.microsoft.com/office/powerpoint/2010/main" xmlns:p15="http://schemas.microsoft.com/office/powerpoint/2012/main" xmlns:ahyp="http://schemas.microsoft.com/office/drawing/2018/hyperlinkcolor" autoCompressPictures="0" embedTrueTypeFonts="1" strictFirstAndLastChars="0" saveSubsetFonts="1" showSpecialPlsOnTitleSld="0">
+<p:presentation xmlns:a="http://schemas.openxmlformats.org/drawingml/2006/main" xmlns:r="http://schemas.openxmlformats.org/officeDocument/2006/relationships" xmlns:p="http://schemas.openxmlformats.org/presentationml/2006/main" showSpecialPlsOnTitleSld="0" strictFirstAndLastChars="0" embedTrueTypeFonts="1" saveSubsetFonts="1" autoCompressPictures="0">
   <p:sldMasterIdLst>
-    <p:sldMasterId id="2147483659" r:id="rId4"/>
+    <p:sldMasterId id="2147483659" r:id="rId1"/>
   </p:sldMasterIdLst>
   <p:notesMasterIdLst>
-    <p:notesMasterId r:id="rId5"/>
+    <p:notesMasterId r:id="rId14"/>
   </p:notesMasterIdLst>
   <p:sldIdLst>
-    <p:sldId id="256" r:id="rId6"/>
-    <p:sldId id="257" r:id="rId7"/>
-    <p:sldId id="258" r:id="rId8"/>
-    <p:sldId id="259" r:id="rId9"/>
-    <p:sldId id="260" r:id="rId10"/>
-    <p:sldId id="261" r:id="rId11"/>
-    <p:sldId id="262" r:id="rId12"/>
-    <p:sldId id="263" r:id="rId13"/>
-    <p:sldId id="264" r:id="rId14"/>
-    <p:sldId id="265" r:id="rId15"/>
-    <p:sldId id="266" r:id="rId16"/>
-    <p:sldId id="267" r:id="rId17"/>
+    <p:sldId id="256" r:id="rId2"/>
+    <p:sldId id="257" r:id="rId3"/>
+    <p:sldId id="258" r:id="rId4"/>
+    <p:sldId id="259" r:id="rId5"/>
+    <p:sldId id="260" r:id="rId6"/>
+    <p:sldId id="261" r:id="rId7"/>
+    <p:sldId id="262" r:id="rId8"/>
+    <p:sldId id="263" r:id="rId9"/>
+    <p:sldId id="264" r:id="rId10"/>
+    <p:sldId id="265" r:id="rId11"/>
+    <p:sldId id="266" r:id="rId12"/>
+    <p:sldId id="267" r:id="rId13"/>
   </p:sldIdLst>
-  <p:sldSz cy="5143500" cx="9144000"/>
+  <p:sldSz cx="9144000" cy="5143500" type="screen16x9"/>
   <p:notesSz cx="6858000" cy="9144000"/>
   <p:embeddedFontLst>
     <p:embeddedFont>
-      <p:font typeface="Raleway"/>
-      <p:regular r:id="rId18"/>
-      <p:bold r:id="rId19"/>
-      <p:italic r:id="rId20"/>
-      <p:boldItalic r:id="rId21"/>
+      <p:font typeface="Caveat" panose="020B0604020202020204" charset="0"/>
+      <p:regular r:id="rId15"/>
+      <p:bold r:id="rId16"/>
     </p:embeddedFont>
     <p:embeddedFont>
-      <p:font typeface="Caveat"/>
-      <p:regular r:id="rId22"/>
-      <p:bold r:id="rId23"/>
+      <p:font typeface="Lato" panose="020F0502020204030203" pitchFamily="34" charset="0"/>
+      <p:regular r:id="rId17"/>
+      <p:bold r:id="rId18"/>
+      <p:italic r:id="rId19"/>
+      <p:boldItalic r:id="rId20"/>
     </p:embeddedFont>
     <p:embeddedFont>
-      <p:font typeface="Lato"/>
-      <p:regular r:id="rId24"/>
-      <p:bold r:id="rId25"/>
-      <p:italic r:id="rId26"/>
-      <p:boldItalic r:id="rId27"/>
+      <p:font typeface="Raleway" panose="020B0604020202020204" pitchFamily="2" charset="0"/>
+      <p:regular r:id="rId21"/>
+      <p:bold r:id="rId22"/>
+      <p:italic r:id="rId23"/>
+      <p:boldItalic r:id="rId24"/>
     </p:embeddedFont>
   </p:embeddedFontLst>
   <p:defaultTextStyle>
-    <a:defPPr lvl="0" marR="0" rtl="0" algn="l">
+    <a:defPPr marR="0" lvl="0" algn="l" rtl="0">
       <a:lnSpc>
         <a:spcPct val="100000"/>
       </a:lnSpc>
@@ -56,7 +56,7 @@
         <a:spcPts val="0"/>
       </a:spcAft>
     </a:defPPr>
-    <a:lvl1pPr lvl="0" marR="0" rtl="0" algn="l">
+    <a:lvl1pPr marR="0" lvl="0" algn="l" rtl="0">
       <a:lnSpc>
         <a:spcPct val="100000"/>
       </a:lnSpc>
@@ -70,7 +70,7 @@
         <a:srgbClr val="000000"/>
       </a:buClr>
       <a:buFont typeface="Arial"/>
-      <a:defRPr b="0" i="0" sz="1400" u="none" cap="none" strike="noStrike">
+      <a:defRPr sz="1400" b="0" i="0" u="none" strike="noStrike" cap="none">
         <a:solidFill>
           <a:srgbClr val="000000"/>
         </a:solidFill>
@@ -80,7 +80,7 @@
         <a:sym typeface="Arial"/>
       </a:defRPr>
     </a:lvl1pPr>
-    <a:lvl2pPr lvl="1" marR="0" rtl="0" algn="l">
+    <a:lvl2pPr marR="0" lvl="1" algn="l" rtl="0">
       <a:lnSpc>
         <a:spcPct val="100000"/>
       </a:lnSpc>
@@ -94,7 +94,7 @@
         <a:srgbClr val="000000"/>
       </a:buClr>
       <a:buFont typeface="Arial"/>
-      <a:defRPr b="0" i="0" sz="1400" u="none" cap="none" strike="noStrike">
+      <a:defRPr sz="1400" b="0" i="0" u="none" strike="noStrike" cap="none">
         <a:solidFill>
           <a:srgbClr val="000000"/>
         </a:solidFill>
@@ -104,7 +104,7 @@
         <a:sym typeface="Arial"/>
       </a:defRPr>
     </a:lvl2pPr>
-    <a:lvl3pPr lvl="2" marR="0" rtl="0" algn="l">
+    <a:lvl3pPr marR="0" lvl="2" algn="l" rtl="0">
       <a:lnSpc>
         <a:spcPct val="100000"/>
       </a:lnSpc>
@@ -118,7 +118,7 @@
         <a:srgbClr val="000000"/>
       </a:buClr>
       <a:buFont typeface="Arial"/>
-      <a:defRPr b="0" i="0" sz="1400" u="none" cap="none" strike="noStrike">
+      <a:defRPr sz="1400" b="0" i="0" u="none" strike="noStrike" cap="none">
         <a:solidFill>
           <a:srgbClr val="000000"/>
         </a:solidFill>
@@ -128,7 +128,7 @@
         <a:sym typeface="Arial"/>
       </a:defRPr>
     </a:lvl3pPr>
-    <a:lvl4pPr lvl="3" marR="0" rtl="0" algn="l">
+    <a:lvl4pPr marR="0" lvl="3" algn="l" rtl="0">
       <a:lnSpc>
         <a:spcPct val="100000"/>
       </a:lnSpc>
@@ -142,7 +142,7 @@
         <a:srgbClr val="000000"/>
       </a:buClr>
       <a:buFont typeface="Arial"/>
-      <a:defRPr b="0" i="0" sz="1400" u="none" cap="none" strike="noStrike">
+      <a:defRPr sz="1400" b="0" i="0" u="none" strike="noStrike" cap="none">
         <a:solidFill>
           <a:srgbClr val="000000"/>
         </a:solidFill>
@@ -152,7 +152,7 @@
         <a:sym typeface="Arial"/>
       </a:defRPr>
     </a:lvl4pPr>
-    <a:lvl5pPr lvl="4" marR="0" rtl="0" algn="l">
+    <a:lvl5pPr marR="0" lvl="4" algn="l" rtl="0">
       <a:lnSpc>
         <a:spcPct val="100000"/>
       </a:lnSpc>
@@ -166,7 +166,7 @@
         <a:srgbClr val="000000"/>
       </a:buClr>
       <a:buFont typeface="Arial"/>
-      <a:defRPr b="0" i="0" sz="1400" u="none" cap="none" strike="noStrike">
+      <a:defRPr sz="1400" b="0" i="0" u="none" strike="noStrike" cap="none">
         <a:solidFill>
           <a:srgbClr val="000000"/>
         </a:solidFill>
@@ -176,7 +176,7 @@
         <a:sym typeface="Arial"/>
       </a:defRPr>
     </a:lvl5pPr>
-    <a:lvl6pPr lvl="5" marR="0" rtl="0" algn="l">
+    <a:lvl6pPr marR="0" lvl="5" algn="l" rtl="0">
       <a:lnSpc>
         <a:spcPct val="100000"/>
       </a:lnSpc>
@@ -190,7 +190,7 @@
         <a:srgbClr val="000000"/>
       </a:buClr>
       <a:buFont typeface="Arial"/>
-      <a:defRPr b="0" i="0" sz="1400" u="none" cap="none" strike="noStrike">
+      <a:defRPr sz="1400" b="0" i="0" u="none" strike="noStrike" cap="none">
         <a:solidFill>
           <a:srgbClr val="000000"/>
         </a:solidFill>
@@ -200,7 +200,7 @@
         <a:sym typeface="Arial"/>
       </a:defRPr>
     </a:lvl6pPr>
-    <a:lvl7pPr lvl="6" marR="0" rtl="0" algn="l">
+    <a:lvl7pPr marR="0" lvl="6" algn="l" rtl="0">
       <a:lnSpc>
         <a:spcPct val="100000"/>
       </a:lnSpc>
@@ -214,7 +214,7 @@
         <a:srgbClr val="000000"/>
       </a:buClr>
       <a:buFont typeface="Arial"/>
-      <a:defRPr b="0" i="0" sz="1400" u="none" cap="none" strike="noStrike">
+      <a:defRPr sz="1400" b="0" i="0" u="none" strike="noStrike" cap="none">
         <a:solidFill>
           <a:srgbClr val="000000"/>
         </a:solidFill>
@@ -224,7 +224,7 @@
         <a:sym typeface="Arial"/>
       </a:defRPr>
     </a:lvl7pPr>
-    <a:lvl8pPr lvl="7" marR="0" rtl="0" algn="l">
+    <a:lvl8pPr marR="0" lvl="7" algn="l" rtl="0">
       <a:lnSpc>
         <a:spcPct val="100000"/>
       </a:lnSpc>
@@ -238,7 +238,7 @@
         <a:srgbClr val="000000"/>
       </a:buClr>
       <a:buFont typeface="Arial"/>
-      <a:defRPr b="0" i="0" sz="1400" u="none" cap="none" strike="noStrike">
+      <a:defRPr sz="1400" b="0" i="0" u="none" strike="noStrike" cap="none">
         <a:solidFill>
           <a:srgbClr val="000000"/>
         </a:solidFill>
@@ -248,7 +248,7 @@
         <a:sym typeface="Arial"/>
       </a:defRPr>
     </a:lvl8pPr>
-    <a:lvl9pPr lvl="8" marR="0" rtl="0" algn="l">
+    <a:lvl9pPr marR="0" lvl="8" algn="l" rtl="0">
       <a:lnSpc>
         <a:spcPct val="100000"/>
       </a:lnSpc>
@@ -262,7 +262,7 @@
         <a:srgbClr val="000000"/>
       </a:buClr>
       <a:buFont typeface="Arial"/>
-      <a:defRPr b="0" i="0" sz="1400" u="none" cap="none" strike="noStrike">
+      <a:defRPr sz="1400" b="0" i="0" u="none" strike="noStrike" cap="none">
         <a:solidFill>
           <a:srgbClr val="000000"/>
         </a:solidFill>
@@ -275,7 +275,7 @@
   </p:defaultTextStyle>
   <p:extLst>
     <p:ext uri="{EFAFB233-063F-42B5-8137-9DF3F51BA10A}">
-      <p15:sldGuideLst>
+      <p15:sldGuideLst xmlns:p15="http://schemas.microsoft.com/office/powerpoint/2012/main">
         <p15:guide id="1" orient="horz" pos="1792">
           <p15:clr>
             <a:srgbClr val="9AA0A6"/>
@@ -293,11 +293,16 @@
 </file>
 
 <file path=ppt/notesMasters/notesMaster1.xml><?xml version="1.0" encoding="utf-8"?>
-<p:notesMaster xmlns:a="http://schemas.openxmlformats.org/drawingml/2006/main" xmlns:r="http://schemas.openxmlformats.org/officeDocument/2006/relationships" xmlns:mc="http://schemas.openxmlformats.org/markup-compatibility/2006" xmlns:mv="urn:schemas-microsoft-com:mac:vml" xmlns:p="http://schemas.openxmlformats.org/presentationml/2006/main" xmlns:c="http://schemas.openxmlformats.org/drawingml/2006/chart" xmlns:dgm="http://schemas.openxmlformats.org/drawingml/2006/diagram" xmlns:o="urn:schemas-microsoft-com:office:office" xmlns:v="urn:schemas-microsoft-com:vml" xmlns:pvml="urn:schemas-microsoft-com:office:powerpoint" xmlns:com="http://schemas.openxmlformats.org/drawingml/2006/compatibility" xmlns:p14="http://schemas.microsoft.com/office/powerpoint/2010/main" xmlns:p15="http://schemas.microsoft.com/office/powerpoint/2012/main" xmlns:ahyp="http://schemas.microsoft.com/office/drawing/2018/hyperlinkcolor">
+<p:notesMaster xmlns:a="http://schemas.openxmlformats.org/drawingml/2006/main" xmlns:r="http://schemas.openxmlformats.org/officeDocument/2006/relationships" xmlns:p="http://schemas.openxmlformats.org/presentationml/2006/main">
   <p:cSld>
+    <p:bg>
+      <p:bgRef idx="1001">
+        <a:schemeClr val="bg1"/>
+      </p:bgRef>
+    </p:bg>
     <p:spTree>
       <p:nvGrpSpPr>
-        <p:cNvPr id="2" name="Shape 2"/>
+        <p:cNvPr id="1" name="Shape 2"/>
         <p:cNvGrpSpPr/>
         <p:nvPr/>
       </p:nvGrpSpPr>
@@ -312,9 +317,11 @@
       <p:sp>
         <p:nvSpPr>
           <p:cNvPr id="3" name="Google Shape;3;n"/>
-          <p:cNvSpPr/>
+          <p:cNvSpPr>
+            <a:spLocks noGrp="1" noRot="1" noChangeAspect="1"/>
+          </p:cNvSpPr>
           <p:nvPr>
-            <p:ph idx="2" type="sldImg"/>
+            <p:ph type="sldImg" idx="2"/>
           </p:nvPr>
         </p:nvSpPr>
         <p:spPr>
@@ -323,9 +330,13 @@
             <a:ext cx="6096075" cy="3429000"/>
           </a:xfrm>
           <a:custGeom>
-            <a:rect b="b" l="l" r="r" t="t"/>
+            <a:avLst/>
+            <a:gdLst/>
+            <a:ahLst/>
+            <a:cxnLst/>
+            <a:rect l="l" t="t" r="r" b="b"/>
             <a:pathLst>
-              <a:path extrusionOk="0" h="120000" w="120000">
+              <a:path w="120000" h="120000" extrusionOk="0">
                 <a:moveTo>
                   <a:pt x="0" y="0"/>
                 </a:moveTo>
@@ -343,23 +354,25 @@
             </a:pathLst>
           </a:custGeom>
           <a:noFill/>
-          <a:ln cap="flat" cmpd="sng" w="9525">
+          <a:ln w="9525" cap="flat" cmpd="sng">
             <a:solidFill>
               <a:srgbClr val="000000"/>
             </a:solidFill>
             <a:prstDash val="solid"/>
             <a:round/>
-            <a:headEnd len="sm" w="sm" type="none"/>
-            <a:tailEnd len="sm" w="sm" type="none"/>
+            <a:headEnd type="none" w="sm" len="sm"/>
+            <a:tailEnd type="none" w="sm" len="sm"/>
           </a:ln>
         </p:spPr>
       </p:sp>
       <p:sp>
         <p:nvSpPr>
           <p:cNvPr id="4" name="Google Shape;4;n"/>
-          <p:cNvSpPr txBox="1"/>
+          <p:cNvSpPr txBox="1">
+            <a:spLocks noGrp="1"/>
+          </p:cNvSpPr>
           <p:nvPr>
-            <p:ph idx="1" type="body"/>
+            <p:ph type="body" idx="1"/>
           </p:nvPr>
         </p:nvSpPr>
         <p:spPr>
@@ -376,11 +389,11 @@
           </a:ln>
         </p:spPr>
         <p:txBody>
-          <a:bodyPr anchorCtr="0" anchor="t" bIns="91425" lIns="91425" spcFirstLastPara="1" rIns="91425" wrap="square" tIns="91425">
+          <a:bodyPr spcFirstLastPara="1" wrap="square" lIns="91425" tIns="91425" rIns="91425" bIns="91425" anchor="t" anchorCtr="0">
             <a:noAutofit/>
           </a:bodyPr>
           <a:lstStyle>
-            <a:lvl1pPr indent="-298450" lvl="0" marL="457200">
+            <a:lvl1pPr marL="457200" lvl="0" indent="-298450">
               <a:spcBef>
                 <a:spcPts val="0"/>
               </a:spcBef>
@@ -391,7 +404,7 @@
               <a:buChar char="●"/>
               <a:defRPr sz="1100"/>
             </a:lvl1pPr>
-            <a:lvl2pPr indent="-298450" lvl="1" marL="914400">
+            <a:lvl2pPr marL="914400" lvl="1" indent="-298450">
               <a:spcBef>
                 <a:spcPts val="0"/>
               </a:spcBef>
@@ -402,7 +415,7 @@
               <a:buChar char="○"/>
               <a:defRPr sz="1100"/>
             </a:lvl2pPr>
-            <a:lvl3pPr indent="-298450" lvl="2" marL="1371600">
+            <a:lvl3pPr marL="1371600" lvl="2" indent="-298450">
               <a:spcBef>
                 <a:spcPts val="0"/>
               </a:spcBef>
@@ -413,7 +426,7 @@
               <a:buChar char="■"/>
               <a:defRPr sz="1100"/>
             </a:lvl3pPr>
-            <a:lvl4pPr indent="-298450" lvl="3" marL="1828800">
+            <a:lvl4pPr marL="1828800" lvl="3" indent="-298450">
               <a:spcBef>
                 <a:spcPts val="0"/>
               </a:spcBef>
@@ -424,7 +437,7 @@
               <a:buChar char="●"/>
               <a:defRPr sz="1100"/>
             </a:lvl4pPr>
-            <a:lvl5pPr indent="-298450" lvl="4" marL="2286000">
+            <a:lvl5pPr marL="2286000" lvl="4" indent="-298450">
               <a:spcBef>
                 <a:spcPts val="0"/>
               </a:spcBef>
@@ -435,7 +448,7 @@
               <a:buChar char="○"/>
               <a:defRPr sz="1100"/>
             </a:lvl5pPr>
-            <a:lvl6pPr indent="-298450" lvl="5" marL="2743200">
+            <a:lvl6pPr marL="2743200" lvl="5" indent="-298450">
               <a:spcBef>
                 <a:spcPts val="0"/>
               </a:spcBef>
@@ -446,7 +459,7 @@
               <a:buChar char="■"/>
               <a:defRPr sz="1100"/>
             </a:lvl6pPr>
-            <a:lvl7pPr indent="-298450" lvl="6" marL="3200400">
+            <a:lvl7pPr marL="3200400" lvl="6" indent="-298450">
               <a:spcBef>
                 <a:spcPts val="0"/>
               </a:spcBef>
@@ -457,7 +470,7 @@
               <a:buChar char="●"/>
               <a:defRPr sz="1100"/>
             </a:lvl7pPr>
-            <a:lvl8pPr indent="-298450" lvl="7" marL="3657600">
+            <a:lvl8pPr marL="3657600" lvl="7" indent="-298450">
               <a:spcBef>
                 <a:spcPts val="0"/>
               </a:spcBef>
@@ -468,7 +481,7 @@
               <a:buChar char="○"/>
               <a:defRPr sz="1100"/>
             </a:lvl8pPr>
-            <a:lvl9pPr indent="-298450" lvl="8" marL="4114800">
+            <a:lvl9pPr marL="4114800" lvl="8" indent="-298450">
               <a:spcBef>
                 <a:spcPts val="0"/>
               </a:spcBef>
@@ -480,14 +493,16 @@
               <a:defRPr sz="1100"/>
             </a:lvl9pPr>
           </a:lstStyle>
-          <a:p/>
+          <a:p>
+            <a:endParaRPr/>
+          </a:p>
         </p:txBody>
       </p:sp>
     </p:spTree>
   </p:cSld>
-  <p:clrMap accent1="accent1" accent2="accent2" accent3="accent3" accent4="accent4" accent5="accent5" accent6="accent6" bg1="lt1" bg2="dk2" tx1="dk1" tx2="lt2" folHlink="folHlink" hlink="hlink"/>
+  <p:clrMap bg1="lt1" tx1="dk1" bg2="dk2" tx2="lt2" accent1="accent1" accent2="accent2" accent3="accent3" accent4="accent4" accent5="accent5" accent6="accent6" hlink="hlink" folHlink="folHlink"/>
   <p:notesStyle>
-    <a:defPPr lvl="0" marR="0" rtl="0" algn="l">
+    <a:defPPr marR="0" lvl="0" algn="l" rtl="0">
       <a:lnSpc>
         <a:spcPct val="100000"/>
       </a:lnSpc>
@@ -498,7 +513,7 @@
         <a:spcPts val="0"/>
       </a:spcAft>
     </a:defPPr>
-    <a:lvl1pPr lvl="0" marR="0" rtl="0" algn="l">
+    <a:lvl1pPr marR="0" lvl="0" algn="l" rtl="0">
       <a:lnSpc>
         <a:spcPct val="100000"/>
       </a:lnSpc>
@@ -512,7 +527,7 @@
         <a:srgbClr val="000000"/>
       </a:buClr>
       <a:buFont typeface="Arial"/>
-      <a:defRPr b="0" i="0" sz="1400" u="none" cap="none" strike="noStrike">
+      <a:defRPr sz="1400" b="0" i="0" u="none" strike="noStrike" cap="none">
         <a:solidFill>
           <a:srgbClr val="000000"/>
         </a:solidFill>
@@ -522,7 +537,7 @@
         <a:sym typeface="Arial"/>
       </a:defRPr>
     </a:lvl1pPr>
-    <a:lvl2pPr lvl="1" marR="0" rtl="0" algn="l">
+    <a:lvl2pPr marR="0" lvl="1" algn="l" rtl="0">
       <a:lnSpc>
         <a:spcPct val="100000"/>
       </a:lnSpc>
@@ -536,7 +551,7 @@
         <a:srgbClr val="000000"/>
       </a:buClr>
       <a:buFont typeface="Arial"/>
-      <a:defRPr b="0" i="0" sz="1400" u="none" cap="none" strike="noStrike">
+      <a:defRPr sz="1400" b="0" i="0" u="none" strike="noStrike" cap="none">
         <a:solidFill>
           <a:srgbClr val="000000"/>
         </a:solidFill>
@@ -546,7 +561,7 @@
         <a:sym typeface="Arial"/>
       </a:defRPr>
     </a:lvl2pPr>
-    <a:lvl3pPr lvl="2" marR="0" rtl="0" algn="l">
+    <a:lvl3pPr marR="0" lvl="2" algn="l" rtl="0">
       <a:lnSpc>
         <a:spcPct val="100000"/>
       </a:lnSpc>
@@ -560,7 +575,7 @@
         <a:srgbClr val="000000"/>
       </a:buClr>
       <a:buFont typeface="Arial"/>
-      <a:defRPr b="0" i="0" sz="1400" u="none" cap="none" strike="noStrike">
+      <a:defRPr sz="1400" b="0" i="0" u="none" strike="noStrike" cap="none">
         <a:solidFill>
           <a:srgbClr val="000000"/>
         </a:solidFill>
@@ -570,7 +585,7 @@
         <a:sym typeface="Arial"/>
       </a:defRPr>
     </a:lvl3pPr>
-    <a:lvl4pPr lvl="3" marR="0" rtl="0" algn="l">
+    <a:lvl4pPr marR="0" lvl="3" algn="l" rtl="0">
       <a:lnSpc>
         <a:spcPct val="100000"/>
       </a:lnSpc>
@@ -584,7 +599,7 @@
         <a:srgbClr val="000000"/>
       </a:buClr>
       <a:buFont typeface="Arial"/>
-      <a:defRPr b="0" i="0" sz="1400" u="none" cap="none" strike="noStrike">
+      <a:defRPr sz="1400" b="0" i="0" u="none" strike="noStrike" cap="none">
         <a:solidFill>
           <a:srgbClr val="000000"/>
         </a:solidFill>
@@ -594,7 +609,7 @@
         <a:sym typeface="Arial"/>
       </a:defRPr>
     </a:lvl4pPr>
-    <a:lvl5pPr lvl="4" marR="0" rtl="0" algn="l">
+    <a:lvl5pPr marR="0" lvl="4" algn="l" rtl="0">
       <a:lnSpc>
         <a:spcPct val="100000"/>
       </a:lnSpc>
@@ -608,7 +623,7 @@
         <a:srgbClr val="000000"/>
       </a:buClr>
       <a:buFont typeface="Arial"/>
-      <a:defRPr b="0" i="0" sz="1400" u="none" cap="none" strike="noStrike">
+      <a:defRPr sz="1400" b="0" i="0" u="none" strike="noStrike" cap="none">
         <a:solidFill>
           <a:srgbClr val="000000"/>
         </a:solidFill>
@@ -618,7 +633,7 @@
         <a:sym typeface="Arial"/>
       </a:defRPr>
     </a:lvl5pPr>
-    <a:lvl6pPr lvl="5" marR="0" rtl="0" algn="l">
+    <a:lvl6pPr marR="0" lvl="5" algn="l" rtl="0">
       <a:lnSpc>
         <a:spcPct val="100000"/>
       </a:lnSpc>
@@ -632,7 +647,7 @@
         <a:srgbClr val="000000"/>
       </a:buClr>
       <a:buFont typeface="Arial"/>
-      <a:defRPr b="0" i="0" sz="1400" u="none" cap="none" strike="noStrike">
+      <a:defRPr sz="1400" b="0" i="0" u="none" strike="noStrike" cap="none">
         <a:solidFill>
           <a:srgbClr val="000000"/>
         </a:solidFill>
@@ -642,7 +657,7 @@
         <a:sym typeface="Arial"/>
       </a:defRPr>
     </a:lvl6pPr>
-    <a:lvl7pPr lvl="6" marR="0" rtl="0" algn="l">
+    <a:lvl7pPr marR="0" lvl="6" algn="l" rtl="0">
       <a:lnSpc>
         <a:spcPct val="100000"/>
       </a:lnSpc>
@@ -656,7 +671,7 @@
         <a:srgbClr val="000000"/>
       </a:buClr>
       <a:buFont typeface="Arial"/>
-      <a:defRPr b="0" i="0" sz="1400" u="none" cap="none" strike="noStrike">
+      <a:defRPr sz="1400" b="0" i="0" u="none" strike="noStrike" cap="none">
         <a:solidFill>
           <a:srgbClr val="000000"/>
         </a:solidFill>
@@ -666,7 +681,7 @@
         <a:sym typeface="Arial"/>
       </a:defRPr>
     </a:lvl7pPr>
-    <a:lvl8pPr lvl="7" marR="0" rtl="0" algn="l">
+    <a:lvl8pPr marR="0" lvl="7" algn="l" rtl="0">
       <a:lnSpc>
         <a:spcPct val="100000"/>
       </a:lnSpc>
@@ -680,7 +695,7 @@
         <a:srgbClr val="000000"/>
       </a:buClr>
       <a:buFont typeface="Arial"/>
-      <a:defRPr b="0" i="0" sz="1400" u="none" cap="none" strike="noStrike">
+      <a:defRPr sz="1400" b="0" i="0" u="none" strike="noStrike" cap="none">
         <a:solidFill>
           <a:srgbClr val="000000"/>
         </a:solidFill>
@@ -690,7 +705,7 @@
         <a:sym typeface="Arial"/>
       </a:defRPr>
     </a:lvl8pPr>
-    <a:lvl9pPr lvl="8" marR="0" rtl="0" algn="l">
+    <a:lvl9pPr marR="0" lvl="8" algn="l" rtl="0">
       <a:lnSpc>
         <a:spcPct val="100000"/>
       </a:lnSpc>
@@ -704,7 +719,7 @@
         <a:srgbClr val="000000"/>
       </a:buClr>
       <a:buFont typeface="Arial"/>
-      <a:defRPr b="0" i="0" sz="1400" u="none" cap="none" strike="noStrike">
+      <a:defRPr sz="1400" b="0" i="0" u="none" strike="noStrike" cap="none">
         <a:solidFill>
           <a:srgbClr val="000000"/>
         </a:solidFill>
@@ -719,11 +734,11 @@
 </file>
 
 <file path=ppt/notesSlides/notesSlide1.xml><?xml version="1.0" encoding="utf-8"?>
-<p:notes xmlns:a="http://schemas.openxmlformats.org/drawingml/2006/main" xmlns:r="http://schemas.openxmlformats.org/officeDocument/2006/relationships" xmlns:mc="http://schemas.openxmlformats.org/markup-compatibility/2006" xmlns:mv="urn:schemas-microsoft-com:mac:vml" xmlns:p="http://schemas.openxmlformats.org/presentationml/2006/main" xmlns:c="http://schemas.openxmlformats.org/drawingml/2006/chart" xmlns:dgm="http://schemas.openxmlformats.org/drawingml/2006/diagram" xmlns:o="urn:schemas-microsoft-com:office:office" xmlns:v="urn:schemas-microsoft-com:vml" xmlns:pvml="urn:schemas-microsoft-com:office:powerpoint" xmlns:com="http://schemas.openxmlformats.org/drawingml/2006/compatibility" xmlns:p14="http://schemas.microsoft.com/office/powerpoint/2010/main" xmlns:p15="http://schemas.microsoft.com/office/powerpoint/2012/main" xmlns:ahyp="http://schemas.microsoft.com/office/drawing/2018/hyperlinkcolor" showMasterPhAnim="0" showMasterSp="0">
+<p:notes xmlns:a="http://schemas.openxmlformats.org/drawingml/2006/main" xmlns:r="http://schemas.openxmlformats.org/officeDocument/2006/relationships" xmlns:p="http://schemas.openxmlformats.org/presentationml/2006/main" showMasterSp="0" showMasterPhAnim="0">
   <p:cSld>
     <p:spTree>
       <p:nvGrpSpPr>
-        <p:cNvPr id="82" name="Shape 82"/>
+        <p:cNvPr id="1" name="Shape 82"/>
         <p:cNvGrpSpPr/>
         <p:nvPr/>
       </p:nvGrpSpPr>
@@ -738,20 +753,26 @@
       <p:sp>
         <p:nvSpPr>
           <p:cNvPr id="83" name="Google Shape;83;g12e4ce16b91_0_0:notes"/>
-          <p:cNvSpPr/>
+          <p:cNvSpPr>
+            <a:spLocks noGrp="1" noRot="1" noChangeAspect="1"/>
+          </p:cNvSpPr>
           <p:nvPr>
-            <p:ph idx="2" type="sldImg"/>
+            <p:ph type="sldImg" idx="2"/>
           </p:nvPr>
         </p:nvSpPr>
         <p:spPr>
           <a:xfrm>
-            <a:off x="381300" y="685800"/>
+            <a:off x="381000" y="685800"/>
             <a:ext cx="6096000" cy="3429000"/>
           </a:xfrm>
           <a:custGeom>
-            <a:rect b="b" l="l" r="r" t="t"/>
+            <a:avLst/>
+            <a:gdLst/>
+            <a:ahLst/>
+            <a:cxnLst/>
+            <a:rect l="l" t="t" r="r" b="b"/>
             <a:pathLst>
-              <a:path extrusionOk="0" h="120000" w="120000">
+              <a:path w="120000" h="120000" extrusionOk="0">
                 <a:moveTo>
                   <a:pt x="0" y="0"/>
                 </a:moveTo>
@@ -773,9 +794,11 @@
       <p:sp>
         <p:nvSpPr>
           <p:cNvPr id="84" name="Google Shape;84;g12e4ce16b91_0_0:notes"/>
-          <p:cNvSpPr txBox="1"/>
+          <p:cNvSpPr txBox="1">
+            <a:spLocks noGrp="1"/>
+          </p:cNvSpPr>
           <p:nvPr>
-            <p:ph idx="1" type="body"/>
+            <p:ph type="body" idx="1"/>
           </p:nvPr>
         </p:nvSpPr>
         <p:spPr>
@@ -788,12 +811,12 @@
           </a:prstGeom>
         </p:spPr>
         <p:txBody>
-          <a:bodyPr anchorCtr="0" anchor="t" bIns="91425" lIns="91425" spcFirstLastPara="1" rIns="91425" wrap="square" tIns="91425">
+          <a:bodyPr spcFirstLastPara="1" wrap="square" lIns="91425" tIns="91425" rIns="91425" bIns="91425" anchor="t" anchorCtr="0">
             <a:noAutofit/>
           </a:bodyPr>
           <a:lstStyle/>
           <a:p>
-            <a:pPr indent="0" lvl="0" marL="0" rtl="0" algn="l">
+            <a:pPr marL="0" lvl="0" indent="0" algn="l" rtl="0">
               <a:spcBef>
                 <a:spcPts val="0"/>
               </a:spcBef>
@@ -804,11 +827,7 @@
             </a:pPr>
             <a:r>
               <a:rPr lang="en"/>
-              <a:t>In this presentation we want to show you why it can be </a:t>
-            </a:r>
-            <a:r>
-              <a:rPr lang="en"/>
-              <a:t>advantageous to sell some products at a specific discount.</a:t>
+              <a:t>In this presentation we want to show you why it can be advantageous to sell some products at a specific discount.</a:t>
             </a:r>
             <a:endParaRPr/>
           </a:p>
@@ -823,11 +842,11 @@
 </file>
 
 <file path=ppt/notesSlides/notesSlide10.xml><?xml version="1.0" encoding="utf-8"?>
-<p:notes xmlns:a="http://schemas.openxmlformats.org/drawingml/2006/main" xmlns:r="http://schemas.openxmlformats.org/officeDocument/2006/relationships" xmlns:mc="http://schemas.openxmlformats.org/markup-compatibility/2006" xmlns:mv="urn:schemas-microsoft-com:mac:vml" xmlns:p="http://schemas.openxmlformats.org/presentationml/2006/main" xmlns:c="http://schemas.openxmlformats.org/drawingml/2006/chart" xmlns:dgm="http://schemas.openxmlformats.org/drawingml/2006/diagram" xmlns:o="urn:schemas-microsoft-com:office:office" xmlns:v="urn:schemas-microsoft-com:vml" xmlns:pvml="urn:schemas-microsoft-com:office:powerpoint" xmlns:com="http://schemas.openxmlformats.org/drawingml/2006/compatibility" xmlns:p14="http://schemas.microsoft.com/office/powerpoint/2010/main" xmlns:p15="http://schemas.microsoft.com/office/powerpoint/2012/main" xmlns:ahyp="http://schemas.microsoft.com/office/drawing/2018/hyperlinkcolor" showMasterPhAnim="0" showMasterSp="0">
+<p:notes xmlns:a="http://schemas.openxmlformats.org/drawingml/2006/main" xmlns:r="http://schemas.openxmlformats.org/officeDocument/2006/relationships" xmlns:p="http://schemas.openxmlformats.org/presentationml/2006/main" showMasterSp="0" showMasterPhAnim="0">
   <p:cSld>
     <p:spTree>
       <p:nvGrpSpPr>
-        <p:cNvPr id="149" name="Shape 149"/>
+        <p:cNvPr id="1" name="Shape 149"/>
         <p:cNvGrpSpPr/>
         <p:nvPr/>
       </p:nvGrpSpPr>
@@ -842,9 +861,11 @@
       <p:sp>
         <p:nvSpPr>
           <p:cNvPr id="150" name="Google Shape;150;g12e9b49f5cc_1_71:notes"/>
-          <p:cNvSpPr/>
+          <p:cNvSpPr>
+            <a:spLocks noGrp="1" noRot="1" noChangeAspect="1"/>
+          </p:cNvSpPr>
           <p:nvPr>
-            <p:ph idx="2" type="sldImg"/>
+            <p:ph type="sldImg" idx="2"/>
           </p:nvPr>
         </p:nvSpPr>
         <p:spPr>
@@ -853,9 +874,13 @@
             <a:ext cx="6096000" cy="3429000"/>
           </a:xfrm>
           <a:custGeom>
-            <a:rect b="b" l="l" r="r" t="t"/>
+            <a:avLst/>
+            <a:gdLst/>
+            <a:ahLst/>
+            <a:cxnLst/>
+            <a:rect l="l" t="t" r="r" b="b"/>
             <a:pathLst>
-              <a:path extrusionOk="0" h="120000" w="120000">
+              <a:path w="120000" h="120000" extrusionOk="0">
                 <a:moveTo>
                   <a:pt x="0" y="0"/>
                 </a:moveTo>
@@ -877,9 +902,11 @@
       <p:sp>
         <p:nvSpPr>
           <p:cNvPr id="151" name="Google Shape;151;g12e9b49f5cc_1_71:notes"/>
-          <p:cNvSpPr txBox="1"/>
+          <p:cNvSpPr txBox="1">
+            <a:spLocks noGrp="1"/>
+          </p:cNvSpPr>
           <p:nvPr>
-            <p:ph idx="1" type="body"/>
+            <p:ph type="body" idx="1"/>
           </p:nvPr>
         </p:nvSpPr>
         <p:spPr>
@@ -892,12 +919,12 @@
           </a:prstGeom>
         </p:spPr>
         <p:txBody>
-          <a:bodyPr anchorCtr="0" anchor="t" bIns="91425" lIns="91425" spcFirstLastPara="1" rIns="91425" wrap="square" tIns="91425">
+          <a:bodyPr spcFirstLastPara="1" wrap="square" lIns="91425" tIns="91425" rIns="91425" bIns="91425" anchor="t" anchorCtr="0">
             <a:noAutofit/>
           </a:bodyPr>
           <a:lstStyle/>
           <a:p>
-            <a:pPr indent="0" lvl="0" marL="0" rtl="0" algn="l">
+            <a:pPr marL="0" lvl="0" indent="0" algn="l" rtl="0">
               <a:spcBef>
                 <a:spcPts val="0"/>
               </a:spcBef>
@@ -913,7 +940,7 @@
             <a:endParaRPr/>
           </a:p>
           <a:p>
-            <a:pPr indent="0" lvl="0" marL="0" rtl="0" algn="l">
+            <a:pPr marL="0" lvl="0" indent="0" algn="l" rtl="0">
               <a:spcBef>
                 <a:spcPts val="0"/>
               </a:spcBef>
@@ -922,13 +949,10 @@
               </a:spcAft>
               <a:buNone/>
             </a:pPr>
-            <a:r>
-              <a:t/>
-            </a:r>
             <a:endParaRPr/>
           </a:p>
           <a:p>
-            <a:pPr indent="0" lvl="0" marL="0" rtl="0" algn="l">
+            <a:pPr marL="0" lvl="0" indent="0" algn="l" rtl="0">
               <a:spcBef>
                 <a:spcPts val="0"/>
               </a:spcBef>
@@ -954,11 +978,11 @@
 </file>
 
 <file path=ppt/notesSlides/notesSlide11.xml><?xml version="1.0" encoding="utf-8"?>
-<p:notes xmlns:a="http://schemas.openxmlformats.org/drawingml/2006/main" xmlns:r="http://schemas.openxmlformats.org/officeDocument/2006/relationships" xmlns:mc="http://schemas.openxmlformats.org/markup-compatibility/2006" xmlns:mv="urn:schemas-microsoft-com:mac:vml" xmlns:p="http://schemas.openxmlformats.org/presentationml/2006/main" xmlns:c="http://schemas.openxmlformats.org/drawingml/2006/chart" xmlns:dgm="http://schemas.openxmlformats.org/drawingml/2006/diagram" xmlns:o="urn:schemas-microsoft-com:office:office" xmlns:v="urn:schemas-microsoft-com:vml" xmlns:pvml="urn:schemas-microsoft-com:office:powerpoint" xmlns:com="http://schemas.openxmlformats.org/drawingml/2006/compatibility" xmlns:p14="http://schemas.microsoft.com/office/powerpoint/2010/main" xmlns:p15="http://schemas.microsoft.com/office/powerpoint/2012/main" xmlns:ahyp="http://schemas.microsoft.com/office/drawing/2018/hyperlinkcolor" showMasterPhAnim="0" showMasterSp="0">
+<p:notes xmlns:a="http://schemas.openxmlformats.org/drawingml/2006/main" xmlns:r="http://schemas.openxmlformats.org/officeDocument/2006/relationships" xmlns:p="http://schemas.openxmlformats.org/presentationml/2006/main" showMasterSp="0" showMasterPhAnim="0">
   <p:cSld>
     <p:spTree>
       <p:nvGrpSpPr>
-        <p:cNvPr id="157" name="Shape 157"/>
+        <p:cNvPr id="1" name="Shape 157"/>
         <p:cNvGrpSpPr/>
         <p:nvPr/>
       </p:nvGrpSpPr>
@@ -973,9 +997,11 @@
       <p:sp>
         <p:nvSpPr>
           <p:cNvPr id="158" name="Google Shape;158;g12e4ce16b91_0_20:notes"/>
-          <p:cNvSpPr/>
+          <p:cNvSpPr>
+            <a:spLocks noGrp="1" noRot="1" noChangeAspect="1"/>
+          </p:cNvSpPr>
           <p:nvPr>
-            <p:ph idx="2" type="sldImg"/>
+            <p:ph type="sldImg" idx="2"/>
           </p:nvPr>
         </p:nvSpPr>
         <p:spPr>
@@ -984,9 +1010,13 @@
             <a:ext cx="6096000" cy="3429000"/>
           </a:xfrm>
           <a:custGeom>
-            <a:rect b="b" l="l" r="r" t="t"/>
+            <a:avLst/>
+            <a:gdLst/>
+            <a:ahLst/>
+            <a:cxnLst/>
+            <a:rect l="l" t="t" r="r" b="b"/>
             <a:pathLst>
-              <a:path extrusionOk="0" h="120000" w="120000">
+              <a:path w="120000" h="120000" extrusionOk="0">
                 <a:moveTo>
                   <a:pt x="0" y="0"/>
                 </a:moveTo>
@@ -1008,9 +1038,11 @@
       <p:sp>
         <p:nvSpPr>
           <p:cNvPr id="159" name="Google Shape;159;g12e4ce16b91_0_20:notes"/>
-          <p:cNvSpPr txBox="1"/>
+          <p:cNvSpPr txBox="1">
+            <a:spLocks noGrp="1"/>
+          </p:cNvSpPr>
           <p:nvPr>
-            <p:ph idx="1" type="body"/>
+            <p:ph type="body" idx="1"/>
           </p:nvPr>
         </p:nvSpPr>
         <p:spPr>
@@ -1023,12 +1055,12 @@
           </a:prstGeom>
         </p:spPr>
         <p:txBody>
-          <a:bodyPr anchorCtr="0" anchor="t" bIns="91425" lIns="91425" spcFirstLastPara="1" rIns="91425" wrap="square" tIns="91425">
+          <a:bodyPr spcFirstLastPara="1" wrap="square" lIns="91425" tIns="91425" rIns="91425" bIns="91425" anchor="t" anchorCtr="0">
             <a:noAutofit/>
           </a:bodyPr>
           <a:lstStyle/>
           <a:p>
-            <a:pPr indent="0" lvl="0" marL="0" rtl="0" algn="l">
+            <a:pPr marL="0" lvl="0" indent="0" algn="l" rtl="0">
               <a:spcBef>
                 <a:spcPts val="0"/>
               </a:spcBef>
@@ -1054,11 +1086,11 @@
 </file>
 
 <file path=ppt/notesSlides/notesSlide12.xml><?xml version="1.0" encoding="utf-8"?>
-<p:notes xmlns:a="http://schemas.openxmlformats.org/drawingml/2006/main" xmlns:r="http://schemas.openxmlformats.org/officeDocument/2006/relationships" xmlns:mc="http://schemas.openxmlformats.org/markup-compatibility/2006" xmlns:mv="urn:schemas-microsoft-com:mac:vml" xmlns:p="http://schemas.openxmlformats.org/presentationml/2006/main" xmlns:c="http://schemas.openxmlformats.org/drawingml/2006/chart" xmlns:dgm="http://schemas.openxmlformats.org/drawingml/2006/diagram" xmlns:o="urn:schemas-microsoft-com:office:office" xmlns:v="urn:schemas-microsoft-com:vml" xmlns:pvml="urn:schemas-microsoft-com:office:powerpoint" xmlns:com="http://schemas.openxmlformats.org/drawingml/2006/compatibility" xmlns:p14="http://schemas.microsoft.com/office/powerpoint/2010/main" xmlns:p15="http://schemas.microsoft.com/office/powerpoint/2012/main" xmlns:ahyp="http://schemas.microsoft.com/office/drawing/2018/hyperlinkcolor" showMasterPhAnim="0" showMasterSp="0">
+<p:notes xmlns:a="http://schemas.openxmlformats.org/drawingml/2006/main" xmlns:r="http://schemas.openxmlformats.org/officeDocument/2006/relationships" xmlns:p="http://schemas.openxmlformats.org/presentationml/2006/main" showMasterSp="0" showMasterPhAnim="0">
   <p:cSld>
     <p:spTree>
       <p:nvGrpSpPr>
-        <p:cNvPr id="164" name="Shape 164"/>
+        <p:cNvPr id="1" name="Shape 164"/>
         <p:cNvGrpSpPr/>
         <p:nvPr/>
       </p:nvGrpSpPr>
@@ -1073,9 +1105,11 @@
       <p:sp>
         <p:nvSpPr>
           <p:cNvPr id="165" name="Google Shape;165;g12e9fe8a147_9_6:notes"/>
-          <p:cNvSpPr/>
+          <p:cNvSpPr>
+            <a:spLocks noGrp="1" noRot="1" noChangeAspect="1"/>
+          </p:cNvSpPr>
           <p:nvPr>
-            <p:ph idx="2" type="sldImg"/>
+            <p:ph type="sldImg" idx="2"/>
           </p:nvPr>
         </p:nvSpPr>
         <p:spPr>
@@ -1084,9 +1118,13 @@
             <a:ext cx="6096000" cy="3429000"/>
           </a:xfrm>
           <a:custGeom>
-            <a:rect b="b" l="l" r="r" t="t"/>
+            <a:avLst/>
+            <a:gdLst/>
+            <a:ahLst/>
+            <a:cxnLst/>
+            <a:rect l="l" t="t" r="r" b="b"/>
             <a:pathLst>
-              <a:path extrusionOk="0" h="120000" w="120000">
+              <a:path w="120000" h="120000" extrusionOk="0">
                 <a:moveTo>
                   <a:pt x="0" y="0"/>
                 </a:moveTo>
@@ -1108,9 +1146,11 @@
       <p:sp>
         <p:nvSpPr>
           <p:cNvPr id="166" name="Google Shape;166;g12e9fe8a147_9_6:notes"/>
-          <p:cNvSpPr txBox="1"/>
+          <p:cNvSpPr txBox="1">
+            <a:spLocks noGrp="1"/>
+          </p:cNvSpPr>
           <p:nvPr>
-            <p:ph idx="1" type="body"/>
+            <p:ph type="body" idx="1"/>
           </p:nvPr>
         </p:nvSpPr>
         <p:spPr>
@@ -1123,12 +1163,12 @@
           </a:prstGeom>
         </p:spPr>
         <p:txBody>
-          <a:bodyPr anchorCtr="0" anchor="t" bIns="91425" lIns="91425" spcFirstLastPara="1" rIns="91425" wrap="square" tIns="91425">
+          <a:bodyPr spcFirstLastPara="1" wrap="square" lIns="91425" tIns="91425" rIns="91425" bIns="91425" anchor="t" anchorCtr="0">
             <a:noAutofit/>
           </a:bodyPr>
           <a:lstStyle/>
           <a:p>
-            <a:pPr indent="0" lvl="0" marL="0" rtl="0" algn="l">
+            <a:pPr marL="0" lvl="0" indent="0" algn="l" rtl="0">
               <a:spcBef>
                 <a:spcPts val="0"/>
               </a:spcBef>
@@ -1154,11 +1194,11 @@
 </file>
 
 <file path=ppt/notesSlides/notesSlide2.xml><?xml version="1.0" encoding="utf-8"?>
-<p:notes xmlns:a="http://schemas.openxmlformats.org/drawingml/2006/main" xmlns:r="http://schemas.openxmlformats.org/officeDocument/2006/relationships" xmlns:mc="http://schemas.openxmlformats.org/markup-compatibility/2006" xmlns:mv="urn:schemas-microsoft-com:mac:vml" xmlns:p="http://schemas.openxmlformats.org/presentationml/2006/main" xmlns:c="http://schemas.openxmlformats.org/drawingml/2006/chart" xmlns:dgm="http://schemas.openxmlformats.org/drawingml/2006/diagram" xmlns:o="urn:schemas-microsoft-com:office:office" xmlns:v="urn:schemas-microsoft-com:vml" xmlns:pvml="urn:schemas-microsoft-com:office:powerpoint" xmlns:com="http://schemas.openxmlformats.org/drawingml/2006/compatibility" xmlns:p14="http://schemas.microsoft.com/office/powerpoint/2010/main" xmlns:p15="http://schemas.microsoft.com/office/powerpoint/2012/main" xmlns:ahyp="http://schemas.microsoft.com/office/drawing/2018/hyperlinkcolor" showMasterPhAnim="0" showMasterSp="0">
+<p:notes xmlns:a="http://schemas.openxmlformats.org/drawingml/2006/main" xmlns:r="http://schemas.openxmlformats.org/officeDocument/2006/relationships" xmlns:p="http://schemas.openxmlformats.org/presentationml/2006/main" showMasterSp="0" showMasterPhAnim="0">
   <p:cSld>
     <p:spTree>
       <p:nvGrpSpPr>
-        <p:cNvPr id="88" name="Shape 88"/>
+        <p:cNvPr id="1" name="Shape 88"/>
         <p:cNvGrpSpPr/>
         <p:nvPr/>
       </p:nvGrpSpPr>
@@ -1173,9 +1213,11 @@
       <p:sp>
         <p:nvSpPr>
           <p:cNvPr id="89" name="Google Shape;89;g12e9b49f5cc_1_91:notes"/>
-          <p:cNvSpPr/>
+          <p:cNvSpPr>
+            <a:spLocks noGrp="1" noRot="1" noChangeAspect="1"/>
+          </p:cNvSpPr>
           <p:nvPr>
-            <p:ph idx="2" type="sldImg"/>
+            <p:ph type="sldImg" idx="2"/>
           </p:nvPr>
         </p:nvSpPr>
         <p:spPr>
@@ -1184,9 +1226,13 @@
             <a:ext cx="6096000" cy="3429000"/>
           </a:xfrm>
           <a:custGeom>
-            <a:rect b="b" l="l" r="r" t="t"/>
+            <a:avLst/>
+            <a:gdLst/>
+            <a:ahLst/>
+            <a:cxnLst/>
+            <a:rect l="l" t="t" r="r" b="b"/>
             <a:pathLst>
-              <a:path extrusionOk="0" h="120000" w="120000">
+              <a:path w="120000" h="120000" extrusionOk="0">
                 <a:moveTo>
                   <a:pt x="0" y="0"/>
                 </a:moveTo>
@@ -1208,9 +1254,11 @@
       <p:sp>
         <p:nvSpPr>
           <p:cNvPr id="90" name="Google Shape;90;g12e9b49f5cc_1_91:notes"/>
-          <p:cNvSpPr txBox="1"/>
+          <p:cNvSpPr txBox="1">
+            <a:spLocks noGrp="1"/>
+          </p:cNvSpPr>
           <p:nvPr>
-            <p:ph idx="1" type="body"/>
+            <p:ph type="body" idx="1"/>
           </p:nvPr>
         </p:nvSpPr>
         <p:spPr>
@@ -1223,12 +1271,12 @@
           </a:prstGeom>
         </p:spPr>
         <p:txBody>
-          <a:bodyPr anchorCtr="0" anchor="t" bIns="91425" lIns="91425" spcFirstLastPara="1" rIns="91425" wrap="square" tIns="91425">
+          <a:bodyPr spcFirstLastPara="1" wrap="square" lIns="91425" tIns="91425" rIns="91425" bIns="91425" anchor="t" anchorCtr="0">
             <a:noAutofit/>
           </a:bodyPr>
           <a:lstStyle/>
           <a:p>
-            <a:pPr indent="0" lvl="0" marL="0" rtl="0" algn="l">
+            <a:pPr marL="0" lvl="0" indent="0" algn="l" rtl="0">
               <a:spcBef>
                 <a:spcPts val="0"/>
               </a:spcBef>
@@ -1254,11 +1302,11 @@
 </file>
 
 <file path=ppt/notesSlides/notesSlide3.xml><?xml version="1.0" encoding="utf-8"?>
-<p:notes xmlns:a="http://schemas.openxmlformats.org/drawingml/2006/main" xmlns:r="http://schemas.openxmlformats.org/officeDocument/2006/relationships" xmlns:mc="http://schemas.openxmlformats.org/markup-compatibility/2006" xmlns:mv="urn:schemas-microsoft-com:mac:vml" xmlns:p="http://schemas.openxmlformats.org/presentationml/2006/main" xmlns:c="http://schemas.openxmlformats.org/drawingml/2006/chart" xmlns:dgm="http://schemas.openxmlformats.org/drawingml/2006/diagram" xmlns:o="urn:schemas-microsoft-com:office:office" xmlns:v="urn:schemas-microsoft-com:vml" xmlns:pvml="urn:schemas-microsoft-com:office:powerpoint" xmlns:com="http://schemas.openxmlformats.org/drawingml/2006/compatibility" xmlns:p14="http://schemas.microsoft.com/office/powerpoint/2010/main" xmlns:p15="http://schemas.microsoft.com/office/powerpoint/2012/main" xmlns:ahyp="http://schemas.microsoft.com/office/drawing/2018/hyperlinkcolor" showMasterPhAnim="0" showMasterSp="0">
+<p:notes xmlns:a="http://schemas.openxmlformats.org/drawingml/2006/main" xmlns:r="http://schemas.openxmlformats.org/officeDocument/2006/relationships" xmlns:p="http://schemas.openxmlformats.org/presentationml/2006/main" showMasterSp="0" showMasterPhAnim="0">
   <p:cSld>
     <p:spTree>
       <p:nvGrpSpPr>
-        <p:cNvPr id="95" name="Shape 95"/>
+        <p:cNvPr id="1" name="Shape 95"/>
         <p:cNvGrpSpPr/>
         <p:nvPr/>
       </p:nvGrpSpPr>
@@ -1273,9 +1321,11 @@
       <p:sp>
         <p:nvSpPr>
           <p:cNvPr id="96" name="Google Shape;96;g12e9fe8a147_7_0:notes"/>
-          <p:cNvSpPr/>
+          <p:cNvSpPr>
+            <a:spLocks noGrp="1" noRot="1" noChangeAspect="1"/>
+          </p:cNvSpPr>
           <p:nvPr>
-            <p:ph idx="2" type="sldImg"/>
+            <p:ph type="sldImg" idx="2"/>
           </p:nvPr>
         </p:nvSpPr>
         <p:spPr>
@@ -1284,9 +1334,13 @@
             <a:ext cx="6096000" cy="3429000"/>
           </a:xfrm>
           <a:custGeom>
-            <a:rect b="b" l="l" r="r" t="t"/>
+            <a:avLst/>
+            <a:gdLst/>
+            <a:ahLst/>
+            <a:cxnLst/>
+            <a:rect l="l" t="t" r="r" b="b"/>
             <a:pathLst>
-              <a:path extrusionOk="0" h="120000" w="120000">
+              <a:path w="120000" h="120000" extrusionOk="0">
                 <a:moveTo>
                   <a:pt x="0" y="0"/>
                 </a:moveTo>
@@ -1308,9 +1362,11 @@
       <p:sp>
         <p:nvSpPr>
           <p:cNvPr id="97" name="Google Shape;97;g12e9fe8a147_7_0:notes"/>
-          <p:cNvSpPr txBox="1"/>
+          <p:cNvSpPr txBox="1">
+            <a:spLocks noGrp="1"/>
+          </p:cNvSpPr>
           <p:nvPr>
-            <p:ph idx="1" type="body"/>
+            <p:ph type="body" idx="1"/>
           </p:nvPr>
         </p:nvSpPr>
         <p:spPr>
@@ -1323,12 +1379,12 @@
           </a:prstGeom>
         </p:spPr>
         <p:txBody>
-          <a:bodyPr anchorCtr="0" anchor="t" bIns="91425" lIns="91425" spcFirstLastPara="1" rIns="91425" wrap="square" tIns="91425">
+          <a:bodyPr spcFirstLastPara="1" wrap="square" lIns="91425" tIns="91425" rIns="91425" bIns="91425" anchor="t" anchorCtr="0">
             <a:noAutofit/>
           </a:bodyPr>
           <a:lstStyle/>
           <a:p>
-            <a:pPr indent="0" lvl="0" marL="0" rtl="0" algn="l">
+            <a:pPr marL="0" lvl="0" indent="0" algn="l" rtl="0">
               <a:spcBef>
                 <a:spcPts val="0"/>
               </a:spcBef>
@@ -1344,7 +1400,7 @@
             <a:endParaRPr/>
           </a:p>
           <a:p>
-            <a:pPr indent="0" lvl="0" marL="0" rtl="0" algn="l">
+            <a:pPr marL="0" lvl="0" indent="0" algn="l" rtl="0">
               <a:spcBef>
                 <a:spcPts val="0"/>
               </a:spcBef>
@@ -1353,13 +1409,10 @@
               </a:spcAft>
               <a:buNone/>
             </a:pPr>
-            <a:r>
-              <a:t/>
-            </a:r>
             <a:endParaRPr/>
           </a:p>
           <a:p>
-            <a:pPr indent="0" lvl="0" marL="0" rtl="0" algn="l">
+            <a:pPr marL="0" lvl="0" indent="0" algn="l" rtl="0">
               <a:spcBef>
                 <a:spcPts val="0"/>
               </a:spcBef>
@@ -1385,11 +1438,11 @@
 </file>
 
 <file path=ppt/notesSlides/notesSlide4.xml><?xml version="1.0" encoding="utf-8"?>
-<p:notes xmlns:a="http://schemas.openxmlformats.org/drawingml/2006/main" xmlns:r="http://schemas.openxmlformats.org/officeDocument/2006/relationships" xmlns:mc="http://schemas.openxmlformats.org/markup-compatibility/2006" xmlns:mv="urn:schemas-microsoft-com:mac:vml" xmlns:p="http://schemas.openxmlformats.org/presentationml/2006/main" xmlns:c="http://schemas.openxmlformats.org/drawingml/2006/chart" xmlns:dgm="http://schemas.openxmlformats.org/drawingml/2006/diagram" xmlns:o="urn:schemas-microsoft-com:office:office" xmlns:v="urn:schemas-microsoft-com:vml" xmlns:pvml="urn:schemas-microsoft-com:office:powerpoint" xmlns:com="http://schemas.openxmlformats.org/drawingml/2006/compatibility" xmlns:p14="http://schemas.microsoft.com/office/powerpoint/2010/main" xmlns:p15="http://schemas.microsoft.com/office/powerpoint/2012/main" xmlns:ahyp="http://schemas.microsoft.com/office/drawing/2018/hyperlinkcolor" showMasterPhAnim="0" showMasterSp="0">
+<p:notes xmlns:a="http://schemas.openxmlformats.org/drawingml/2006/main" xmlns:r="http://schemas.openxmlformats.org/officeDocument/2006/relationships" xmlns:p="http://schemas.openxmlformats.org/presentationml/2006/main" showMasterSp="0" showMasterPhAnim="0">
   <p:cSld>
     <p:spTree>
       <p:nvGrpSpPr>
-        <p:cNvPr id="105" name="Shape 105"/>
+        <p:cNvPr id="1" name="Shape 105"/>
         <p:cNvGrpSpPr/>
         <p:nvPr/>
       </p:nvGrpSpPr>
@@ -1404,9 +1457,11 @@
       <p:sp>
         <p:nvSpPr>
           <p:cNvPr id="106" name="Google Shape;106;g12e9fe8a147_7_11:notes"/>
-          <p:cNvSpPr/>
+          <p:cNvSpPr>
+            <a:spLocks noGrp="1" noRot="1" noChangeAspect="1"/>
+          </p:cNvSpPr>
           <p:nvPr>
-            <p:ph idx="2" type="sldImg"/>
+            <p:ph type="sldImg" idx="2"/>
           </p:nvPr>
         </p:nvSpPr>
         <p:spPr>
@@ -1415,9 +1470,13 @@
             <a:ext cx="6096000" cy="3429000"/>
           </a:xfrm>
           <a:custGeom>
-            <a:rect b="b" l="l" r="r" t="t"/>
+            <a:avLst/>
+            <a:gdLst/>
+            <a:ahLst/>
+            <a:cxnLst/>
+            <a:rect l="l" t="t" r="r" b="b"/>
             <a:pathLst>
-              <a:path extrusionOk="0" h="120000" w="120000">
+              <a:path w="120000" h="120000" extrusionOk="0">
                 <a:moveTo>
                   <a:pt x="0" y="0"/>
                 </a:moveTo>
@@ -1439,9 +1498,11 @@
       <p:sp>
         <p:nvSpPr>
           <p:cNvPr id="107" name="Google Shape;107;g12e9fe8a147_7_11:notes"/>
-          <p:cNvSpPr txBox="1"/>
+          <p:cNvSpPr txBox="1">
+            <a:spLocks noGrp="1"/>
+          </p:cNvSpPr>
           <p:nvPr>
-            <p:ph idx="1" type="body"/>
+            <p:ph type="body" idx="1"/>
           </p:nvPr>
         </p:nvSpPr>
         <p:spPr>
@@ -1454,12 +1515,12 @@
           </a:prstGeom>
         </p:spPr>
         <p:txBody>
-          <a:bodyPr anchorCtr="0" anchor="t" bIns="91425" lIns="91425" spcFirstLastPara="1" rIns="91425" wrap="square" tIns="91425">
+          <a:bodyPr spcFirstLastPara="1" wrap="square" lIns="91425" tIns="91425" rIns="91425" bIns="91425" anchor="t" anchorCtr="0">
             <a:noAutofit/>
           </a:bodyPr>
           <a:lstStyle/>
           <a:p>
-            <a:pPr indent="0" lvl="0" marL="0" rtl="0" algn="l">
+            <a:pPr marL="0" lvl="0" indent="0" algn="l" rtl="0">
               <a:spcBef>
                 <a:spcPts val="0"/>
               </a:spcBef>
@@ -1485,11 +1546,11 @@
 </file>
 
 <file path=ppt/notesSlides/notesSlide5.xml><?xml version="1.0" encoding="utf-8"?>
-<p:notes xmlns:a="http://schemas.openxmlformats.org/drawingml/2006/main" xmlns:r="http://schemas.openxmlformats.org/officeDocument/2006/relationships" xmlns:mc="http://schemas.openxmlformats.org/markup-compatibility/2006" xmlns:mv="urn:schemas-microsoft-com:mac:vml" xmlns:p="http://schemas.openxmlformats.org/presentationml/2006/main" xmlns:c="http://schemas.openxmlformats.org/drawingml/2006/chart" xmlns:dgm="http://schemas.openxmlformats.org/drawingml/2006/diagram" xmlns:o="urn:schemas-microsoft-com:office:office" xmlns:v="urn:schemas-microsoft-com:vml" xmlns:pvml="urn:schemas-microsoft-com:office:powerpoint" xmlns:com="http://schemas.openxmlformats.org/drawingml/2006/compatibility" xmlns:p14="http://schemas.microsoft.com/office/powerpoint/2010/main" xmlns:p15="http://schemas.microsoft.com/office/powerpoint/2012/main" xmlns:ahyp="http://schemas.microsoft.com/office/drawing/2018/hyperlinkcolor" showMasterPhAnim="0" showMasterSp="0">
+<p:notes xmlns:a="http://schemas.openxmlformats.org/drawingml/2006/main" xmlns:r="http://schemas.openxmlformats.org/officeDocument/2006/relationships" xmlns:p="http://schemas.openxmlformats.org/presentationml/2006/main" showMasterSp="0" showMasterPhAnim="0">
   <p:cSld>
     <p:spTree>
       <p:nvGrpSpPr>
-        <p:cNvPr id="112" name="Shape 112"/>
+        <p:cNvPr id="1" name="Shape 112"/>
         <p:cNvGrpSpPr/>
         <p:nvPr/>
       </p:nvGrpSpPr>
@@ -1504,9 +1565,11 @@
       <p:sp>
         <p:nvSpPr>
           <p:cNvPr id="113" name="Google Shape;113;g12e9b49f5cc_1_38:notes"/>
-          <p:cNvSpPr/>
+          <p:cNvSpPr>
+            <a:spLocks noGrp="1" noRot="1" noChangeAspect="1"/>
+          </p:cNvSpPr>
           <p:nvPr>
-            <p:ph idx="2" type="sldImg"/>
+            <p:ph type="sldImg" idx="2"/>
           </p:nvPr>
         </p:nvSpPr>
         <p:spPr>
@@ -1515,9 +1578,13 @@
             <a:ext cx="6096000" cy="3429000"/>
           </a:xfrm>
           <a:custGeom>
-            <a:rect b="b" l="l" r="r" t="t"/>
+            <a:avLst/>
+            <a:gdLst/>
+            <a:ahLst/>
+            <a:cxnLst/>
+            <a:rect l="l" t="t" r="r" b="b"/>
             <a:pathLst>
-              <a:path extrusionOk="0" h="120000" w="120000">
+              <a:path w="120000" h="120000" extrusionOk="0">
                 <a:moveTo>
                   <a:pt x="0" y="0"/>
                 </a:moveTo>
@@ -1539,9 +1606,11 @@
       <p:sp>
         <p:nvSpPr>
           <p:cNvPr id="114" name="Google Shape;114;g12e9b49f5cc_1_38:notes"/>
-          <p:cNvSpPr txBox="1"/>
+          <p:cNvSpPr txBox="1">
+            <a:spLocks noGrp="1"/>
+          </p:cNvSpPr>
           <p:nvPr>
-            <p:ph idx="1" type="body"/>
+            <p:ph type="body" idx="1"/>
           </p:nvPr>
         </p:nvSpPr>
         <p:spPr>
@@ -1554,12 +1623,12 @@
           </a:prstGeom>
         </p:spPr>
         <p:txBody>
-          <a:bodyPr anchorCtr="0" anchor="t" bIns="91425" lIns="91425" spcFirstLastPara="1" rIns="91425" wrap="square" tIns="91425">
+          <a:bodyPr spcFirstLastPara="1" wrap="square" lIns="91425" tIns="91425" rIns="91425" bIns="91425" anchor="t" anchorCtr="0">
             <a:noAutofit/>
           </a:bodyPr>
           <a:lstStyle/>
           <a:p>
-            <a:pPr indent="0" lvl="0" marL="0" rtl="0" algn="l">
+            <a:pPr marL="0" lvl="0" indent="0" algn="l" rtl="0">
               <a:spcBef>
                 <a:spcPts val="0"/>
               </a:spcBef>
@@ -1570,11 +1639,7 @@
             </a:pPr>
             <a:r>
               <a:rPr lang="en"/>
-              <a:t>To actually see what we offer, w</a:t>
-            </a:r>
-            <a:r>
-              <a:rPr lang="en"/>
-              <a:t>e classified our products into 12 categories. The distribution reveals that the majority of products we offer in our portfolio are related to high priced desktop and laptop computers. Therefore, we should have an eye on this large category. As we are interested in our discount price strategy, we have to look into how these different categories, and especially the desktop/laptop category are discounted. Are we discounting the higher priced Apple products?</a:t>
+              <a:t>To actually see what we offer, we classified our products into 12 categories. The distribution reveals that the majority of products we offer in our portfolio are related to high priced desktop and laptop computers. Therefore, we should have an eye on this large category. As we are interested in our discount price strategy, we have to look into how these different categories, and especially the desktop/laptop category are discounted. Are we discounting the higher priced Apple products?</a:t>
             </a:r>
             <a:endParaRPr/>
           </a:p>
@@ -1589,11 +1654,11 @@
 </file>
 
 <file path=ppt/notesSlides/notesSlide6.xml><?xml version="1.0" encoding="utf-8"?>
-<p:notes xmlns:a="http://schemas.openxmlformats.org/drawingml/2006/main" xmlns:r="http://schemas.openxmlformats.org/officeDocument/2006/relationships" xmlns:mc="http://schemas.openxmlformats.org/markup-compatibility/2006" xmlns:mv="urn:schemas-microsoft-com:mac:vml" xmlns:p="http://schemas.openxmlformats.org/presentationml/2006/main" xmlns:c="http://schemas.openxmlformats.org/drawingml/2006/chart" xmlns:dgm="http://schemas.openxmlformats.org/drawingml/2006/diagram" xmlns:o="urn:schemas-microsoft-com:office:office" xmlns:v="urn:schemas-microsoft-com:vml" xmlns:pvml="urn:schemas-microsoft-com:office:powerpoint" xmlns:com="http://schemas.openxmlformats.org/drawingml/2006/compatibility" xmlns:p14="http://schemas.microsoft.com/office/powerpoint/2010/main" xmlns:p15="http://schemas.microsoft.com/office/powerpoint/2012/main" xmlns:ahyp="http://schemas.microsoft.com/office/drawing/2018/hyperlinkcolor" showMasterPhAnim="0" showMasterSp="0">
+<p:notes xmlns:a="http://schemas.openxmlformats.org/drawingml/2006/main" xmlns:r="http://schemas.openxmlformats.org/officeDocument/2006/relationships" xmlns:p="http://schemas.openxmlformats.org/presentationml/2006/main" showMasterSp="0" showMasterPhAnim="0">
   <p:cSld>
     <p:spTree>
       <p:nvGrpSpPr>
-        <p:cNvPr id="119" name="Shape 119"/>
+        <p:cNvPr id="1" name="Shape 119"/>
         <p:cNvGrpSpPr/>
         <p:nvPr/>
       </p:nvGrpSpPr>
@@ -1608,9 +1673,11 @@
       <p:sp>
         <p:nvSpPr>
           <p:cNvPr id="120" name="Google Shape;120;g12e9b49f5cc_1_64:notes"/>
-          <p:cNvSpPr/>
+          <p:cNvSpPr>
+            <a:spLocks noGrp="1" noRot="1" noChangeAspect="1"/>
+          </p:cNvSpPr>
           <p:nvPr>
-            <p:ph idx="2" type="sldImg"/>
+            <p:ph type="sldImg" idx="2"/>
           </p:nvPr>
         </p:nvSpPr>
         <p:spPr>
@@ -1619,9 +1686,13 @@
             <a:ext cx="6096000" cy="3429000"/>
           </a:xfrm>
           <a:custGeom>
-            <a:rect b="b" l="l" r="r" t="t"/>
+            <a:avLst/>
+            <a:gdLst/>
+            <a:ahLst/>
+            <a:cxnLst/>
+            <a:rect l="l" t="t" r="r" b="b"/>
             <a:pathLst>
-              <a:path extrusionOk="0" h="120000" w="120000">
+              <a:path w="120000" h="120000" extrusionOk="0">
                 <a:moveTo>
                   <a:pt x="0" y="0"/>
                 </a:moveTo>
@@ -1643,9 +1714,11 @@
       <p:sp>
         <p:nvSpPr>
           <p:cNvPr id="121" name="Google Shape;121;g12e9b49f5cc_1_64:notes"/>
-          <p:cNvSpPr txBox="1"/>
+          <p:cNvSpPr txBox="1">
+            <a:spLocks noGrp="1"/>
+          </p:cNvSpPr>
           <p:nvPr>
-            <p:ph idx="1" type="body"/>
+            <p:ph type="body" idx="1"/>
           </p:nvPr>
         </p:nvSpPr>
         <p:spPr>
@@ -1658,12 +1731,12 @@
           </a:prstGeom>
         </p:spPr>
         <p:txBody>
-          <a:bodyPr anchorCtr="0" anchor="t" bIns="91425" lIns="91425" spcFirstLastPara="1" rIns="91425" wrap="square" tIns="91425">
+          <a:bodyPr spcFirstLastPara="1" wrap="square" lIns="91425" tIns="91425" rIns="91425" bIns="91425" anchor="t" anchorCtr="0">
             <a:noAutofit/>
           </a:bodyPr>
           <a:lstStyle/>
           <a:p>
-            <a:pPr indent="0" lvl="0" marL="0" rtl="0" algn="l">
+            <a:pPr marL="0" lvl="0" indent="0" algn="l" rtl="0">
               <a:spcBef>
                 <a:spcPts val="0"/>
               </a:spcBef>
@@ -1689,11 +1762,11 @@
 </file>
 
 <file path=ppt/notesSlides/notesSlide7.xml><?xml version="1.0" encoding="utf-8"?>
-<p:notes xmlns:a="http://schemas.openxmlformats.org/drawingml/2006/main" xmlns:r="http://schemas.openxmlformats.org/officeDocument/2006/relationships" xmlns:mc="http://schemas.openxmlformats.org/markup-compatibility/2006" xmlns:mv="urn:schemas-microsoft-com:mac:vml" xmlns:p="http://schemas.openxmlformats.org/presentationml/2006/main" xmlns:c="http://schemas.openxmlformats.org/drawingml/2006/chart" xmlns:dgm="http://schemas.openxmlformats.org/drawingml/2006/diagram" xmlns:o="urn:schemas-microsoft-com:office:office" xmlns:v="urn:schemas-microsoft-com:vml" xmlns:pvml="urn:schemas-microsoft-com:office:powerpoint" xmlns:com="http://schemas.openxmlformats.org/drawingml/2006/compatibility" xmlns:p14="http://schemas.microsoft.com/office/powerpoint/2010/main" xmlns:p15="http://schemas.microsoft.com/office/powerpoint/2012/main" xmlns:ahyp="http://schemas.microsoft.com/office/drawing/2018/hyperlinkcolor" showMasterPhAnim="0" showMasterSp="0">
+<p:notes xmlns:a="http://schemas.openxmlformats.org/drawingml/2006/main" xmlns:r="http://schemas.openxmlformats.org/officeDocument/2006/relationships" xmlns:p="http://schemas.openxmlformats.org/presentationml/2006/main" showMasterSp="0" showMasterPhAnim="0">
   <p:cSld>
     <p:spTree>
       <p:nvGrpSpPr>
-        <p:cNvPr id="126" name="Shape 126"/>
+        <p:cNvPr id="1" name="Shape 126"/>
         <p:cNvGrpSpPr/>
         <p:nvPr/>
       </p:nvGrpSpPr>
@@ -1708,9 +1781,11 @@
       <p:sp>
         <p:nvSpPr>
           <p:cNvPr id="127" name="Google Shape;127;g12e9b49f5cc_1_58:notes"/>
-          <p:cNvSpPr/>
+          <p:cNvSpPr>
+            <a:spLocks noGrp="1" noRot="1" noChangeAspect="1"/>
+          </p:cNvSpPr>
           <p:nvPr>
-            <p:ph idx="2" type="sldImg"/>
+            <p:ph type="sldImg" idx="2"/>
           </p:nvPr>
         </p:nvSpPr>
         <p:spPr>
@@ -1719,9 +1794,13 @@
             <a:ext cx="6096000" cy="3429000"/>
           </a:xfrm>
           <a:custGeom>
-            <a:rect b="b" l="l" r="r" t="t"/>
+            <a:avLst/>
+            <a:gdLst/>
+            <a:ahLst/>
+            <a:cxnLst/>
+            <a:rect l="l" t="t" r="r" b="b"/>
             <a:pathLst>
-              <a:path extrusionOk="0" h="120000" w="120000">
+              <a:path w="120000" h="120000" extrusionOk="0">
                 <a:moveTo>
                   <a:pt x="0" y="0"/>
                 </a:moveTo>
@@ -1743,9 +1822,11 @@
       <p:sp>
         <p:nvSpPr>
           <p:cNvPr id="128" name="Google Shape;128;g12e9b49f5cc_1_58:notes"/>
-          <p:cNvSpPr txBox="1"/>
+          <p:cNvSpPr txBox="1">
+            <a:spLocks noGrp="1"/>
+          </p:cNvSpPr>
           <p:nvPr>
-            <p:ph idx="1" type="body"/>
+            <p:ph type="body" idx="1"/>
           </p:nvPr>
         </p:nvSpPr>
         <p:spPr>
@@ -1758,12 +1839,12 @@
           </a:prstGeom>
         </p:spPr>
         <p:txBody>
-          <a:bodyPr anchorCtr="0" anchor="t" bIns="91425" lIns="91425" spcFirstLastPara="1" rIns="91425" wrap="square" tIns="91425">
+          <a:bodyPr spcFirstLastPara="1" wrap="square" lIns="91425" tIns="91425" rIns="91425" bIns="91425" anchor="t" anchorCtr="0">
             <a:noAutofit/>
           </a:bodyPr>
           <a:lstStyle/>
           <a:p>
-            <a:pPr indent="0" lvl="0" marL="0" rtl="0" algn="l">
+            <a:pPr marL="0" lvl="0" indent="0" algn="l" rtl="0">
               <a:spcBef>
                 <a:spcPts val="0"/>
               </a:spcBef>
@@ -1789,11 +1870,11 @@
 </file>
 
 <file path=ppt/notesSlides/notesSlide8.xml><?xml version="1.0" encoding="utf-8"?>
-<p:notes xmlns:a="http://schemas.openxmlformats.org/drawingml/2006/main" xmlns:r="http://schemas.openxmlformats.org/officeDocument/2006/relationships" xmlns:mc="http://schemas.openxmlformats.org/markup-compatibility/2006" xmlns:mv="urn:schemas-microsoft-com:mac:vml" xmlns:p="http://schemas.openxmlformats.org/presentationml/2006/main" xmlns:c="http://schemas.openxmlformats.org/drawingml/2006/chart" xmlns:dgm="http://schemas.openxmlformats.org/drawingml/2006/diagram" xmlns:o="urn:schemas-microsoft-com:office:office" xmlns:v="urn:schemas-microsoft-com:vml" xmlns:pvml="urn:schemas-microsoft-com:office:powerpoint" xmlns:com="http://schemas.openxmlformats.org/drawingml/2006/compatibility" xmlns:p14="http://schemas.microsoft.com/office/powerpoint/2010/main" xmlns:p15="http://schemas.microsoft.com/office/powerpoint/2012/main" xmlns:ahyp="http://schemas.microsoft.com/office/drawing/2018/hyperlinkcolor" showMasterPhAnim="0" showMasterSp="0">
+<p:notes xmlns:a="http://schemas.openxmlformats.org/drawingml/2006/main" xmlns:r="http://schemas.openxmlformats.org/officeDocument/2006/relationships" xmlns:p="http://schemas.openxmlformats.org/presentationml/2006/main" showMasterSp="0" showMasterPhAnim="0">
   <p:cSld>
     <p:spTree>
       <p:nvGrpSpPr>
-        <p:cNvPr id="133" name="Shape 133"/>
+        <p:cNvPr id="1" name="Shape 133"/>
         <p:cNvGrpSpPr/>
         <p:nvPr/>
       </p:nvGrpSpPr>
@@ -1808,9 +1889,11 @@
       <p:sp>
         <p:nvSpPr>
           <p:cNvPr id="134" name="Google Shape;134;g12e4ce16b91_0_15:notes"/>
-          <p:cNvSpPr/>
+          <p:cNvSpPr>
+            <a:spLocks noGrp="1" noRot="1" noChangeAspect="1"/>
+          </p:cNvSpPr>
           <p:nvPr>
-            <p:ph idx="2" type="sldImg"/>
+            <p:ph type="sldImg" idx="2"/>
           </p:nvPr>
         </p:nvSpPr>
         <p:spPr>
@@ -1819,9 +1902,13 @@
             <a:ext cx="6096000" cy="3429000"/>
           </a:xfrm>
           <a:custGeom>
-            <a:rect b="b" l="l" r="r" t="t"/>
+            <a:avLst/>
+            <a:gdLst/>
+            <a:ahLst/>
+            <a:cxnLst/>
+            <a:rect l="l" t="t" r="r" b="b"/>
             <a:pathLst>
-              <a:path extrusionOk="0" h="120000" w="120000">
+              <a:path w="120000" h="120000" extrusionOk="0">
                 <a:moveTo>
                   <a:pt x="0" y="0"/>
                 </a:moveTo>
@@ -1843,9 +1930,11 @@
       <p:sp>
         <p:nvSpPr>
           <p:cNvPr id="135" name="Google Shape;135;g12e4ce16b91_0_15:notes"/>
-          <p:cNvSpPr txBox="1"/>
+          <p:cNvSpPr txBox="1">
+            <a:spLocks noGrp="1"/>
+          </p:cNvSpPr>
           <p:nvPr>
-            <p:ph idx="1" type="body"/>
+            <p:ph type="body" idx="1"/>
           </p:nvPr>
         </p:nvSpPr>
         <p:spPr>
@@ -1858,12 +1947,12 @@
           </a:prstGeom>
         </p:spPr>
         <p:txBody>
-          <a:bodyPr anchorCtr="0" anchor="t" bIns="91425" lIns="91425" spcFirstLastPara="1" rIns="91425" wrap="square" tIns="91425">
+          <a:bodyPr spcFirstLastPara="1" wrap="square" lIns="91425" tIns="91425" rIns="91425" bIns="91425" anchor="t" anchorCtr="0">
             <a:noAutofit/>
           </a:bodyPr>
           <a:lstStyle/>
           <a:p>
-            <a:pPr indent="0" lvl="0" marL="0" rtl="0" algn="l">
+            <a:pPr marL="0" lvl="0" indent="0" algn="l" rtl="0">
               <a:spcBef>
                 <a:spcPts val="0"/>
               </a:spcBef>
@@ -1889,11 +1978,11 @@
 </file>
 
 <file path=ppt/notesSlides/notesSlide9.xml><?xml version="1.0" encoding="utf-8"?>
-<p:notes xmlns:a="http://schemas.openxmlformats.org/drawingml/2006/main" xmlns:r="http://schemas.openxmlformats.org/officeDocument/2006/relationships" xmlns:mc="http://schemas.openxmlformats.org/markup-compatibility/2006" xmlns:mv="urn:schemas-microsoft-com:mac:vml" xmlns:p="http://schemas.openxmlformats.org/presentationml/2006/main" xmlns:c="http://schemas.openxmlformats.org/drawingml/2006/chart" xmlns:dgm="http://schemas.openxmlformats.org/drawingml/2006/diagram" xmlns:o="urn:schemas-microsoft-com:office:office" xmlns:v="urn:schemas-microsoft-com:vml" xmlns:pvml="urn:schemas-microsoft-com:office:powerpoint" xmlns:com="http://schemas.openxmlformats.org/drawingml/2006/compatibility" xmlns:p14="http://schemas.microsoft.com/office/powerpoint/2010/main" xmlns:p15="http://schemas.microsoft.com/office/powerpoint/2012/main" xmlns:ahyp="http://schemas.microsoft.com/office/drawing/2018/hyperlinkcolor" showMasterPhAnim="0" showMasterSp="0">
+<p:notes xmlns:a="http://schemas.openxmlformats.org/drawingml/2006/main" xmlns:r="http://schemas.openxmlformats.org/officeDocument/2006/relationships" xmlns:p="http://schemas.openxmlformats.org/presentationml/2006/main" showMasterSp="0" showMasterPhAnim="0">
   <p:cSld>
     <p:spTree>
       <p:nvGrpSpPr>
-        <p:cNvPr id="141" name="Shape 141"/>
+        <p:cNvPr id="1" name="Shape 141"/>
         <p:cNvGrpSpPr/>
         <p:nvPr/>
       </p:nvGrpSpPr>
@@ -1908,9 +1997,11 @@
       <p:sp>
         <p:nvSpPr>
           <p:cNvPr id="142" name="Google Shape;142;g12e9b49f5cc_1_78:notes"/>
-          <p:cNvSpPr/>
+          <p:cNvSpPr>
+            <a:spLocks noGrp="1" noRot="1" noChangeAspect="1"/>
+          </p:cNvSpPr>
           <p:nvPr>
-            <p:ph idx="2" type="sldImg"/>
+            <p:ph type="sldImg" idx="2"/>
           </p:nvPr>
         </p:nvSpPr>
         <p:spPr>
@@ -1919,9 +2010,13 @@
             <a:ext cx="6096000" cy="3429000"/>
           </a:xfrm>
           <a:custGeom>
-            <a:rect b="b" l="l" r="r" t="t"/>
+            <a:avLst/>
+            <a:gdLst/>
+            <a:ahLst/>
+            <a:cxnLst/>
+            <a:rect l="l" t="t" r="r" b="b"/>
             <a:pathLst>
-              <a:path extrusionOk="0" h="120000" w="120000">
+              <a:path w="120000" h="120000" extrusionOk="0">
                 <a:moveTo>
                   <a:pt x="0" y="0"/>
                 </a:moveTo>
@@ -1943,9 +2038,11 @@
       <p:sp>
         <p:nvSpPr>
           <p:cNvPr id="143" name="Google Shape;143;g12e9b49f5cc_1_78:notes"/>
-          <p:cNvSpPr txBox="1"/>
+          <p:cNvSpPr txBox="1">
+            <a:spLocks noGrp="1"/>
+          </p:cNvSpPr>
           <p:nvPr>
-            <p:ph idx="1" type="body"/>
+            <p:ph type="body" idx="1"/>
           </p:nvPr>
         </p:nvSpPr>
         <p:spPr>
@@ -1958,12 +2055,12 @@
           </a:prstGeom>
         </p:spPr>
         <p:txBody>
-          <a:bodyPr anchorCtr="0" anchor="t" bIns="91425" lIns="91425" spcFirstLastPara="1" rIns="91425" wrap="square" tIns="91425">
+          <a:bodyPr spcFirstLastPara="1" wrap="square" lIns="91425" tIns="91425" rIns="91425" bIns="91425" anchor="t" anchorCtr="0">
             <a:noAutofit/>
           </a:bodyPr>
           <a:lstStyle/>
           <a:p>
-            <a:pPr indent="0" lvl="0" marL="0" rtl="0" algn="l">
+            <a:pPr marL="0" lvl="0" indent="0" algn="l" rtl="0">
               <a:spcBef>
                 <a:spcPts val="0"/>
               </a:spcBef>
@@ -1979,7 +2076,7 @@
             <a:endParaRPr/>
           </a:p>
           <a:p>
-            <a:pPr indent="0" lvl="0" marL="0" rtl="0" algn="l">
+            <a:pPr marL="0" lvl="0" indent="0" algn="l" rtl="0">
               <a:spcBef>
                 <a:spcPts val="0"/>
               </a:spcBef>
@@ -1988,13 +2085,10 @@
               </a:spcAft>
               <a:buNone/>
             </a:pPr>
-            <a:r>
-              <a:t/>
-            </a:r>
             <a:endParaRPr/>
           </a:p>
           <a:p>
-            <a:pPr indent="0" lvl="0" marL="0" rtl="0" algn="l">
+            <a:pPr marL="0" lvl="0" indent="0" algn="l" rtl="0">
               <a:spcBef>
                 <a:spcPts val="0"/>
               </a:spcBef>
@@ -2020,18 +2114,19 @@
 </file>
 
 <file path=ppt/slideLayouts/slideLayout1.xml><?xml version="1.0" encoding="utf-8"?>
-<p:sldLayout xmlns:a="http://schemas.openxmlformats.org/drawingml/2006/main" xmlns:r="http://schemas.openxmlformats.org/officeDocument/2006/relationships" xmlns:mc="http://schemas.openxmlformats.org/markup-compatibility/2006" xmlns:mv="urn:schemas-microsoft-com:mac:vml" xmlns:p="http://schemas.openxmlformats.org/presentationml/2006/main" xmlns:c="http://schemas.openxmlformats.org/drawingml/2006/chart" xmlns:dgm="http://schemas.openxmlformats.org/drawingml/2006/diagram" xmlns:o="urn:schemas-microsoft-com:office:office" xmlns:v="urn:schemas-microsoft-com:vml" xmlns:pvml="urn:schemas-microsoft-com:office:powerpoint" xmlns:com="http://schemas.openxmlformats.org/drawingml/2006/compatibility" xmlns:p14="http://schemas.microsoft.com/office/powerpoint/2010/main" xmlns:p15="http://schemas.microsoft.com/office/powerpoint/2012/main" xmlns:ahyp="http://schemas.microsoft.com/office/drawing/2018/hyperlinkcolor" matchingName="Title slide" type="title">
+<p:sldLayout xmlns:a="http://schemas.openxmlformats.org/drawingml/2006/main" xmlns:r="http://schemas.openxmlformats.org/officeDocument/2006/relationships" xmlns:p="http://schemas.openxmlformats.org/presentationml/2006/main" matchingName="Title slide" type="title">
   <p:cSld name="TITLE">
     <p:bg>
       <p:bgPr>
         <a:solidFill>
           <a:schemeClr val="lt2"/>
         </a:solidFill>
+        <a:effectLst/>
       </p:bgPr>
     </p:bg>
     <p:spTree>
       <p:nvGrpSpPr>
-        <p:cNvPr id="9" name="Shape 9"/>
+        <p:cNvPr id="1" name="Shape 9"/>
         <p:cNvGrpSpPr/>
         <p:nvPr/>
       </p:nvGrpSpPr>
@@ -2065,12 +2160,12 @@
           </a:ln>
         </p:spPr>
         <p:txBody>
-          <a:bodyPr anchorCtr="0" anchor="ctr" bIns="91425" lIns="91425" spcFirstLastPara="1" rIns="91425" wrap="square" tIns="91425">
+          <a:bodyPr spcFirstLastPara="1" wrap="square" lIns="91425" tIns="91425" rIns="91425" bIns="91425" anchor="ctr" anchorCtr="0">
             <a:noAutofit/>
           </a:bodyPr>
           <a:lstStyle/>
           <a:p>
-            <a:pPr indent="0" lvl="0" marL="0" rtl="0" algn="l">
+            <a:pPr marL="0" lvl="0" indent="0" algn="l" rtl="0">
               <a:spcBef>
                 <a:spcPts val="0"/>
               </a:spcBef>
@@ -2079,9 +2174,6 @@
               </a:spcAft>
               <a:buNone/>
             </a:pPr>
-            <a:r>
-              <a:t/>
-            </a:r>
             <a:endParaRPr/>
           </a:p>
         </p:txBody>
@@ -2122,12 +2214,12 @@
             </a:ln>
           </p:spPr>
           <p:txBody>
-            <a:bodyPr anchorCtr="0" anchor="ctr" bIns="91425" lIns="91425" spcFirstLastPara="1" rIns="91425" wrap="square" tIns="91425">
+            <a:bodyPr spcFirstLastPara="1" wrap="square" lIns="91425" tIns="91425" rIns="91425" bIns="91425" anchor="ctr" anchorCtr="0">
               <a:noAutofit/>
             </a:bodyPr>
             <a:lstStyle/>
             <a:p>
-              <a:pPr indent="0" lvl="0" marL="0" rtl="0" algn="l">
+              <a:pPr marL="0" lvl="0" indent="0" algn="l" rtl="0">
                 <a:spcBef>
                   <a:spcPts val="0"/>
                 </a:spcBef>
@@ -2136,9 +2228,6 @@
                 </a:spcAft>
                 <a:buNone/>
               </a:pPr>
-              <a:r>
-                <a:t/>
-              </a:r>
               <a:endParaRPr/>
             </a:p>
           </p:txBody>
@@ -2165,12 +2254,12 @@
             </a:ln>
           </p:spPr>
           <p:txBody>
-            <a:bodyPr anchorCtr="0" anchor="ctr" bIns="91425" lIns="91425" spcFirstLastPara="1" rIns="91425" wrap="square" tIns="91425">
+            <a:bodyPr spcFirstLastPara="1" wrap="square" lIns="91425" tIns="91425" rIns="91425" bIns="91425" anchor="ctr" anchorCtr="0">
               <a:noAutofit/>
             </a:bodyPr>
             <a:lstStyle/>
             <a:p>
-              <a:pPr indent="0" lvl="0" marL="0" rtl="0" algn="l">
+              <a:pPr marL="0" lvl="0" indent="0" algn="l" rtl="0">
                 <a:spcBef>
                   <a:spcPts val="0"/>
                 </a:spcBef>
@@ -2179,9 +2268,6 @@
                 </a:spcAft>
                 <a:buNone/>
               </a:pPr>
-              <a:r>
-                <a:t/>
-              </a:r>
               <a:endParaRPr/>
             </a:p>
           </p:txBody>
@@ -2190,7 +2276,9 @@
       <p:sp>
         <p:nvSpPr>
           <p:cNvPr id="14" name="Google Shape;14;p2"/>
-          <p:cNvSpPr txBox="1"/>
+          <p:cNvSpPr txBox="1">
+            <a:spLocks noGrp="1"/>
+          </p:cNvSpPr>
           <p:nvPr>
             <p:ph type="ctrTitle"/>
           </p:nvPr>
@@ -2205,7 +2293,7 @@
           </a:prstGeom>
         </p:spPr>
         <p:txBody>
-          <a:bodyPr anchorCtr="0" anchor="t" bIns="91425" lIns="91425" spcFirstLastPara="1" rIns="91425" wrap="square" tIns="91425">
+          <a:bodyPr spcFirstLastPara="1" wrap="square" lIns="91425" tIns="91425" rIns="91425" bIns="91425" anchor="t" anchorCtr="0">
             <a:normAutofit/>
           </a:bodyPr>
           <a:lstStyle>
@@ -2309,15 +2397,19 @@
               <a:defRPr sz="4200"/>
             </a:lvl9pPr>
           </a:lstStyle>
-          <a:p/>
+          <a:p>
+            <a:endParaRPr/>
+          </a:p>
         </p:txBody>
       </p:sp>
       <p:sp>
         <p:nvSpPr>
           <p:cNvPr id="15" name="Google Shape;15;p2"/>
-          <p:cNvSpPr txBox="1"/>
+          <p:cNvSpPr txBox="1">
+            <a:spLocks noGrp="1"/>
+          </p:cNvSpPr>
           <p:nvPr>
-            <p:ph idx="1" type="subTitle"/>
+            <p:ph type="subTitle" idx="1"/>
           </p:nvPr>
         </p:nvSpPr>
         <p:spPr>
@@ -2330,7 +2422,7 @@
           </a:prstGeom>
         </p:spPr>
         <p:txBody>
-          <a:bodyPr anchorCtr="0" anchor="t" bIns="91425" lIns="91425" spcFirstLastPara="1" rIns="91425" wrap="square" tIns="91425">
+          <a:bodyPr spcFirstLastPara="1" wrap="square" lIns="91425" tIns="91425" rIns="91425" bIns="91425" anchor="t" anchorCtr="0">
             <a:normAutofit/>
           </a:bodyPr>
           <a:lstStyle>
@@ -2461,15 +2553,19 @@
               <a:defRPr sz="1600"/>
             </a:lvl9pPr>
           </a:lstStyle>
-          <a:p/>
+          <a:p>
+            <a:endParaRPr/>
+          </a:p>
         </p:txBody>
       </p:sp>
       <p:sp>
         <p:nvSpPr>
           <p:cNvPr id="16" name="Google Shape;16;p2"/>
-          <p:cNvSpPr txBox="1"/>
+          <p:cNvSpPr txBox="1">
+            <a:spLocks noGrp="1"/>
+          </p:cNvSpPr>
           <p:nvPr>
-            <p:ph idx="12" type="sldNum"/>
+            <p:ph type="sldNum" idx="12"/>
           </p:nvPr>
         </p:nvSpPr>
         <p:spPr>
@@ -2482,7 +2578,7 @@
           </a:prstGeom>
         </p:spPr>
         <p:txBody>
-          <a:bodyPr anchorCtr="0" anchor="ctr" bIns="91425" lIns="91425" spcFirstLastPara="1" rIns="91425" wrap="square" tIns="91425">
+          <a:bodyPr spcFirstLastPara="1" wrap="square" lIns="91425" tIns="91425" rIns="91425" bIns="91425" anchor="ctr" anchorCtr="0">
             <a:normAutofit/>
           </a:bodyPr>
           <a:lstStyle>
@@ -2524,7 +2620,7 @@
             </a:lvl9pPr>
           </a:lstStyle>
           <a:p>
-            <a:pPr indent="0" lvl="0" marL="0" rtl="0" algn="r">
+            <a:pPr marL="0" lvl="0" indent="0" algn="r" rtl="0">
               <a:spcBef>
                 <a:spcPts val="0"/>
               </a:spcBef>
@@ -2550,18 +2646,19 @@
 </file>
 
 <file path=ppt/slideLayouts/slideLayout10.xml><?xml version="1.0" encoding="utf-8"?>
-<p:sldLayout xmlns:a="http://schemas.openxmlformats.org/drawingml/2006/main" xmlns:r="http://schemas.openxmlformats.org/officeDocument/2006/relationships" xmlns:mc="http://schemas.openxmlformats.org/markup-compatibility/2006" xmlns:mv="urn:schemas-microsoft-com:mac:vml" xmlns:p="http://schemas.openxmlformats.org/presentationml/2006/main" xmlns:c="http://schemas.openxmlformats.org/drawingml/2006/chart" xmlns:dgm="http://schemas.openxmlformats.org/drawingml/2006/diagram" xmlns:o="urn:schemas-microsoft-com:office:office" xmlns:v="urn:schemas-microsoft-com:vml" xmlns:pvml="urn:schemas-microsoft-com:office:powerpoint" xmlns:com="http://schemas.openxmlformats.org/drawingml/2006/compatibility" xmlns:p14="http://schemas.microsoft.com/office/powerpoint/2010/main" xmlns:p15="http://schemas.microsoft.com/office/powerpoint/2012/main" xmlns:ahyp="http://schemas.microsoft.com/office/drawing/2018/hyperlinkcolor" matchingName="Big number">
+<p:sldLayout xmlns:a="http://schemas.openxmlformats.org/drawingml/2006/main" xmlns:r="http://schemas.openxmlformats.org/officeDocument/2006/relationships" xmlns:p="http://schemas.openxmlformats.org/presentationml/2006/main" matchingName="Big number">
   <p:cSld name="BIG_NUMBER">
     <p:bg>
       <p:bgPr>
         <a:solidFill>
           <a:schemeClr val="dk1"/>
         </a:solidFill>
+        <a:effectLst/>
       </p:bgPr>
     </p:bg>
     <p:spTree>
       <p:nvGrpSpPr>
-        <p:cNvPr id="73" name="Shape 73"/>
+        <p:cNvPr id="1" name="Shape 73"/>
         <p:cNvGrpSpPr/>
         <p:nvPr/>
       </p:nvGrpSpPr>
@@ -2609,12 +2706,12 @@
             </a:ln>
           </p:spPr>
           <p:txBody>
-            <a:bodyPr anchorCtr="0" anchor="ctr" bIns="91425" lIns="91425" spcFirstLastPara="1" rIns="91425" wrap="square" tIns="91425">
+            <a:bodyPr spcFirstLastPara="1" wrap="square" lIns="91425" tIns="91425" rIns="91425" bIns="91425" anchor="ctr" anchorCtr="0">
               <a:noAutofit/>
             </a:bodyPr>
             <a:lstStyle/>
             <a:p>
-              <a:pPr indent="0" lvl="0" marL="0" rtl="0" algn="l">
+              <a:pPr marL="0" lvl="0" indent="0" algn="l" rtl="0">
                 <a:spcBef>
                   <a:spcPts val="0"/>
                 </a:spcBef>
@@ -2623,9 +2720,6 @@
                 </a:spcAft>
                 <a:buNone/>
               </a:pPr>
-              <a:r>
-                <a:t/>
-              </a:r>
               <a:endParaRPr/>
             </a:p>
           </p:txBody>
@@ -2652,12 +2746,12 @@
             </a:ln>
           </p:spPr>
           <p:txBody>
-            <a:bodyPr anchorCtr="0" anchor="ctr" bIns="91425" lIns="91425" spcFirstLastPara="1" rIns="91425" wrap="square" tIns="91425">
+            <a:bodyPr spcFirstLastPara="1" wrap="square" lIns="91425" tIns="91425" rIns="91425" bIns="91425" anchor="ctr" anchorCtr="0">
               <a:noAutofit/>
             </a:bodyPr>
             <a:lstStyle/>
             <a:p>
-              <a:pPr indent="0" lvl="0" marL="0" rtl="0" algn="l">
+              <a:pPr marL="0" lvl="0" indent="0" algn="l" rtl="0">
                 <a:spcBef>
                   <a:spcPts val="0"/>
                 </a:spcBef>
@@ -2666,9 +2760,6 @@
                 </a:spcAft>
                 <a:buNone/>
               </a:pPr>
-              <a:r>
-                <a:t/>
-              </a:r>
               <a:endParaRPr/>
             </a:p>
           </p:txBody>
@@ -2677,9 +2768,11 @@
       <p:sp>
         <p:nvSpPr>
           <p:cNvPr id="77" name="Google Shape;77;p11"/>
-          <p:cNvSpPr txBox="1"/>
+          <p:cNvSpPr txBox="1">
+            <a:spLocks noGrp="1"/>
+          </p:cNvSpPr>
           <p:nvPr>
-            <p:ph hasCustomPrompt="1" type="title"/>
+            <p:ph type="title" hasCustomPrompt="1"/>
           </p:nvPr>
         </p:nvSpPr>
         <p:spPr>
@@ -2692,7 +2785,7 @@
           </a:prstGeom>
         </p:spPr>
         <p:txBody>
-          <a:bodyPr anchorCtr="0" anchor="t" bIns="91425" lIns="91425" spcFirstLastPara="1" rIns="91425" wrap="square" tIns="91425">
+          <a:bodyPr spcFirstLastPara="1" wrap="square" lIns="91425" tIns="91425" rIns="91425" bIns="91425" anchor="t" anchorCtr="0">
             <a:normAutofit/>
           </a:bodyPr>
           <a:lstStyle>
@@ -2869,9 +2962,11 @@
       <p:sp>
         <p:nvSpPr>
           <p:cNvPr id="78" name="Google Shape;78;p11"/>
-          <p:cNvSpPr txBox="1"/>
+          <p:cNvSpPr txBox="1">
+            <a:spLocks noGrp="1"/>
+          </p:cNvSpPr>
           <p:nvPr>
-            <p:ph idx="1" type="body"/>
+            <p:ph type="body" idx="1"/>
           </p:nvPr>
         </p:nvSpPr>
         <p:spPr>
@@ -2884,11 +2979,11 @@
           </a:prstGeom>
         </p:spPr>
         <p:txBody>
-          <a:bodyPr anchorCtr="0" anchor="t" bIns="91425" lIns="91425" spcFirstLastPara="1" rIns="91425" wrap="square" tIns="91425">
+          <a:bodyPr spcFirstLastPara="1" wrap="square" lIns="91425" tIns="91425" rIns="91425" bIns="91425" anchor="t" anchorCtr="0">
             <a:normAutofit/>
           </a:bodyPr>
           <a:lstStyle>
-            <a:lvl1pPr indent="-311150" lvl="0" marL="457200">
+            <a:lvl1pPr marL="457200" lvl="0" indent="-311150">
               <a:spcBef>
                 <a:spcPts val="0"/>
               </a:spcBef>
@@ -2906,7 +3001,7 @@
                 </a:solidFill>
               </a:defRPr>
             </a:lvl1pPr>
-            <a:lvl2pPr indent="-298450" lvl="1" marL="914400">
+            <a:lvl2pPr marL="914400" lvl="1" indent="-298450">
               <a:spcBef>
                 <a:spcPts val="0"/>
               </a:spcBef>
@@ -2924,7 +3019,7 @@
                 </a:solidFill>
               </a:defRPr>
             </a:lvl2pPr>
-            <a:lvl3pPr indent="-298450" lvl="2" marL="1371600">
+            <a:lvl3pPr marL="1371600" lvl="2" indent="-298450">
               <a:spcBef>
                 <a:spcPts val="0"/>
               </a:spcBef>
@@ -2942,7 +3037,7 @@
                 </a:solidFill>
               </a:defRPr>
             </a:lvl3pPr>
-            <a:lvl4pPr indent="-298450" lvl="3" marL="1828800">
+            <a:lvl4pPr marL="1828800" lvl="3" indent="-298450">
               <a:spcBef>
                 <a:spcPts val="0"/>
               </a:spcBef>
@@ -2960,7 +3055,7 @@
                 </a:solidFill>
               </a:defRPr>
             </a:lvl4pPr>
-            <a:lvl5pPr indent="-298450" lvl="4" marL="2286000">
+            <a:lvl5pPr marL="2286000" lvl="4" indent="-298450">
               <a:spcBef>
                 <a:spcPts val="0"/>
               </a:spcBef>
@@ -2978,7 +3073,7 @@
                 </a:solidFill>
               </a:defRPr>
             </a:lvl5pPr>
-            <a:lvl6pPr indent="-298450" lvl="5" marL="2743200">
+            <a:lvl6pPr marL="2743200" lvl="5" indent="-298450">
               <a:spcBef>
                 <a:spcPts val="0"/>
               </a:spcBef>
@@ -2996,7 +3091,7 @@
                 </a:solidFill>
               </a:defRPr>
             </a:lvl6pPr>
-            <a:lvl7pPr indent="-298450" lvl="6" marL="3200400">
+            <a:lvl7pPr marL="3200400" lvl="6" indent="-298450">
               <a:spcBef>
                 <a:spcPts val="0"/>
               </a:spcBef>
@@ -3014,7 +3109,7 @@
                 </a:solidFill>
               </a:defRPr>
             </a:lvl7pPr>
-            <a:lvl8pPr indent="-298450" lvl="7" marL="3657600">
+            <a:lvl8pPr marL="3657600" lvl="7" indent="-298450">
               <a:spcBef>
                 <a:spcPts val="0"/>
               </a:spcBef>
@@ -3032,7 +3127,7 @@
                 </a:solidFill>
               </a:defRPr>
             </a:lvl8pPr>
-            <a:lvl9pPr indent="-298450" lvl="8" marL="4114800">
+            <a:lvl9pPr marL="4114800" lvl="8" indent="-298450">
               <a:spcBef>
                 <a:spcPts val="0"/>
               </a:spcBef>
@@ -3051,15 +3146,19 @@
               </a:defRPr>
             </a:lvl9pPr>
           </a:lstStyle>
-          <a:p/>
+          <a:p>
+            <a:endParaRPr/>
+          </a:p>
         </p:txBody>
       </p:sp>
       <p:sp>
         <p:nvSpPr>
           <p:cNvPr id="79" name="Google Shape;79;p11"/>
-          <p:cNvSpPr txBox="1"/>
+          <p:cNvSpPr txBox="1">
+            <a:spLocks noGrp="1"/>
+          </p:cNvSpPr>
           <p:nvPr>
-            <p:ph idx="12" type="sldNum"/>
+            <p:ph type="sldNum" idx="12"/>
           </p:nvPr>
         </p:nvSpPr>
         <p:spPr>
@@ -3072,7 +3171,7 @@
           </a:prstGeom>
         </p:spPr>
         <p:txBody>
-          <a:bodyPr anchorCtr="0" anchor="ctr" bIns="91425" lIns="91425" spcFirstLastPara="1" rIns="91425" wrap="square" tIns="91425">
+          <a:bodyPr spcFirstLastPara="1" wrap="square" lIns="91425" tIns="91425" rIns="91425" bIns="91425" anchor="ctr" anchorCtr="0">
             <a:normAutofit/>
           </a:bodyPr>
           <a:lstStyle>
@@ -3150,7 +3249,7 @@
             </a:lvl9pPr>
           </a:lstStyle>
           <a:p>
-            <a:pPr indent="0" lvl="0" marL="0" rtl="0" algn="r">
+            <a:pPr marL="0" lvl="0" indent="0" algn="r" rtl="0">
               <a:spcBef>
                 <a:spcPts val="0"/>
               </a:spcBef>
@@ -3176,11 +3275,11 @@
 </file>
 
 <file path=ppt/slideLayouts/slideLayout11.xml><?xml version="1.0" encoding="utf-8"?>
-<p:sldLayout xmlns:a="http://schemas.openxmlformats.org/drawingml/2006/main" xmlns:r="http://schemas.openxmlformats.org/officeDocument/2006/relationships" xmlns:mc="http://schemas.openxmlformats.org/markup-compatibility/2006" xmlns:mv="urn:schemas-microsoft-com:mac:vml" xmlns:p="http://schemas.openxmlformats.org/presentationml/2006/main" xmlns:c="http://schemas.openxmlformats.org/drawingml/2006/chart" xmlns:dgm="http://schemas.openxmlformats.org/drawingml/2006/diagram" xmlns:o="urn:schemas-microsoft-com:office:office" xmlns:v="urn:schemas-microsoft-com:vml" xmlns:pvml="urn:schemas-microsoft-com:office:powerpoint" xmlns:com="http://schemas.openxmlformats.org/drawingml/2006/compatibility" xmlns:p14="http://schemas.microsoft.com/office/powerpoint/2010/main" xmlns:p15="http://schemas.microsoft.com/office/powerpoint/2012/main" xmlns:ahyp="http://schemas.microsoft.com/office/drawing/2018/hyperlinkcolor" matchingName="Blank" type="blank">
+<p:sldLayout xmlns:a="http://schemas.openxmlformats.org/drawingml/2006/main" xmlns:r="http://schemas.openxmlformats.org/officeDocument/2006/relationships" xmlns:p="http://schemas.openxmlformats.org/presentationml/2006/main" matchingName="Blank" type="blank">
   <p:cSld name="BLANK">
     <p:spTree>
       <p:nvGrpSpPr>
-        <p:cNvPr id="80" name="Shape 80"/>
+        <p:cNvPr id="1" name="Shape 80"/>
         <p:cNvGrpSpPr/>
         <p:nvPr/>
       </p:nvGrpSpPr>
@@ -3195,9 +3294,11 @@
       <p:sp>
         <p:nvSpPr>
           <p:cNvPr id="81" name="Google Shape;81;p12"/>
-          <p:cNvSpPr txBox="1"/>
+          <p:cNvSpPr txBox="1">
+            <a:spLocks noGrp="1"/>
+          </p:cNvSpPr>
           <p:nvPr>
-            <p:ph idx="12" type="sldNum"/>
+            <p:ph type="sldNum" idx="12"/>
           </p:nvPr>
         </p:nvSpPr>
         <p:spPr>
@@ -3210,7 +3311,7 @@
           </a:prstGeom>
         </p:spPr>
         <p:txBody>
-          <a:bodyPr anchorCtr="0" anchor="ctr" bIns="91425" lIns="91425" spcFirstLastPara="1" rIns="91425" wrap="square" tIns="91425">
+          <a:bodyPr spcFirstLastPara="1" wrap="square" lIns="91425" tIns="91425" rIns="91425" bIns="91425" anchor="ctr" anchorCtr="0">
             <a:normAutofit/>
           </a:bodyPr>
           <a:lstStyle>
@@ -3252,7 +3353,7 @@
             </a:lvl9pPr>
           </a:lstStyle>
           <a:p>
-            <a:pPr indent="0" lvl="0" marL="0" rtl="0" algn="r">
+            <a:pPr marL="0" lvl="0" indent="0" algn="r" rtl="0">
               <a:spcBef>
                 <a:spcPts val="0"/>
               </a:spcBef>
@@ -3278,18 +3379,19 @@
 </file>
 
 <file path=ppt/slideLayouts/slideLayout2.xml><?xml version="1.0" encoding="utf-8"?>
-<p:sldLayout xmlns:a="http://schemas.openxmlformats.org/drawingml/2006/main" xmlns:r="http://schemas.openxmlformats.org/officeDocument/2006/relationships" xmlns:mc="http://schemas.openxmlformats.org/markup-compatibility/2006" xmlns:mv="urn:schemas-microsoft-com:mac:vml" xmlns:p="http://schemas.openxmlformats.org/presentationml/2006/main" xmlns:c="http://schemas.openxmlformats.org/drawingml/2006/chart" xmlns:dgm="http://schemas.openxmlformats.org/drawingml/2006/diagram" xmlns:o="urn:schemas-microsoft-com:office:office" xmlns:v="urn:schemas-microsoft-com:vml" xmlns:pvml="urn:schemas-microsoft-com:office:powerpoint" xmlns:com="http://schemas.openxmlformats.org/drawingml/2006/compatibility" xmlns:p14="http://schemas.microsoft.com/office/powerpoint/2010/main" xmlns:p15="http://schemas.microsoft.com/office/powerpoint/2012/main" xmlns:ahyp="http://schemas.microsoft.com/office/drawing/2018/hyperlinkcolor" matchingName="Section header" type="secHead">
+<p:sldLayout xmlns:a="http://schemas.openxmlformats.org/drawingml/2006/main" xmlns:r="http://schemas.openxmlformats.org/officeDocument/2006/relationships" xmlns:p="http://schemas.openxmlformats.org/presentationml/2006/main" matchingName="Section header" type="secHead">
   <p:cSld name="SECTION_HEADER">
     <p:bg>
       <p:bgPr>
         <a:solidFill>
           <a:schemeClr val="dk1"/>
         </a:solidFill>
+        <a:effectLst/>
       </p:bgPr>
     </p:bg>
     <p:spTree>
       <p:nvGrpSpPr>
-        <p:cNvPr id="17" name="Shape 17"/>
+        <p:cNvPr id="1" name="Shape 17"/>
         <p:cNvGrpSpPr/>
         <p:nvPr/>
       </p:nvGrpSpPr>
@@ -3337,12 +3439,12 @@
             </a:ln>
           </p:spPr>
           <p:txBody>
-            <a:bodyPr anchorCtr="0" anchor="ctr" bIns="91425" lIns="91425" spcFirstLastPara="1" rIns="91425" wrap="square" tIns="91425">
+            <a:bodyPr spcFirstLastPara="1" wrap="square" lIns="91425" tIns="91425" rIns="91425" bIns="91425" anchor="ctr" anchorCtr="0">
               <a:noAutofit/>
             </a:bodyPr>
             <a:lstStyle/>
             <a:p>
-              <a:pPr indent="0" lvl="0" marL="0" rtl="0" algn="l">
+              <a:pPr marL="0" lvl="0" indent="0" algn="l" rtl="0">
                 <a:spcBef>
                   <a:spcPts val="0"/>
                 </a:spcBef>
@@ -3351,9 +3453,6 @@
                 </a:spcAft>
                 <a:buNone/>
               </a:pPr>
-              <a:r>
-                <a:t/>
-              </a:r>
               <a:endParaRPr/>
             </a:p>
           </p:txBody>
@@ -3380,12 +3479,12 @@
             </a:ln>
           </p:spPr>
           <p:txBody>
-            <a:bodyPr anchorCtr="0" anchor="ctr" bIns="91425" lIns="91425" spcFirstLastPara="1" rIns="91425" wrap="square" tIns="91425">
+            <a:bodyPr spcFirstLastPara="1" wrap="square" lIns="91425" tIns="91425" rIns="91425" bIns="91425" anchor="ctr" anchorCtr="0">
               <a:noAutofit/>
             </a:bodyPr>
             <a:lstStyle/>
             <a:p>
-              <a:pPr indent="0" lvl="0" marL="0" rtl="0" algn="l">
+              <a:pPr marL="0" lvl="0" indent="0" algn="l" rtl="0">
                 <a:spcBef>
                   <a:spcPts val="0"/>
                 </a:spcBef>
@@ -3394,9 +3493,6 @@
                 </a:spcAft>
                 <a:buNone/>
               </a:pPr>
-              <a:r>
-                <a:t/>
-              </a:r>
               <a:endParaRPr/>
             </a:p>
           </p:txBody>
@@ -3405,7 +3501,9 @@
       <p:sp>
         <p:nvSpPr>
           <p:cNvPr id="21" name="Google Shape;21;p3"/>
-          <p:cNvSpPr txBox="1"/>
+          <p:cNvSpPr txBox="1">
+            <a:spLocks noGrp="1"/>
+          </p:cNvSpPr>
           <p:nvPr>
             <p:ph type="title"/>
           </p:nvPr>
@@ -3420,7 +3518,7 @@
           </a:prstGeom>
         </p:spPr>
         <p:txBody>
-          <a:bodyPr anchorCtr="0" anchor="t" bIns="91425" lIns="91425" spcFirstLastPara="1" rIns="91425" wrap="square" tIns="91425">
+          <a:bodyPr spcFirstLastPara="1" wrap="square" lIns="91425" tIns="91425" rIns="91425" bIns="91425" anchor="t" anchorCtr="0">
             <a:normAutofit/>
           </a:bodyPr>
           <a:lstStyle>
@@ -3587,15 +3685,19 @@
               </a:defRPr>
             </a:lvl9pPr>
           </a:lstStyle>
-          <a:p/>
+          <a:p>
+            <a:endParaRPr/>
+          </a:p>
         </p:txBody>
       </p:sp>
       <p:sp>
         <p:nvSpPr>
           <p:cNvPr id="22" name="Google Shape;22;p3"/>
-          <p:cNvSpPr txBox="1"/>
+          <p:cNvSpPr txBox="1">
+            <a:spLocks noGrp="1"/>
+          </p:cNvSpPr>
           <p:nvPr>
-            <p:ph idx="12" type="sldNum"/>
+            <p:ph type="sldNum" idx="12"/>
           </p:nvPr>
         </p:nvSpPr>
         <p:spPr>
@@ -3608,7 +3710,7 @@
           </a:prstGeom>
         </p:spPr>
         <p:txBody>
-          <a:bodyPr anchorCtr="0" anchor="ctr" bIns="91425" lIns="91425" spcFirstLastPara="1" rIns="91425" wrap="square" tIns="91425">
+          <a:bodyPr spcFirstLastPara="1" wrap="square" lIns="91425" tIns="91425" rIns="91425" bIns="91425" anchor="ctr" anchorCtr="0">
             <a:normAutofit/>
           </a:bodyPr>
           <a:lstStyle>
@@ -3686,7 +3788,7 @@
             </a:lvl9pPr>
           </a:lstStyle>
           <a:p>
-            <a:pPr indent="0" lvl="0" marL="0" rtl="0" algn="r">
+            <a:pPr marL="0" lvl="0" indent="0" algn="r" rtl="0">
               <a:spcBef>
                 <a:spcPts val="0"/>
               </a:spcBef>
@@ -3712,11 +3814,11 @@
 </file>
 
 <file path=ppt/slideLayouts/slideLayout3.xml><?xml version="1.0" encoding="utf-8"?>
-<p:sldLayout xmlns:a="http://schemas.openxmlformats.org/drawingml/2006/main" xmlns:r="http://schemas.openxmlformats.org/officeDocument/2006/relationships" xmlns:mc="http://schemas.openxmlformats.org/markup-compatibility/2006" xmlns:mv="urn:schemas-microsoft-com:mac:vml" xmlns:p="http://schemas.openxmlformats.org/presentationml/2006/main" xmlns:c="http://schemas.openxmlformats.org/drawingml/2006/chart" xmlns:dgm="http://schemas.openxmlformats.org/drawingml/2006/diagram" xmlns:o="urn:schemas-microsoft-com:office:office" xmlns:v="urn:schemas-microsoft-com:vml" xmlns:pvml="urn:schemas-microsoft-com:office:powerpoint" xmlns:com="http://schemas.openxmlformats.org/drawingml/2006/compatibility" xmlns:p14="http://schemas.microsoft.com/office/powerpoint/2010/main" xmlns:p15="http://schemas.microsoft.com/office/powerpoint/2012/main" xmlns:ahyp="http://schemas.microsoft.com/office/drawing/2018/hyperlinkcolor" matchingName="Title and body" type="tx">
+<p:sldLayout xmlns:a="http://schemas.openxmlformats.org/drawingml/2006/main" xmlns:r="http://schemas.openxmlformats.org/officeDocument/2006/relationships" xmlns:p="http://schemas.openxmlformats.org/presentationml/2006/main" matchingName="Title and body" type="tx">
   <p:cSld name="TITLE_AND_BODY">
     <p:spTree>
       <p:nvGrpSpPr>
-        <p:cNvPr id="23" name="Shape 23"/>
+        <p:cNvPr id="1" name="Shape 23"/>
         <p:cNvGrpSpPr/>
         <p:nvPr/>
       </p:nvGrpSpPr>
@@ -3750,12 +3852,12 @@
           </a:ln>
         </p:spPr>
         <p:txBody>
-          <a:bodyPr anchorCtr="0" anchor="ctr" bIns="91425" lIns="91425" spcFirstLastPara="1" rIns="91425" wrap="square" tIns="91425">
+          <a:bodyPr spcFirstLastPara="1" wrap="square" lIns="91425" tIns="91425" rIns="91425" bIns="91425" anchor="ctr" anchorCtr="0">
             <a:noAutofit/>
           </a:bodyPr>
           <a:lstStyle/>
           <a:p>
-            <a:pPr indent="0" lvl="0" marL="0" rtl="0" algn="l">
+            <a:pPr marL="0" lvl="0" indent="0" algn="l" rtl="0">
               <a:spcBef>
                 <a:spcPts val="0"/>
               </a:spcBef>
@@ -3764,9 +3866,6 @@
               </a:spcAft>
               <a:buNone/>
             </a:pPr>
-            <a:r>
-              <a:t/>
-            </a:r>
             <a:endParaRPr/>
           </a:p>
         </p:txBody>
@@ -3807,12 +3906,12 @@
             </a:ln>
           </p:spPr>
           <p:txBody>
-            <a:bodyPr anchorCtr="0" anchor="ctr" bIns="91425" lIns="91425" spcFirstLastPara="1" rIns="91425" wrap="square" tIns="91425">
+            <a:bodyPr spcFirstLastPara="1" wrap="square" lIns="91425" tIns="91425" rIns="91425" bIns="91425" anchor="ctr" anchorCtr="0">
               <a:noAutofit/>
             </a:bodyPr>
             <a:lstStyle/>
             <a:p>
-              <a:pPr indent="0" lvl="0" marL="0" rtl="0" algn="l">
+              <a:pPr marL="0" lvl="0" indent="0" algn="l" rtl="0">
                 <a:spcBef>
                   <a:spcPts val="0"/>
                 </a:spcBef>
@@ -3821,9 +3920,6 @@
                 </a:spcAft>
                 <a:buNone/>
               </a:pPr>
-              <a:r>
-                <a:t/>
-              </a:r>
               <a:endParaRPr/>
             </a:p>
           </p:txBody>
@@ -3850,12 +3946,12 @@
             </a:ln>
           </p:spPr>
           <p:txBody>
-            <a:bodyPr anchorCtr="0" anchor="ctr" bIns="91425" lIns="91425" spcFirstLastPara="1" rIns="91425" wrap="square" tIns="91425">
+            <a:bodyPr spcFirstLastPara="1" wrap="square" lIns="91425" tIns="91425" rIns="91425" bIns="91425" anchor="ctr" anchorCtr="0">
               <a:noAutofit/>
             </a:bodyPr>
             <a:lstStyle/>
             <a:p>
-              <a:pPr indent="0" lvl="0" marL="0" rtl="0" algn="l">
+              <a:pPr marL="0" lvl="0" indent="0" algn="l" rtl="0">
                 <a:spcBef>
                   <a:spcPts val="0"/>
                 </a:spcBef>
@@ -3864,9 +3960,6 @@
                 </a:spcAft>
                 <a:buNone/>
               </a:pPr>
-              <a:r>
-                <a:t/>
-              </a:r>
               <a:endParaRPr/>
             </a:p>
           </p:txBody>
@@ -3875,7 +3968,9 @@
       <p:sp>
         <p:nvSpPr>
           <p:cNvPr id="28" name="Google Shape;28;p4"/>
-          <p:cNvSpPr txBox="1"/>
+          <p:cNvSpPr txBox="1">
+            <a:spLocks noGrp="1"/>
+          </p:cNvSpPr>
           <p:nvPr>
             <p:ph type="title"/>
           </p:nvPr>
@@ -3890,7 +3985,7 @@
           </a:prstGeom>
         </p:spPr>
         <p:txBody>
-          <a:bodyPr anchorCtr="0" anchor="t" bIns="91425" lIns="91425" spcFirstLastPara="1" rIns="91425" wrap="square" tIns="91425">
+          <a:bodyPr spcFirstLastPara="1" wrap="square" lIns="91425" tIns="91425" rIns="91425" bIns="91425" anchor="t" anchorCtr="0">
             <a:normAutofit/>
           </a:bodyPr>
           <a:lstStyle>
@@ -3994,15 +4089,19 @@
               <a:defRPr sz="2600"/>
             </a:lvl9pPr>
           </a:lstStyle>
-          <a:p/>
+          <a:p>
+            <a:endParaRPr/>
+          </a:p>
         </p:txBody>
       </p:sp>
       <p:sp>
         <p:nvSpPr>
           <p:cNvPr id="29" name="Google Shape;29;p4"/>
-          <p:cNvSpPr txBox="1"/>
+          <p:cNvSpPr txBox="1">
+            <a:spLocks noGrp="1"/>
+          </p:cNvSpPr>
           <p:nvPr>
-            <p:ph idx="1" type="body"/>
+            <p:ph type="body" idx="1"/>
           </p:nvPr>
         </p:nvSpPr>
         <p:spPr>
@@ -4015,11 +4114,11 @@
           </a:prstGeom>
         </p:spPr>
         <p:txBody>
-          <a:bodyPr anchorCtr="0" anchor="t" bIns="91425" lIns="91425" spcFirstLastPara="1" rIns="91425" wrap="square" tIns="91425">
+          <a:bodyPr spcFirstLastPara="1" wrap="square" lIns="91425" tIns="91425" rIns="91425" bIns="91425" anchor="t" anchorCtr="0">
             <a:normAutofit/>
           </a:bodyPr>
           <a:lstStyle>
-            <a:lvl1pPr indent="-311150" lvl="0" marL="457200">
+            <a:lvl1pPr marL="457200" lvl="0" indent="-311150">
               <a:spcBef>
                 <a:spcPts val="0"/>
               </a:spcBef>
@@ -4030,7 +4129,7 @@
               <a:buChar char="●"/>
               <a:defRPr/>
             </a:lvl1pPr>
-            <a:lvl2pPr indent="-298450" lvl="1" marL="914400">
+            <a:lvl2pPr marL="914400" lvl="1" indent="-298450">
               <a:spcBef>
                 <a:spcPts val="0"/>
               </a:spcBef>
@@ -4041,7 +4140,7 @@
               <a:buChar char="○"/>
               <a:defRPr/>
             </a:lvl2pPr>
-            <a:lvl3pPr indent="-298450" lvl="2" marL="1371600">
+            <a:lvl3pPr marL="1371600" lvl="2" indent="-298450">
               <a:spcBef>
                 <a:spcPts val="0"/>
               </a:spcBef>
@@ -4052,7 +4151,7 @@
               <a:buChar char="■"/>
               <a:defRPr/>
             </a:lvl3pPr>
-            <a:lvl4pPr indent="-298450" lvl="3" marL="1828800">
+            <a:lvl4pPr marL="1828800" lvl="3" indent="-298450">
               <a:spcBef>
                 <a:spcPts val="0"/>
               </a:spcBef>
@@ -4063,7 +4162,7 @@
               <a:buChar char="●"/>
               <a:defRPr/>
             </a:lvl4pPr>
-            <a:lvl5pPr indent="-298450" lvl="4" marL="2286000">
+            <a:lvl5pPr marL="2286000" lvl="4" indent="-298450">
               <a:spcBef>
                 <a:spcPts val="0"/>
               </a:spcBef>
@@ -4074,7 +4173,7 @@
               <a:buChar char="○"/>
               <a:defRPr/>
             </a:lvl5pPr>
-            <a:lvl6pPr indent="-298450" lvl="5" marL="2743200">
+            <a:lvl6pPr marL="2743200" lvl="5" indent="-298450">
               <a:spcBef>
                 <a:spcPts val="0"/>
               </a:spcBef>
@@ -4085,7 +4184,7 @@
               <a:buChar char="■"/>
               <a:defRPr/>
             </a:lvl6pPr>
-            <a:lvl7pPr indent="-298450" lvl="6" marL="3200400">
+            <a:lvl7pPr marL="3200400" lvl="6" indent="-298450">
               <a:spcBef>
                 <a:spcPts val="0"/>
               </a:spcBef>
@@ -4096,7 +4195,7 @@
               <a:buChar char="●"/>
               <a:defRPr/>
             </a:lvl7pPr>
-            <a:lvl8pPr indent="-298450" lvl="7" marL="3657600">
+            <a:lvl8pPr marL="3657600" lvl="7" indent="-298450">
               <a:spcBef>
                 <a:spcPts val="0"/>
               </a:spcBef>
@@ -4107,7 +4206,7 @@
               <a:buChar char="○"/>
               <a:defRPr/>
             </a:lvl8pPr>
-            <a:lvl9pPr indent="-298450" lvl="8" marL="4114800">
+            <a:lvl9pPr marL="4114800" lvl="8" indent="-298450">
               <a:spcBef>
                 <a:spcPts val="0"/>
               </a:spcBef>
@@ -4119,15 +4218,19 @@
               <a:defRPr/>
             </a:lvl9pPr>
           </a:lstStyle>
-          <a:p/>
+          <a:p>
+            <a:endParaRPr/>
+          </a:p>
         </p:txBody>
       </p:sp>
       <p:sp>
         <p:nvSpPr>
           <p:cNvPr id="30" name="Google Shape;30;p4"/>
-          <p:cNvSpPr txBox="1"/>
+          <p:cNvSpPr txBox="1">
+            <a:spLocks noGrp="1"/>
+          </p:cNvSpPr>
           <p:nvPr>
-            <p:ph idx="12" type="sldNum"/>
+            <p:ph type="sldNum" idx="12"/>
           </p:nvPr>
         </p:nvSpPr>
         <p:spPr>
@@ -4140,7 +4243,7 @@
           </a:prstGeom>
         </p:spPr>
         <p:txBody>
-          <a:bodyPr anchorCtr="0" anchor="ctr" bIns="91425" lIns="91425" spcFirstLastPara="1" rIns="91425" wrap="square" tIns="91425">
+          <a:bodyPr spcFirstLastPara="1" wrap="square" lIns="91425" tIns="91425" rIns="91425" bIns="91425" anchor="ctr" anchorCtr="0">
             <a:normAutofit/>
           </a:bodyPr>
           <a:lstStyle>
@@ -4182,7 +4285,7 @@
             </a:lvl9pPr>
           </a:lstStyle>
           <a:p>
-            <a:pPr indent="0" lvl="0" marL="0" rtl="0" algn="r">
+            <a:pPr marL="0" lvl="0" indent="0" algn="r" rtl="0">
               <a:spcBef>
                 <a:spcPts val="0"/>
               </a:spcBef>
@@ -4208,11 +4311,11 @@
 </file>
 
 <file path=ppt/slideLayouts/slideLayout4.xml><?xml version="1.0" encoding="utf-8"?>
-<p:sldLayout xmlns:a="http://schemas.openxmlformats.org/drawingml/2006/main" xmlns:r="http://schemas.openxmlformats.org/officeDocument/2006/relationships" xmlns:mc="http://schemas.openxmlformats.org/markup-compatibility/2006" xmlns:mv="urn:schemas-microsoft-com:mac:vml" xmlns:p="http://schemas.openxmlformats.org/presentationml/2006/main" xmlns:c="http://schemas.openxmlformats.org/drawingml/2006/chart" xmlns:dgm="http://schemas.openxmlformats.org/drawingml/2006/diagram" xmlns:o="urn:schemas-microsoft-com:office:office" xmlns:v="urn:schemas-microsoft-com:vml" xmlns:pvml="urn:schemas-microsoft-com:office:powerpoint" xmlns:com="http://schemas.openxmlformats.org/drawingml/2006/compatibility" xmlns:p14="http://schemas.microsoft.com/office/powerpoint/2010/main" xmlns:p15="http://schemas.microsoft.com/office/powerpoint/2012/main" xmlns:ahyp="http://schemas.microsoft.com/office/drawing/2018/hyperlinkcolor" matchingName="Title and two columns" type="twoColTx">
+<p:sldLayout xmlns:a="http://schemas.openxmlformats.org/drawingml/2006/main" xmlns:r="http://schemas.openxmlformats.org/officeDocument/2006/relationships" xmlns:p="http://schemas.openxmlformats.org/presentationml/2006/main" matchingName="Title and two columns" type="twoColTx">
   <p:cSld name="TITLE_AND_TWO_COLUMNS">
     <p:spTree>
       <p:nvGrpSpPr>
-        <p:cNvPr id="31" name="Shape 31"/>
+        <p:cNvPr id="1" name="Shape 31"/>
         <p:cNvGrpSpPr/>
         <p:nvPr/>
       </p:nvGrpSpPr>
@@ -4246,12 +4349,12 @@
           </a:ln>
         </p:spPr>
         <p:txBody>
-          <a:bodyPr anchorCtr="0" anchor="ctr" bIns="91425" lIns="91425" spcFirstLastPara="1" rIns="91425" wrap="square" tIns="91425">
+          <a:bodyPr spcFirstLastPara="1" wrap="square" lIns="91425" tIns="91425" rIns="91425" bIns="91425" anchor="ctr" anchorCtr="0">
             <a:noAutofit/>
           </a:bodyPr>
           <a:lstStyle/>
           <a:p>
-            <a:pPr indent="0" lvl="0" marL="0" rtl="0" algn="l">
+            <a:pPr marL="0" lvl="0" indent="0" algn="l" rtl="0">
               <a:spcBef>
                 <a:spcPts val="0"/>
               </a:spcBef>
@@ -4260,9 +4363,6 @@
               </a:spcAft>
               <a:buNone/>
             </a:pPr>
-            <a:r>
-              <a:t/>
-            </a:r>
             <a:endParaRPr/>
           </a:p>
         </p:txBody>
@@ -4303,12 +4403,12 @@
             </a:ln>
           </p:spPr>
           <p:txBody>
-            <a:bodyPr anchorCtr="0" anchor="ctr" bIns="91425" lIns="91425" spcFirstLastPara="1" rIns="91425" wrap="square" tIns="91425">
+            <a:bodyPr spcFirstLastPara="1" wrap="square" lIns="91425" tIns="91425" rIns="91425" bIns="91425" anchor="ctr" anchorCtr="0">
               <a:noAutofit/>
             </a:bodyPr>
             <a:lstStyle/>
             <a:p>
-              <a:pPr indent="0" lvl="0" marL="0" rtl="0" algn="l">
+              <a:pPr marL="0" lvl="0" indent="0" algn="l" rtl="0">
                 <a:spcBef>
                   <a:spcPts val="0"/>
                 </a:spcBef>
@@ -4317,9 +4417,6 @@
                 </a:spcAft>
                 <a:buNone/>
               </a:pPr>
-              <a:r>
-                <a:t/>
-              </a:r>
               <a:endParaRPr/>
             </a:p>
           </p:txBody>
@@ -4346,12 +4443,12 @@
             </a:ln>
           </p:spPr>
           <p:txBody>
-            <a:bodyPr anchorCtr="0" anchor="ctr" bIns="91425" lIns="91425" spcFirstLastPara="1" rIns="91425" wrap="square" tIns="91425">
+            <a:bodyPr spcFirstLastPara="1" wrap="square" lIns="91425" tIns="91425" rIns="91425" bIns="91425" anchor="ctr" anchorCtr="0">
               <a:noAutofit/>
             </a:bodyPr>
             <a:lstStyle/>
             <a:p>
-              <a:pPr indent="0" lvl="0" marL="0" rtl="0" algn="l">
+              <a:pPr marL="0" lvl="0" indent="0" algn="l" rtl="0">
                 <a:spcBef>
                   <a:spcPts val="0"/>
                 </a:spcBef>
@@ -4360,9 +4457,6 @@
                 </a:spcAft>
                 <a:buNone/>
               </a:pPr>
-              <a:r>
-                <a:t/>
-              </a:r>
               <a:endParaRPr/>
             </a:p>
           </p:txBody>
@@ -4371,7 +4465,9 @@
       <p:sp>
         <p:nvSpPr>
           <p:cNvPr id="36" name="Google Shape;36;p5"/>
-          <p:cNvSpPr txBox="1"/>
+          <p:cNvSpPr txBox="1">
+            <a:spLocks noGrp="1"/>
+          </p:cNvSpPr>
           <p:nvPr>
             <p:ph type="title"/>
           </p:nvPr>
@@ -4386,7 +4482,7 @@
           </a:prstGeom>
         </p:spPr>
         <p:txBody>
-          <a:bodyPr anchorCtr="0" anchor="t" bIns="91425" lIns="91425" spcFirstLastPara="1" rIns="91425" wrap="square" tIns="91425">
+          <a:bodyPr spcFirstLastPara="1" wrap="square" lIns="91425" tIns="91425" rIns="91425" bIns="91425" anchor="t" anchorCtr="0">
             <a:normAutofit/>
           </a:bodyPr>
           <a:lstStyle>
@@ -4490,15 +4586,19 @@
               <a:defRPr sz="2600"/>
             </a:lvl9pPr>
           </a:lstStyle>
-          <a:p/>
+          <a:p>
+            <a:endParaRPr/>
+          </a:p>
         </p:txBody>
       </p:sp>
       <p:sp>
         <p:nvSpPr>
           <p:cNvPr id="37" name="Google Shape;37;p5"/>
-          <p:cNvSpPr txBox="1"/>
+          <p:cNvSpPr txBox="1">
+            <a:spLocks noGrp="1"/>
+          </p:cNvSpPr>
           <p:nvPr>
-            <p:ph idx="1" type="body"/>
+            <p:ph type="body" idx="1"/>
           </p:nvPr>
         </p:nvSpPr>
         <p:spPr>
@@ -4511,11 +4611,11 @@
           </a:prstGeom>
         </p:spPr>
         <p:txBody>
-          <a:bodyPr anchorCtr="0" anchor="t" bIns="91425" lIns="91425" spcFirstLastPara="1" rIns="91425" wrap="square" tIns="91425">
+          <a:bodyPr spcFirstLastPara="1" wrap="square" lIns="91425" tIns="91425" rIns="91425" bIns="91425" anchor="t" anchorCtr="0">
             <a:normAutofit/>
           </a:bodyPr>
           <a:lstStyle>
-            <a:lvl1pPr indent="-311150" lvl="0" marL="457200">
+            <a:lvl1pPr marL="457200" lvl="0" indent="-311150">
               <a:spcBef>
                 <a:spcPts val="0"/>
               </a:spcBef>
@@ -4526,7 +4626,7 @@
               <a:buChar char="●"/>
               <a:defRPr/>
             </a:lvl1pPr>
-            <a:lvl2pPr indent="-298450" lvl="1" marL="914400">
+            <a:lvl2pPr marL="914400" lvl="1" indent="-298450">
               <a:spcBef>
                 <a:spcPts val="0"/>
               </a:spcBef>
@@ -4537,7 +4637,7 @@
               <a:buChar char="○"/>
               <a:defRPr/>
             </a:lvl2pPr>
-            <a:lvl3pPr indent="-298450" lvl="2" marL="1371600">
+            <a:lvl3pPr marL="1371600" lvl="2" indent="-298450">
               <a:spcBef>
                 <a:spcPts val="0"/>
               </a:spcBef>
@@ -4548,7 +4648,7 @@
               <a:buChar char="■"/>
               <a:defRPr/>
             </a:lvl3pPr>
-            <a:lvl4pPr indent="-298450" lvl="3" marL="1828800">
+            <a:lvl4pPr marL="1828800" lvl="3" indent="-298450">
               <a:spcBef>
                 <a:spcPts val="0"/>
               </a:spcBef>
@@ -4559,7 +4659,7 @@
               <a:buChar char="●"/>
               <a:defRPr/>
             </a:lvl4pPr>
-            <a:lvl5pPr indent="-298450" lvl="4" marL="2286000">
+            <a:lvl5pPr marL="2286000" lvl="4" indent="-298450">
               <a:spcBef>
                 <a:spcPts val="0"/>
               </a:spcBef>
@@ -4570,7 +4670,7 @@
               <a:buChar char="○"/>
               <a:defRPr/>
             </a:lvl5pPr>
-            <a:lvl6pPr indent="-298450" lvl="5" marL="2743200">
+            <a:lvl6pPr marL="2743200" lvl="5" indent="-298450">
               <a:spcBef>
                 <a:spcPts val="0"/>
               </a:spcBef>
@@ -4581,7 +4681,7 @@
               <a:buChar char="■"/>
               <a:defRPr/>
             </a:lvl6pPr>
-            <a:lvl7pPr indent="-298450" lvl="6" marL="3200400">
+            <a:lvl7pPr marL="3200400" lvl="6" indent="-298450">
               <a:spcBef>
                 <a:spcPts val="0"/>
               </a:spcBef>
@@ -4592,7 +4692,7 @@
               <a:buChar char="●"/>
               <a:defRPr/>
             </a:lvl7pPr>
-            <a:lvl8pPr indent="-298450" lvl="7" marL="3657600">
+            <a:lvl8pPr marL="3657600" lvl="7" indent="-298450">
               <a:spcBef>
                 <a:spcPts val="0"/>
               </a:spcBef>
@@ -4603,7 +4703,7 @@
               <a:buChar char="○"/>
               <a:defRPr/>
             </a:lvl8pPr>
-            <a:lvl9pPr indent="-298450" lvl="8" marL="4114800">
+            <a:lvl9pPr marL="4114800" lvl="8" indent="-298450">
               <a:spcBef>
                 <a:spcPts val="0"/>
               </a:spcBef>
@@ -4615,15 +4715,19 @@
               <a:defRPr/>
             </a:lvl9pPr>
           </a:lstStyle>
-          <a:p/>
+          <a:p>
+            <a:endParaRPr/>
+          </a:p>
         </p:txBody>
       </p:sp>
       <p:sp>
         <p:nvSpPr>
           <p:cNvPr id="38" name="Google Shape;38;p5"/>
-          <p:cNvSpPr txBox="1"/>
+          <p:cNvSpPr txBox="1">
+            <a:spLocks noGrp="1"/>
+          </p:cNvSpPr>
           <p:nvPr>
-            <p:ph idx="2" type="body"/>
+            <p:ph type="body" idx="2"/>
           </p:nvPr>
         </p:nvSpPr>
         <p:spPr>
@@ -4636,11 +4740,11 @@
           </a:prstGeom>
         </p:spPr>
         <p:txBody>
-          <a:bodyPr anchorCtr="0" anchor="t" bIns="91425" lIns="91425" spcFirstLastPara="1" rIns="91425" wrap="square" tIns="91425">
+          <a:bodyPr spcFirstLastPara="1" wrap="square" lIns="91425" tIns="91425" rIns="91425" bIns="91425" anchor="t" anchorCtr="0">
             <a:normAutofit/>
           </a:bodyPr>
           <a:lstStyle>
-            <a:lvl1pPr indent="-311150" lvl="0" marL="457200">
+            <a:lvl1pPr marL="457200" lvl="0" indent="-311150">
               <a:spcBef>
                 <a:spcPts val="0"/>
               </a:spcBef>
@@ -4651,7 +4755,7 @@
               <a:buChar char="●"/>
               <a:defRPr/>
             </a:lvl1pPr>
-            <a:lvl2pPr indent="-298450" lvl="1" marL="914400">
+            <a:lvl2pPr marL="914400" lvl="1" indent="-298450">
               <a:spcBef>
                 <a:spcPts val="0"/>
               </a:spcBef>
@@ -4662,7 +4766,7 @@
               <a:buChar char="○"/>
               <a:defRPr/>
             </a:lvl2pPr>
-            <a:lvl3pPr indent="-298450" lvl="2" marL="1371600">
+            <a:lvl3pPr marL="1371600" lvl="2" indent="-298450">
               <a:spcBef>
                 <a:spcPts val="0"/>
               </a:spcBef>
@@ -4673,7 +4777,7 @@
               <a:buChar char="■"/>
               <a:defRPr/>
             </a:lvl3pPr>
-            <a:lvl4pPr indent="-298450" lvl="3" marL="1828800">
+            <a:lvl4pPr marL="1828800" lvl="3" indent="-298450">
               <a:spcBef>
                 <a:spcPts val="0"/>
               </a:spcBef>
@@ -4684,7 +4788,7 @@
               <a:buChar char="●"/>
               <a:defRPr/>
             </a:lvl4pPr>
-            <a:lvl5pPr indent="-298450" lvl="4" marL="2286000">
+            <a:lvl5pPr marL="2286000" lvl="4" indent="-298450">
               <a:spcBef>
                 <a:spcPts val="0"/>
               </a:spcBef>
@@ -4695,7 +4799,7 @@
               <a:buChar char="○"/>
               <a:defRPr/>
             </a:lvl5pPr>
-            <a:lvl6pPr indent="-298450" lvl="5" marL="2743200">
+            <a:lvl6pPr marL="2743200" lvl="5" indent="-298450">
               <a:spcBef>
                 <a:spcPts val="0"/>
               </a:spcBef>
@@ -4706,7 +4810,7 @@
               <a:buChar char="■"/>
               <a:defRPr/>
             </a:lvl6pPr>
-            <a:lvl7pPr indent="-298450" lvl="6" marL="3200400">
+            <a:lvl7pPr marL="3200400" lvl="6" indent="-298450">
               <a:spcBef>
                 <a:spcPts val="0"/>
               </a:spcBef>
@@ -4717,7 +4821,7 @@
               <a:buChar char="●"/>
               <a:defRPr/>
             </a:lvl7pPr>
-            <a:lvl8pPr indent="-298450" lvl="7" marL="3657600">
+            <a:lvl8pPr marL="3657600" lvl="7" indent="-298450">
               <a:spcBef>
                 <a:spcPts val="0"/>
               </a:spcBef>
@@ -4728,7 +4832,7 @@
               <a:buChar char="○"/>
               <a:defRPr/>
             </a:lvl8pPr>
-            <a:lvl9pPr indent="-298450" lvl="8" marL="4114800">
+            <a:lvl9pPr marL="4114800" lvl="8" indent="-298450">
               <a:spcBef>
                 <a:spcPts val="0"/>
               </a:spcBef>
@@ -4740,15 +4844,19 @@
               <a:defRPr/>
             </a:lvl9pPr>
           </a:lstStyle>
-          <a:p/>
+          <a:p>
+            <a:endParaRPr/>
+          </a:p>
         </p:txBody>
       </p:sp>
       <p:sp>
         <p:nvSpPr>
           <p:cNvPr id="39" name="Google Shape;39;p5"/>
-          <p:cNvSpPr txBox="1"/>
+          <p:cNvSpPr txBox="1">
+            <a:spLocks noGrp="1"/>
+          </p:cNvSpPr>
           <p:nvPr>
-            <p:ph idx="12" type="sldNum"/>
+            <p:ph type="sldNum" idx="12"/>
           </p:nvPr>
         </p:nvSpPr>
         <p:spPr>
@@ -4761,7 +4869,7 @@
           </a:prstGeom>
         </p:spPr>
         <p:txBody>
-          <a:bodyPr anchorCtr="0" anchor="ctr" bIns="91425" lIns="91425" spcFirstLastPara="1" rIns="91425" wrap="square" tIns="91425">
+          <a:bodyPr spcFirstLastPara="1" wrap="square" lIns="91425" tIns="91425" rIns="91425" bIns="91425" anchor="ctr" anchorCtr="0">
             <a:normAutofit/>
           </a:bodyPr>
           <a:lstStyle>
@@ -4803,7 +4911,7 @@
             </a:lvl9pPr>
           </a:lstStyle>
           <a:p>
-            <a:pPr indent="0" lvl="0" marL="0" rtl="0" algn="r">
+            <a:pPr marL="0" lvl="0" indent="0" algn="r" rtl="0">
               <a:spcBef>
                 <a:spcPts val="0"/>
               </a:spcBef>
@@ -4829,11 +4937,11 @@
 </file>
 
 <file path=ppt/slideLayouts/slideLayout5.xml><?xml version="1.0" encoding="utf-8"?>
-<p:sldLayout xmlns:a="http://schemas.openxmlformats.org/drawingml/2006/main" xmlns:r="http://schemas.openxmlformats.org/officeDocument/2006/relationships" xmlns:mc="http://schemas.openxmlformats.org/markup-compatibility/2006" xmlns:mv="urn:schemas-microsoft-com:mac:vml" xmlns:p="http://schemas.openxmlformats.org/presentationml/2006/main" xmlns:c="http://schemas.openxmlformats.org/drawingml/2006/chart" xmlns:dgm="http://schemas.openxmlformats.org/drawingml/2006/diagram" xmlns:o="urn:schemas-microsoft-com:office:office" xmlns:v="urn:schemas-microsoft-com:vml" xmlns:pvml="urn:schemas-microsoft-com:office:powerpoint" xmlns:com="http://schemas.openxmlformats.org/drawingml/2006/compatibility" xmlns:p14="http://schemas.microsoft.com/office/powerpoint/2010/main" xmlns:p15="http://schemas.microsoft.com/office/powerpoint/2012/main" xmlns:ahyp="http://schemas.microsoft.com/office/drawing/2018/hyperlinkcolor" matchingName="Title only" type="titleOnly">
+<p:sldLayout xmlns:a="http://schemas.openxmlformats.org/drawingml/2006/main" xmlns:r="http://schemas.openxmlformats.org/officeDocument/2006/relationships" xmlns:p="http://schemas.openxmlformats.org/presentationml/2006/main" matchingName="Title only" type="titleOnly">
   <p:cSld name="TITLE_ONLY">
     <p:spTree>
       <p:nvGrpSpPr>
-        <p:cNvPr id="40" name="Shape 40"/>
+        <p:cNvPr id="1" name="Shape 40"/>
         <p:cNvGrpSpPr/>
         <p:nvPr/>
       </p:nvGrpSpPr>
@@ -4867,12 +4975,12 @@
           </a:ln>
         </p:spPr>
         <p:txBody>
-          <a:bodyPr anchorCtr="0" anchor="ctr" bIns="91425" lIns="91425" spcFirstLastPara="1" rIns="91425" wrap="square" tIns="91425">
+          <a:bodyPr spcFirstLastPara="1" wrap="square" lIns="91425" tIns="91425" rIns="91425" bIns="91425" anchor="ctr" anchorCtr="0">
             <a:noAutofit/>
           </a:bodyPr>
           <a:lstStyle/>
           <a:p>
-            <a:pPr indent="0" lvl="0" marL="0" rtl="0" algn="l">
+            <a:pPr marL="0" lvl="0" indent="0" algn="l" rtl="0">
               <a:spcBef>
                 <a:spcPts val="0"/>
               </a:spcBef>
@@ -4881,9 +4989,6 @@
               </a:spcAft>
               <a:buNone/>
             </a:pPr>
-            <a:r>
-              <a:t/>
-            </a:r>
             <a:endParaRPr/>
           </a:p>
         </p:txBody>
@@ -4924,12 +5029,12 @@
             </a:ln>
           </p:spPr>
           <p:txBody>
-            <a:bodyPr anchorCtr="0" anchor="ctr" bIns="91425" lIns="91425" spcFirstLastPara="1" rIns="91425" wrap="square" tIns="91425">
+            <a:bodyPr spcFirstLastPara="1" wrap="square" lIns="91425" tIns="91425" rIns="91425" bIns="91425" anchor="ctr" anchorCtr="0">
               <a:noAutofit/>
             </a:bodyPr>
             <a:lstStyle/>
             <a:p>
-              <a:pPr indent="0" lvl="0" marL="0" rtl="0" algn="l">
+              <a:pPr marL="0" lvl="0" indent="0" algn="l" rtl="0">
                 <a:spcBef>
                   <a:spcPts val="0"/>
                 </a:spcBef>
@@ -4938,9 +5043,6 @@
                 </a:spcAft>
                 <a:buNone/>
               </a:pPr>
-              <a:r>
-                <a:t/>
-              </a:r>
               <a:endParaRPr/>
             </a:p>
           </p:txBody>
@@ -4967,12 +5069,12 @@
             </a:ln>
           </p:spPr>
           <p:txBody>
-            <a:bodyPr anchorCtr="0" anchor="ctr" bIns="91425" lIns="91425" spcFirstLastPara="1" rIns="91425" wrap="square" tIns="91425">
+            <a:bodyPr spcFirstLastPara="1" wrap="square" lIns="91425" tIns="91425" rIns="91425" bIns="91425" anchor="ctr" anchorCtr="0">
               <a:noAutofit/>
             </a:bodyPr>
             <a:lstStyle/>
             <a:p>
-              <a:pPr indent="0" lvl="0" marL="0" rtl="0" algn="l">
+              <a:pPr marL="0" lvl="0" indent="0" algn="l" rtl="0">
                 <a:spcBef>
                   <a:spcPts val="0"/>
                 </a:spcBef>
@@ -4981,9 +5083,6 @@
                 </a:spcAft>
                 <a:buNone/>
               </a:pPr>
-              <a:r>
-                <a:t/>
-              </a:r>
               <a:endParaRPr/>
             </a:p>
           </p:txBody>
@@ -4992,7 +5091,9 @@
       <p:sp>
         <p:nvSpPr>
           <p:cNvPr id="45" name="Google Shape;45;p6"/>
-          <p:cNvSpPr txBox="1"/>
+          <p:cNvSpPr txBox="1">
+            <a:spLocks noGrp="1"/>
+          </p:cNvSpPr>
           <p:nvPr>
             <p:ph type="title"/>
           </p:nvPr>
@@ -5007,7 +5108,7 @@
           </a:prstGeom>
         </p:spPr>
         <p:txBody>
-          <a:bodyPr anchorCtr="0" anchor="t" bIns="91425" lIns="91425" spcFirstLastPara="1" rIns="91425" wrap="square" tIns="91425">
+          <a:bodyPr spcFirstLastPara="1" wrap="square" lIns="91425" tIns="91425" rIns="91425" bIns="91425" anchor="t" anchorCtr="0">
             <a:normAutofit/>
           </a:bodyPr>
           <a:lstStyle>
@@ -5111,15 +5212,19 @@
               <a:defRPr sz="2600"/>
             </a:lvl9pPr>
           </a:lstStyle>
-          <a:p/>
+          <a:p>
+            <a:endParaRPr/>
+          </a:p>
         </p:txBody>
       </p:sp>
       <p:sp>
         <p:nvSpPr>
           <p:cNvPr id="46" name="Google Shape;46;p6"/>
-          <p:cNvSpPr txBox="1"/>
+          <p:cNvSpPr txBox="1">
+            <a:spLocks noGrp="1"/>
+          </p:cNvSpPr>
           <p:nvPr>
-            <p:ph idx="12" type="sldNum"/>
+            <p:ph type="sldNum" idx="12"/>
           </p:nvPr>
         </p:nvSpPr>
         <p:spPr>
@@ -5132,7 +5237,7 @@
           </a:prstGeom>
         </p:spPr>
         <p:txBody>
-          <a:bodyPr anchorCtr="0" anchor="ctr" bIns="91425" lIns="91425" spcFirstLastPara="1" rIns="91425" wrap="square" tIns="91425">
+          <a:bodyPr spcFirstLastPara="1" wrap="square" lIns="91425" tIns="91425" rIns="91425" bIns="91425" anchor="ctr" anchorCtr="0">
             <a:normAutofit/>
           </a:bodyPr>
           <a:lstStyle>
@@ -5174,7 +5279,7 @@
             </a:lvl9pPr>
           </a:lstStyle>
           <a:p>
-            <a:pPr indent="0" lvl="0" marL="0" rtl="0" algn="r">
+            <a:pPr marL="0" lvl="0" indent="0" algn="r" rtl="0">
               <a:spcBef>
                 <a:spcPts val="0"/>
               </a:spcBef>
@@ -5200,11 +5305,11 @@
 </file>
 
 <file path=ppt/slideLayouts/slideLayout6.xml><?xml version="1.0" encoding="utf-8"?>
-<p:sldLayout xmlns:a="http://schemas.openxmlformats.org/drawingml/2006/main" xmlns:r="http://schemas.openxmlformats.org/officeDocument/2006/relationships" xmlns:mc="http://schemas.openxmlformats.org/markup-compatibility/2006" xmlns:mv="urn:schemas-microsoft-com:mac:vml" xmlns:p="http://schemas.openxmlformats.org/presentationml/2006/main" xmlns:c="http://schemas.openxmlformats.org/drawingml/2006/chart" xmlns:dgm="http://schemas.openxmlformats.org/drawingml/2006/diagram" xmlns:o="urn:schemas-microsoft-com:office:office" xmlns:v="urn:schemas-microsoft-com:vml" xmlns:pvml="urn:schemas-microsoft-com:office:powerpoint" xmlns:com="http://schemas.openxmlformats.org/drawingml/2006/compatibility" xmlns:p14="http://schemas.microsoft.com/office/powerpoint/2010/main" xmlns:p15="http://schemas.microsoft.com/office/powerpoint/2012/main" xmlns:ahyp="http://schemas.microsoft.com/office/drawing/2018/hyperlinkcolor" matchingName="One column text">
+<p:sldLayout xmlns:a="http://schemas.openxmlformats.org/drawingml/2006/main" xmlns:r="http://schemas.openxmlformats.org/officeDocument/2006/relationships" xmlns:p="http://schemas.openxmlformats.org/presentationml/2006/main" matchingName="One column text">
   <p:cSld name="ONE_COLUMN_TEXT">
     <p:spTree>
       <p:nvGrpSpPr>
-        <p:cNvPr id="47" name="Shape 47"/>
+        <p:cNvPr id="1" name="Shape 47"/>
         <p:cNvGrpSpPr/>
         <p:nvPr/>
       </p:nvGrpSpPr>
@@ -5238,12 +5343,12 @@
           </a:ln>
         </p:spPr>
         <p:txBody>
-          <a:bodyPr anchorCtr="0" anchor="ctr" bIns="91425" lIns="91425" spcFirstLastPara="1" rIns="91425" wrap="square" tIns="91425">
+          <a:bodyPr spcFirstLastPara="1" wrap="square" lIns="91425" tIns="91425" rIns="91425" bIns="91425" anchor="ctr" anchorCtr="0">
             <a:noAutofit/>
           </a:bodyPr>
           <a:lstStyle/>
           <a:p>
-            <a:pPr indent="0" lvl="0" marL="0" rtl="0" algn="l">
+            <a:pPr marL="0" lvl="0" indent="0" algn="l" rtl="0">
               <a:spcBef>
                 <a:spcPts val="0"/>
               </a:spcBef>
@@ -5252,9 +5357,6 @@
               </a:spcAft>
               <a:buNone/>
             </a:pPr>
-            <a:r>
-              <a:t/>
-            </a:r>
             <a:endParaRPr/>
           </a:p>
         </p:txBody>
@@ -5295,12 +5397,12 @@
             </a:ln>
           </p:spPr>
           <p:txBody>
-            <a:bodyPr anchorCtr="0" anchor="ctr" bIns="91425" lIns="91425" spcFirstLastPara="1" rIns="91425" wrap="square" tIns="91425">
+            <a:bodyPr spcFirstLastPara="1" wrap="square" lIns="91425" tIns="91425" rIns="91425" bIns="91425" anchor="ctr" anchorCtr="0">
               <a:noAutofit/>
             </a:bodyPr>
             <a:lstStyle/>
             <a:p>
-              <a:pPr indent="0" lvl="0" marL="0" rtl="0" algn="l">
+              <a:pPr marL="0" lvl="0" indent="0" algn="l" rtl="0">
                 <a:spcBef>
                   <a:spcPts val="0"/>
                 </a:spcBef>
@@ -5309,9 +5411,6 @@
                 </a:spcAft>
                 <a:buNone/>
               </a:pPr>
-              <a:r>
-                <a:t/>
-              </a:r>
               <a:endParaRPr/>
             </a:p>
           </p:txBody>
@@ -5338,12 +5437,12 @@
             </a:ln>
           </p:spPr>
           <p:txBody>
-            <a:bodyPr anchorCtr="0" anchor="ctr" bIns="91425" lIns="91425" spcFirstLastPara="1" rIns="91425" wrap="square" tIns="91425">
+            <a:bodyPr spcFirstLastPara="1" wrap="square" lIns="91425" tIns="91425" rIns="91425" bIns="91425" anchor="ctr" anchorCtr="0">
               <a:noAutofit/>
             </a:bodyPr>
             <a:lstStyle/>
             <a:p>
-              <a:pPr indent="0" lvl="0" marL="0" rtl="0" algn="l">
+              <a:pPr marL="0" lvl="0" indent="0" algn="l" rtl="0">
                 <a:spcBef>
                   <a:spcPts val="0"/>
                 </a:spcBef>
@@ -5352,9 +5451,6 @@
                 </a:spcAft>
                 <a:buNone/>
               </a:pPr>
-              <a:r>
-                <a:t/>
-              </a:r>
               <a:endParaRPr/>
             </a:p>
           </p:txBody>
@@ -5363,7 +5459,9 @@
       <p:sp>
         <p:nvSpPr>
           <p:cNvPr id="52" name="Google Shape;52;p7"/>
-          <p:cNvSpPr txBox="1"/>
+          <p:cNvSpPr txBox="1">
+            <a:spLocks noGrp="1"/>
+          </p:cNvSpPr>
           <p:nvPr>
             <p:ph type="title"/>
           </p:nvPr>
@@ -5378,7 +5476,7 @@
           </a:prstGeom>
         </p:spPr>
         <p:txBody>
-          <a:bodyPr anchorCtr="0" anchor="t" bIns="91425" lIns="91425" spcFirstLastPara="1" rIns="91425" wrap="square" tIns="91425">
+          <a:bodyPr spcFirstLastPara="1" wrap="square" lIns="91425" tIns="91425" rIns="91425" bIns="91425" anchor="t" anchorCtr="0">
             <a:normAutofit/>
           </a:bodyPr>
           <a:lstStyle>
@@ -5482,15 +5580,19 @@
               <a:defRPr sz="2600"/>
             </a:lvl9pPr>
           </a:lstStyle>
-          <a:p/>
+          <a:p>
+            <a:endParaRPr/>
+          </a:p>
         </p:txBody>
       </p:sp>
       <p:sp>
         <p:nvSpPr>
           <p:cNvPr id="53" name="Google Shape;53;p7"/>
-          <p:cNvSpPr txBox="1"/>
+          <p:cNvSpPr txBox="1">
+            <a:spLocks noGrp="1"/>
+          </p:cNvSpPr>
           <p:nvPr>
-            <p:ph idx="1" type="body"/>
+            <p:ph type="body" idx="1"/>
           </p:nvPr>
         </p:nvSpPr>
         <p:spPr>
@@ -5503,11 +5605,11 @@
           </a:prstGeom>
         </p:spPr>
         <p:txBody>
-          <a:bodyPr anchorCtr="0" anchor="t" bIns="91425" lIns="91425" spcFirstLastPara="1" rIns="91425" wrap="square" tIns="91425">
+          <a:bodyPr spcFirstLastPara="1" wrap="square" lIns="91425" tIns="91425" rIns="91425" bIns="91425" anchor="t" anchorCtr="0">
             <a:normAutofit/>
           </a:bodyPr>
           <a:lstStyle>
-            <a:lvl1pPr indent="-311150" lvl="0" marL="457200">
+            <a:lvl1pPr marL="457200" lvl="0" indent="-311150">
               <a:spcBef>
                 <a:spcPts val="0"/>
               </a:spcBef>
@@ -5518,7 +5620,7 @@
               <a:buChar char="●"/>
               <a:defRPr/>
             </a:lvl1pPr>
-            <a:lvl2pPr indent="-298450" lvl="1" marL="914400">
+            <a:lvl2pPr marL="914400" lvl="1" indent="-298450">
               <a:spcBef>
                 <a:spcPts val="0"/>
               </a:spcBef>
@@ -5529,7 +5631,7 @@
               <a:buChar char="○"/>
               <a:defRPr/>
             </a:lvl2pPr>
-            <a:lvl3pPr indent="-298450" lvl="2" marL="1371600">
+            <a:lvl3pPr marL="1371600" lvl="2" indent="-298450">
               <a:spcBef>
                 <a:spcPts val="0"/>
               </a:spcBef>
@@ -5540,7 +5642,7 @@
               <a:buChar char="■"/>
               <a:defRPr/>
             </a:lvl3pPr>
-            <a:lvl4pPr indent="-298450" lvl="3" marL="1828800">
+            <a:lvl4pPr marL="1828800" lvl="3" indent="-298450">
               <a:spcBef>
                 <a:spcPts val="0"/>
               </a:spcBef>
@@ -5551,7 +5653,7 @@
               <a:buChar char="●"/>
               <a:defRPr/>
             </a:lvl4pPr>
-            <a:lvl5pPr indent="-298450" lvl="4" marL="2286000">
+            <a:lvl5pPr marL="2286000" lvl="4" indent="-298450">
               <a:spcBef>
                 <a:spcPts val="0"/>
               </a:spcBef>
@@ -5562,7 +5664,7 @@
               <a:buChar char="○"/>
               <a:defRPr/>
             </a:lvl5pPr>
-            <a:lvl6pPr indent="-298450" lvl="5" marL="2743200">
+            <a:lvl6pPr marL="2743200" lvl="5" indent="-298450">
               <a:spcBef>
                 <a:spcPts val="0"/>
               </a:spcBef>
@@ -5573,7 +5675,7 @@
               <a:buChar char="■"/>
               <a:defRPr/>
             </a:lvl6pPr>
-            <a:lvl7pPr indent="-298450" lvl="6" marL="3200400">
+            <a:lvl7pPr marL="3200400" lvl="6" indent="-298450">
               <a:spcBef>
                 <a:spcPts val="0"/>
               </a:spcBef>
@@ -5584,7 +5686,7 @@
               <a:buChar char="●"/>
               <a:defRPr/>
             </a:lvl7pPr>
-            <a:lvl8pPr indent="-298450" lvl="7" marL="3657600">
+            <a:lvl8pPr marL="3657600" lvl="7" indent="-298450">
               <a:spcBef>
                 <a:spcPts val="0"/>
               </a:spcBef>
@@ -5595,7 +5697,7 @@
               <a:buChar char="○"/>
               <a:defRPr/>
             </a:lvl8pPr>
-            <a:lvl9pPr indent="-298450" lvl="8" marL="4114800">
+            <a:lvl9pPr marL="4114800" lvl="8" indent="-298450">
               <a:spcBef>
                 <a:spcPts val="0"/>
               </a:spcBef>
@@ -5607,15 +5709,19 @@
               <a:defRPr/>
             </a:lvl9pPr>
           </a:lstStyle>
-          <a:p/>
+          <a:p>
+            <a:endParaRPr/>
+          </a:p>
         </p:txBody>
       </p:sp>
       <p:sp>
         <p:nvSpPr>
           <p:cNvPr id="54" name="Google Shape;54;p7"/>
-          <p:cNvSpPr txBox="1"/>
+          <p:cNvSpPr txBox="1">
+            <a:spLocks noGrp="1"/>
+          </p:cNvSpPr>
           <p:nvPr>
-            <p:ph idx="12" type="sldNum"/>
+            <p:ph type="sldNum" idx="12"/>
           </p:nvPr>
         </p:nvSpPr>
         <p:spPr>
@@ -5628,7 +5734,7 @@
           </a:prstGeom>
         </p:spPr>
         <p:txBody>
-          <a:bodyPr anchorCtr="0" anchor="ctr" bIns="91425" lIns="91425" spcFirstLastPara="1" rIns="91425" wrap="square" tIns="91425">
+          <a:bodyPr spcFirstLastPara="1" wrap="square" lIns="91425" tIns="91425" rIns="91425" bIns="91425" anchor="ctr" anchorCtr="0">
             <a:normAutofit/>
           </a:bodyPr>
           <a:lstStyle>
@@ -5670,7 +5776,7 @@
             </a:lvl9pPr>
           </a:lstStyle>
           <a:p>
-            <a:pPr indent="0" lvl="0" marL="0" rtl="0" algn="r">
+            <a:pPr marL="0" lvl="0" indent="0" algn="r" rtl="0">
               <a:spcBef>
                 <a:spcPts val="0"/>
               </a:spcBef>
@@ -5696,18 +5802,19 @@
 </file>
 
 <file path=ppt/slideLayouts/slideLayout7.xml><?xml version="1.0" encoding="utf-8"?>
-<p:sldLayout xmlns:a="http://schemas.openxmlformats.org/drawingml/2006/main" xmlns:r="http://schemas.openxmlformats.org/officeDocument/2006/relationships" xmlns:mc="http://schemas.openxmlformats.org/markup-compatibility/2006" xmlns:mv="urn:schemas-microsoft-com:mac:vml" xmlns:p="http://schemas.openxmlformats.org/presentationml/2006/main" xmlns:c="http://schemas.openxmlformats.org/drawingml/2006/chart" xmlns:dgm="http://schemas.openxmlformats.org/drawingml/2006/diagram" xmlns:o="urn:schemas-microsoft-com:office:office" xmlns:v="urn:schemas-microsoft-com:vml" xmlns:pvml="urn:schemas-microsoft-com:office:powerpoint" xmlns:com="http://schemas.openxmlformats.org/drawingml/2006/compatibility" xmlns:p14="http://schemas.microsoft.com/office/powerpoint/2010/main" xmlns:p15="http://schemas.microsoft.com/office/powerpoint/2012/main" xmlns:ahyp="http://schemas.microsoft.com/office/drawing/2018/hyperlinkcolor" matchingName="Main point">
+<p:sldLayout xmlns:a="http://schemas.openxmlformats.org/drawingml/2006/main" xmlns:r="http://schemas.openxmlformats.org/officeDocument/2006/relationships" xmlns:p="http://schemas.openxmlformats.org/presentationml/2006/main" matchingName="Main point">
   <p:cSld name="MAIN_POINT">
     <p:bg>
       <p:bgPr>
         <a:solidFill>
           <a:schemeClr val="accent3"/>
         </a:solidFill>
+        <a:effectLst/>
       </p:bgPr>
     </p:bg>
     <p:spTree>
       <p:nvGrpSpPr>
-        <p:cNvPr id="55" name="Shape 55"/>
+        <p:cNvPr id="1" name="Shape 55"/>
         <p:cNvGrpSpPr/>
         <p:nvPr/>
       </p:nvGrpSpPr>
@@ -5755,12 +5862,12 @@
             </a:ln>
           </p:spPr>
           <p:txBody>
-            <a:bodyPr anchorCtr="0" anchor="ctr" bIns="91425" lIns="91425" spcFirstLastPara="1" rIns="91425" wrap="square" tIns="91425">
+            <a:bodyPr spcFirstLastPara="1" wrap="square" lIns="91425" tIns="91425" rIns="91425" bIns="91425" anchor="ctr" anchorCtr="0">
               <a:noAutofit/>
             </a:bodyPr>
             <a:lstStyle/>
             <a:p>
-              <a:pPr indent="0" lvl="0" marL="0" rtl="0" algn="l">
+              <a:pPr marL="0" lvl="0" indent="0" algn="l" rtl="0">
                 <a:spcBef>
                   <a:spcPts val="0"/>
                 </a:spcBef>
@@ -5769,9 +5876,6 @@
                 </a:spcAft>
                 <a:buNone/>
               </a:pPr>
-              <a:r>
-                <a:t/>
-              </a:r>
               <a:endParaRPr/>
             </a:p>
           </p:txBody>
@@ -5798,12 +5902,12 @@
             </a:ln>
           </p:spPr>
           <p:txBody>
-            <a:bodyPr anchorCtr="0" anchor="ctr" bIns="91425" lIns="91425" spcFirstLastPara="1" rIns="91425" wrap="square" tIns="91425">
+            <a:bodyPr spcFirstLastPara="1" wrap="square" lIns="91425" tIns="91425" rIns="91425" bIns="91425" anchor="ctr" anchorCtr="0">
               <a:noAutofit/>
             </a:bodyPr>
             <a:lstStyle/>
             <a:p>
-              <a:pPr indent="0" lvl="0" marL="0" rtl="0" algn="l">
+              <a:pPr marL="0" lvl="0" indent="0" algn="l" rtl="0">
                 <a:spcBef>
                   <a:spcPts val="0"/>
                 </a:spcBef>
@@ -5812,9 +5916,6 @@
                 </a:spcAft>
                 <a:buNone/>
               </a:pPr>
-              <a:r>
-                <a:t/>
-              </a:r>
               <a:endParaRPr/>
             </a:p>
           </p:txBody>
@@ -5823,7 +5924,9 @@
       <p:sp>
         <p:nvSpPr>
           <p:cNvPr id="59" name="Google Shape;59;p8"/>
-          <p:cNvSpPr txBox="1"/>
+          <p:cNvSpPr txBox="1">
+            <a:spLocks noGrp="1"/>
+          </p:cNvSpPr>
           <p:nvPr>
             <p:ph type="title"/>
           </p:nvPr>
@@ -5838,7 +5941,7 @@
           </a:prstGeom>
         </p:spPr>
         <p:txBody>
-          <a:bodyPr anchorCtr="0" anchor="ctr" bIns="91425" lIns="91425" spcFirstLastPara="1" rIns="91425" wrap="square" tIns="91425">
+          <a:bodyPr spcFirstLastPara="1" wrap="square" lIns="91425" tIns="91425" rIns="91425" bIns="91425" anchor="ctr" anchorCtr="0">
             <a:normAutofit/>
           </a:bodyPr>
           <a:lstStyle>
@@ -6005,15 +6108,19 @@
               </a:defRPr>
             </a:lvl9pPr>
           </a:lstStyle>
-          <a:p/>
+          <a:p>
+            <a:endParaRPr/>
+          </a:p>
         </p:txBody>
       </p:sp>
       <p:sp>
         <p:nvSpPr>
           <p:cNvPr id="60" name="Google Shape;60;p8"/>
-          <p:cNvSpPr txBox="1"/>
+          <p:cNvSpPr txBox="1">
+            <a:spLocks noGrp="1"/>
+          </p:cNvSpPr>
           <p:nvPr>
-            <p:ph idx="12" type="sldNum"/>
+            <p:ph type="sldNum" idx="12"/>
           </p:nvPr>
         </p:nvSpPr>
         <p:spPr>
@@ -6026,7 +6133,7 @@
           </a:prstGeom>
         </p:spPr>
         <p:txBody>
-          <a:bodyPr anchorCtr="0" anchor="ctr" bIns="91425" lIns="91425" spcFirstLastPara="1" rIns="91425" wrap="square" tIns="91425">
+          <a:bodyPr spcFirstLastPara="1" wrap="square" lIns="91425" tIns="91425" rIns="91425" bIns="91425" anchor="ctr" anchorCtr="0">
             <a:normAutofit/>
           </a:bodyPr>
           <a:lstStyle>
@@ -6104,7 +6211,7 @@
             </a:lvl9pPr>
           </a:lstStyle>
           <a:p>
-            <a:pPr indent="0" lvl="0" marL="0" rtl="0" algn="r">
+            <a:pPr marL="0" lvl="0" indent="0" algn="r" rtl="0">
               <a:spcBef>
                 <a:spcPts val="0"/>
               </a:spcBef>
@@ -6130,11 +6237,11 @@
 </file>
 
 <file path=ppt/slideLayouts/slideLayout8.xml><?xml version="1.0" encoding="utf-8"?>
-<p:sldLayout xmlns:a="http://schemas.openxmlformats.org/drawingml/2006/main" xmlns:r="http://schemas.openxmlformats.org/officeDocument/2006/relationships" xmlns:mc="http://schemas.openxmlformats.org/markup-compatibility/2006" xmlns:mv="urn:schemas-microsoft-com:mac:vml" xmlns:p="http://schemas.openxmlformats.org/presentationml/2006/main" xmlns:c="http://schemas.openxmlformats.org/drawingml/2006/chart" xmlns:dgm="http://schemas.openxmlformats.org/drawingml/2006/diagram" xmlns:o="urn:schemas-microsoft-com:office:office" xmlns:v="urn:schemas-microsoft-com:vml" xmlns:pvml="urn:schemas-microsoft-com:office:powerpoint" xmlns:com="http://schemas.openxmlformats.org/drawingml/2006/compatibility" xmlns:p14="http://schemas.microsoft.com/office/powerpoint/2010/main" xmlns:p15="http://schemas.microsoft.com/office/powerpoint/2012/main" xmlns:ahyp="http://schemas.microsoft.com/office/drawing/2018/hyperlinkcolor" matchingName="Section title and description">
+<p:sldLayout xmlns:a="http://schemas.openxmlformats.org/drawingml/2006/main" xmlns:r="http://schemas.openxmlformats.org/officeDocument/2006/relationships" xmlns:p="http://schemas.openxmlformats.org/presentationml/2006/main" matchingName="Section title and description">
   <p:cSld name="SECTION_TITLE_AND_DESCRIPTION">
     <p:spTree>
       <p:nvGrpSpPr>
-        <p:cNvPr id="61" name="Shape 61"/>
+        <p:cNvPr id="1" name="Shape 61"/>
         <p:cNvGrpSpPr/>
         <p:nvPr/>
       </p:nvGrpSpPr>
@@ -6168,12 +6275,12 @@
           </a:ln>
         </p:spPr>
         <p:txBody>
-          <a:bodyPr anchorCtr="0" anchor="ctr" bIns="91425" lIns="91425" spcFirstLastPara="1" rIns="91425" wrap="square" tIns="91425">
+          <a:bodyPr spcFirstLastPara="1" wrap="square" lIns="91425" tIns="91425" rIns="91425" bIns="91425" anchor="ctr" anchorCtr="0">
             <a:noAutofit/>
           </a:bodyPr>
           <a:lstStyle/>
           <a:p>
-            <a:pPr indent="0" lvl="0" marL="0" rtl="0" algn="l">
+            <a:pPr marL="0" lvl="0" indent="0" algn="l" rtl="0">
               <a:spcBef>
                 <a:spcPts val="0"/>
               </a:spcBef>
@@ -6182,9 +6289,6 @@
               </a:spcAft>
               <a:buNone/>
             </a:pPr>
-            <a:r>
-              <a:t/>
-            </a:r>
             <a:endParaRPr/>
           </a:p>
         </p:txBody>
@@ -6225,12 +6329,12 @@
             </a:ln>
           </p:spPr>
           <p:txBody>
-            <a:bodyPr anchorCtr="0" anchor="ctr" bIns="91425" lIns="91425" spcFirstLastPara="1" rIns="91425" wrap="square" tIns="91425">
+            <a:bodyPr spcFirstLastPara="1" wrap="square" lIns="91425" tIns="91425" rIns="91425" bIns="91425" anchor="ctr" anchorCtr="0">
               <a:noAutofit/>
             </a:bodyPr>
             <a:lstStyle/>
             <a:p>
-              <a:pPr indent="0" lvl="0" marL="0" rtl="0" algn="l">
+              <a:pPr marL="0" lvl="0" indent="0" algn="l" rtl="0">
                 <a:spcBef>
                   <a:spcPts val="0"/>
                 </a:spcBef>
@@ -6239,9 +6343,6 @@
                 </a:spcAft>
                 <a:buNone/>
               </a:pPr>
-              <a:r>
-                <a:t/>
-              </a:r>
               <a:endParaRPr/>
             </a:p>
           </p:txBody>
@@ -6268,12 +6369,12 @@
             </a:ln>
           </p:spPr>
           <p:txBody>
-            <a:bodyPr anchorCtr="0" anchor="ctr" bIns="91425" lIns="91425" spcFirstLastPara="1" rIns="91425" wrap="square" tIns="91425">
+            <a:bodyPr spcFirstLastPara="1" wrap="square" lIns="91425" tIns="91425" rIns="91425" bIns="91425" anchor="ctr" anchorCtr="0">
               <a:noAutofit/>
             </a:bodyPr>
             <a:lstStyle/>
             <a:p>
-              <a:pPr indent="0" lvl="0" marL="0" rtl="0" algn="l">
+              <a:pPr marL="0" lvl="0" indent="0" algn="l" rtl="0">
                 <a:spcBef>
                   <a:spcPts val="0"/>
                 </a:spcBef>
@@ -6282,9 +6383,6 @@
                 </a:spcAft>
                 <a:buNone/>
               </a:pPr>
-              <a:r>
-                <a:t/>
-              </a:r>
               <a:endParaRPr/>
             </a:p>
           </p:txBody>
@@ -6293,7 +6391,9 @@
       <p:sp>
         <p:nvSpPr>
           <p:cNvPr id="66" name="Google Shape;66;p9"/>
-          <p:cNvSpPr txBox="1"/>
+          <p:cNvSpPr txBox="1">
+            <a:spLocks noGrp="1"/>
+          </p:cNvSpPr>
           <p:nvPr>
             <p:ph type="title"/>
           </p:nvPr>
@@ -6308,7 +6408,7 @@
           </a:prstGeom>
         </p:spPr>
         <p:txBody>
-          <a:bodyPr anchorCtr="0" anchor="t" bIns="91425" lIns="91425" spcFirstLastPara="1" rIns="91425" wrap="square" tIns="91425">
+          <a:bodyPr spcFirstLastPara="1" wrap="square" lIns="91425" tIns="91425" rIns="91425" bIns="91425" anchor="t" anchorCtr="0">
             <a:normAutofit/>
           </a:bodyPr>
           <a:lstStyle>
@@ -6412,15 +6512,19 @@
               <a:defRPr sz="2600"/>
             </a:lvl9pPr>
           </a:lstStyle>
-          <a:p/>
+          <a:p>
+            <a:endParaRPr/>
+          </a:p>
         </p:txBody>
       </p:sp>
       <p:sp>
         <p:nvSpPr>
           <p:cNvPr id="67" name="Google Shape;67;p9"/>
-          <p:cNvSpPr txBox="1"/>
+          <p:cNvSpPr txBox="1">
+            <a:spLocks noGrp="1"/>
+          </p:cNvSpPr>
           <p:nvPr>
-            <p:ph idx="1" type="subTitle"/>
+            <p:ph type="subTitle" idx="1"/>
           </p:nvPr>
         </p:nvSpPr>
         <p:spPr>
@@ -6433,7 +6537,7 @@
           </a:prstGeom>
         </p:spPr>
         <p:txBody>
-          <a:bodyPr anchorCtr="0" anchor="t" bIns="91425" lIns="91425" spcFirstLastPara="1" rIns="91425" wrap="square" tIns="91425">
+          <a:bodyPr spcFirstLastPara="1" wrap="square" lIns="91425" tIns="91425" rIns="91425" bIns="91425" anchor="t" anchorCtr="0">
             <a:normAutofit/>
           </a:bodyPr>
           <a:lstStyle>
@@ -6564,15 +6668,19 @@
               <a:defRPr sz="1600"/>
             </a:lvl9pPr>
           </a:lstStyle>
-          <a:p/>
+          <a:p>
+            <a:endParaRPr/>
+          </a:p>
         </p:txBody>
       </p:sp>
       <p:sp>
         <p:nvSpPr>
           <p:cNvPr id="68" name="Google Shape;68;p9"/>
-          <p:cNvSpPr txBox="1"/>
+          <p:cNvSpPr txBox="1">
+            <a:spLocks noGrp="1"/>
+          </p:cNvSpPr>
           <p:nvPr>
-            <p:ph idx="2" type="body"/>
+            <p:ph type="body" idx="2"/>
           </p:nvPr>
         </p:nvSpPr>
         <p:spPr>
@@ -6585,11 +6693,11 @@
           </a:prstGeom>
         </p:spPr>
         <p:txBody>
-          <a:bodyPr anchorCtr="0" anchor="t" bIns="91425" lIns="91425" spcFirstLastPara="1" rIns="91425" wrap="square" tIns="91425">
+          <a:bodyPr spcFirstLastPara="1" wrap="square" lIns="91425" tIns="91425" rIns="91425" bIns="91425" anchor="t" anchorCtr="0">
             <a:normAutofit/>
           </a:bodyPr>
           <a:lstStyle>
-            <a:lvl1pPr indent="-311150" lvl="0" marL="457200">
+            <a:lvl1pPr marL="457200" lvl="0" indent="-311150">
               <a:spcBef>
                 <a:spcPts val="0"/>
               </a:spcBef>
@@ -6600,7 +6708,7 @@
               <a:buChar char="●"/>
               <a:defRPr/>
             </a:lvl1pPr>
-            <a:lvl2pPr indent="-298450" lvl="1" marL="914400">
+            <a:lvl2pPr marL="914400" lvl="1" indent="-298450">
               <a:spcBef>
                 <a:spcPts val="0"/>
               </a:spcBef>
@@ -6611,7 +6719,7 @@
               <a:buChar char="○"/>
               <a:defRPr/>
             </a:lvl2pPr>
-            <a:lvl3pPr indent="-298450" lvl="2" marL="1371600">
+            <a:lvl3pPr marL="1371600" lvl="2" indent="-298450">
               <a:spcBef>
                 <a:spcPts val="0"/>
               </a:spcBef>
@@ -6622,7 +6730,7 @@
               <a:buChar char="■"/>
               <a:defRPr/>
             </a:lvl3pPr>
-            <a:lvl4pPr indent="-298450" lvl="3" marL="1828800">
+            <a:lvl4pPr marL="1828800" lvl="3" indent="-298450">
               <a:spcBef>
                 <a:spcPts val="0"/>
               </a:spcBef>
@@ -6633,7 +6741,7 @@
               <a:buChar char="●"/>
               <a:defRPr/>
             </a:lvl4pPr>
-            <a:lvl5pPr indent="-298450" lvl="4" marL="2286000">
+            <a:lvl5pPr marL="2286000" lvl="4" indent="-298450">
               <a:spcBef>
                 <a:spcPts val="0"/>
               </a:spcBef>
@@ -6644,7 +6752,7 @@
               <a:buChar char="○"/>
               <a:defRPr/>
             </a:lvl5pPr>
-            <a:lvl6pPr indent="-298450" lvl="5" marL="2743200">
+            <a:lvl6pPr marL="2743200" lvl="5" indent="-298450">
               <a:spcBef>
                 <a:spcPts val="0"/>
               </a:spcBef>
@@ -6655,7 +6763,7 @@
               <a:buChar char="■"/>
               <a:defRPr/>
             </a:lvl6pPr>
-            <a:lvl7pPr indent="-298450" lvl="6" marL="3200400">
+            <a:lvl7pPr marL="3200400" lvl="6" indent="-298450">
               <a:spcBef>
                 <a:spcPts val="0"/>
               </a:spcBef>
@@ -6666,7 +6774,7 @@
               <a:buChar char="●"/>
               <a:defRPr/>
             </a:lvl7pPr>
-            <a:lvl8pPr indent="-298450" lvl="7" marL="3657600">
+            <a:lvl8pPr marL="3657600" lvl="7" indent="-298450">
               <a:spcBef>
                 <a:spcPts val="0"/>
               </a:spcBef>
@@ -6677,7 +6785,7 @@
               <a:buChar char="○"/>
               <a:defRPr/>
             </a:lvl8pPr>
-            <a:lvl9pPr indent="-298450" lvl="8" marL="4114800">
+            <a:lvl9pPr marL="4114800" lvl="8" indent="-298450">
               <a:spcBef>
                 <a:spcPts val="0"/>
               </a:spcBef>
@@ -6689,15 +6797,19 @@
               <a:defRPr/>
             </a:lvl9pPr>
           </a:lstStyle>
-          <a:p/>
+          <a:p>
+            <a:endParaRPr/>
+          </a:p>
         </p:txBody>
       </p:sp>
       <p:sp>
         <p:nvSpPr>
           <p:cNvPr id="69" name="Google Shape;69;p9"/>
-          <p:cNvSpPr txBox="1"/>
+          <p:cNvSpPr txBox="1">
+            <a:spLocks noGrp="1"/>
+          </p:cNvSpPr>
           <p:nvPr>
-            <p:ph idx="12" type="sldNum"/>
+            <p:ph type="sldNum" idx="12"/>
           </p:nvPr>
         </p:nvSpPr>
         <p:spPr>
@@ -6710,7 +6822,7 @@
           </a:prstGeom>
         </p:spPr>
         <p:txBody>
-          <a:bodyPr anchorCtr="0" anchor="ctr" bIns="91425" lIns="91425" spcFirstLastPara="1" rIns="91425" wrap="square" tIns="91425">
+          <a:bodyPr spcFirstLastPara="1" wrap="square" lIns="91425" tIns="91425" rIns="91425" bIns="91425" anchor="ctr" anchorCtr="0">
             <a:normAutofit/>
           </a:bodyPr>
           <a:lstStyle>
@@ -6752,7 +6864,7 @@
             </a:lvl9pPr>
           </a:lstStyle>
           <a:p>
-            <a:pPr indent="0" lvl="0" marL="0" rtl="0" algn="r">
+            <a:pPr marL="0" lvl="0" indent="0" algn="r" rtl="0">
               <a:spcBef>
                 <a:spcPts val="0"/>
               </a:spcBef>
@@ -6778,11 +6890,11 @@
 </file>
 
 <file path=ppt/slideLayouts/slideLayout9.xml><?xml version="1.0" encoding="utf-8"?>
-<p:sldLayout xmlns:a="http://schemas.openxmlformats.org/drawingml/2006/main" xmlns:r="http://schemas.openxmlformats.org/officeDocument/2006/relationships" xmlns:mc="http://schemas.openxmlformats.org/markup-compatibility/2006" xmlns:mv="urn:schemas-microsoft-com:mac:vml" xmlns:p="http://schemas.openxmlformats.org/presentationml/2006/main" xmlns:c="http://schemas.openxmlformats.org/drawingml/2006/chart" xmlns:dgm="http://schemas.openxmlformats.org/drawingml/2006/diagram" xmlns:o="urn:schemas-microsoft-com:office:office" xmlns:v="urn:schemas-microsoft-com:vml" xmlns:pvml="urn:schemas-microsoft-com:office:powerpoint" xmlns:com="http://schemas.openxmlformats.org/drawingml/2006/compatibility" xmlns:p14="http://schemas.microsoft.com/office/powerpoint/2010/main" xmlns:p15="http://schemas.microsoft.com/office/powerpoint/2012/main" xmlns:ahyp="http://schemas.microsoft.com/office/drawing/2018/hyperlinkcolor" matchingName="Caption">
+<p:sldLayout xmlns:a="http://schemas.openxmlformats.org/drawingml/2006/main" xmlns:r="http://schemas.openxmlformats.org/officeDocument/2006/relationships" xmlns:p="http://schemas.openxmlformats.org/presentationml/2006/main" matchingName="Caption">
   <p:cSld name="CAPTION_ONLY">
     <p:spTree>
       <p:nvGrpSpPr>
-        <p:cNvPr id="70" name="Shape 70"/>
+        <p:cNvPr id="1" name="Shape 70"/>
         <p:cNvGrpSpPr/>
         <p:nvPr/>
       </p:nvGrpSpPr>
@@ -6797,9 +6909,11 @@
       <p:sp>
         <p:nvSpPr>
           <p:cNvPr id="71" name="Google Shape;71;p10"/>
-          <p:cNvSpPr txBox="1"/>
+          <p:cNvSpPr txBox="1">
+            <a:spLocks noGrp="1"/>
+          </p:cNvSpPr>
           <p:nvPr>
-            <p:ph idx="1" type="body"/>
+            <p:ph type="body" idx="1"/>
           </p:nvPr>
         </p:nvSpPr>
         <p:spPr>
@@ -6812,11 +6926,11 @@
           </a:prstGeom>
         </p:spPr>
         <p:txBody>
-          <a:bodyPr anchorCtr="0" anchor="ctr" bIns="91425" lIns="91425" spcFirstLastPara="1" rIns="91425" wrap="square" tIns="91425">
+          <a:bodyPr spcFirstLastPara="1" wrap="square" lIns="91425" tIns="91425" rIns="91425" bIns="91425" anchor="ctr" anchorCtr="0">
             <a:normAutofit/>
           </a:bodyPr>
           <a:lstStyle>
-            <a:lvl1pPr indent="-228600" lvl="0" marL="457200">
+            <a:lvl1pPr marL="457200" lvl="0" indent="-228600">
               <a:lnSpc>
                 <a:spcPct val="100000"/>
               </a:lnSpc>
@@ -6831,15 +6945,19 @@
               <a:defRPr/>
             </a:lvl1pPr>
           </a:lstStyle>
-          <a:p/>
+          <a:p>
+            <a:endParaRPr/>
+          </a:p>
         </p:txBody>
       </p:sp>
       <p:sp>
         <p:nvSpPr>
           <p:cNvPr id="72" name="Google Shape;72;p10"/>
-          <p:cNvSpPr txBox="1"/>
+          <p:cNvSpPr txBox="1">
+            <a:spLocks noGrp="1"/>
+          </p:cNvSpPr>
           <p:nvPr>
-            <p:ph idx="12" type="sldNum"/>
+            <p:ph type="sldNum" idx="12"/>
           </p:nvPr>
         </p:nvSpPr>
         <p:spPr>
@@ -6852,7 +6970,7 @@
           </a:prstGeom>
         </p:spPr>
         <p:txBody>
-          <a:bodyPr anchorCtr="0" anchor="ctr" bIns="91425" lIns="91425" spcFirstLastPara="1" rIns="91425" wrap="square" tIns="91425">
+          <a:bodyPr spcFirstLastPara="1" wrap="square" lIns="91425" tIns="91425" rIns="91425" bIns="91425" anchor="ctr" anchorCtr="0">
             <a:normAutofit/>
           </a:bodyPr>
           <a:lstStyle>
@@ -6894,7 +7012,7 @@
             </a:lvl9pPr>
           </a:lstStyle>
           <a:p>
-            <a:pPr indent="0" lvl="0" marL="0" rtl="0" algn="r">
+            <a:pPr marL="0" lvl="0" indent="0" algn="r" rtl="0">
               <a:spcBef>
                 <a:spcPts val="0"/>
               </a:spcBef>
@@ -6920,18 +7038,19 @@
 </file>
 
 <file path=ppt/slideMasters/slideMaster1.xml><?xml version="1.0" encoding="utf-8"?>
-<p:sldMaster xmlns:a="http://schemas.openxmlformats.org/drawingml/2006/main" xmlns:r="http://schemas.openxmlformats.org/officeDocument/2006/relationships" xmlns:mc="http://schemas.openxmlformats.org/markup-compatibility/2006" xmlns:mv="urn:schemas-microsoft-com:mac:vml" xmlns:p="http://schemas.openxmlformats.org/presentationml/2006/main" xmlns:c="http://schemas.openxmlformats.org/drawingml/2006/chart" xmlns:dgm="http://schemas.openxmlformats.org/drawingml/2006/diagram" xmlns:o="urn:schemas-microsoft-com:office:office" xmlns:v="urn:schemas-microsoft-com:vml" xmlns:pvml="urn:schemas-microsoft-com:office:powerpoint" xmlns:com="http://schemas.openxmlformats.org/drawingml/2006/compatibility" xmlns:p14="http://schemas.microsoft.com/office/powerpoint/2010/main" xmlns:p15="http://schemas.microsoft.com/office/powerpoint/2012/main" xmlns:ahyp="http://schemas.microsoft.com/office/drawing/2018/hyperlinkcolor">
+<p:sldMaster xmlns:a="http://schemas.openxmlformats.org/drawingml/2006/main" xmlns:r="http://schemas.openxmlformats.org/officeDocument/2006/relationships" xmlns:p="http://schemas.openxmlformats.org/presentationml/2006/main">
   <p:cSld name="streamline">
     <p:bg>
       <p:bgPr>
         <a:solidFill>
           <a:schemeClr val="lt1"/>
         </a:solidFill>
+        <a:effectLst/>
       </p:bgPr>
     </p:bg>
     <p:spTree>
       <p:nvGrpSpPr>
-        <p:cNvPr id="5" name="Shape 5"/>
+        <p:cNvPr id="1" name="Shape 5"/>
         <p:cNvGrpSpPr/>
         <p:nvPr/>
       </p:nvGrpSpPr>
@@ -6946,7 +7065,9 @@
       <p:sp>
         <p:nvSpPr>
           <p:cNvPr id="6" name="Google Shape;6;p1"/>
-          <p:cNvSpPr txBox="1"/>
+          <p:cNvSpPr txBox="1">
+            <a:spLocks noGrp="1"/>
+          </p:cNvSpPr>
           <p:nvPr>
             <p:ph type="title"/>
           </p:nvPr>
@@ -6965,7 +7086,7 @@
           </a:ln>
         </p:spPr>
         <p:txBody>
-          <a:bodyPr anchorCtr="0" anchor="t" bIns="91425" lIns="91425" spcFirstLastPara="1" rIns="91425" wrap="square" tIns="91425">
+          <a:bodyPr spcFirstLastPara="1" wrap="square" lIns="91425" tIns="91425" rIns="91425" bIns="91425" anchor="t" anchorCtr="0">
             <a:normAutofit/>
           </a:bodyPr>
           <a:lstStyle>
@@ -6982,7 +7103,7 @@
               <a:buSzPts val="2800"/>
               <a:buFont typeface="Raleway"/>
               <a:buNone/>
-              <a:defRPr b="1" sz="2800">
+              <a:defRPr sz="2800" b="1">
                 <a:solidFill>
                   <a:schemeClr val="dk2"/>
                 </a:solidFill>
@@ -7005,7 +7126,7 @@
               <a:buSzPts val="2800"/>
               <a:buFont typeface="Raleway"/>
               <a:buNone/>
-              <a:defRPr b="1" sz="2800">
+              <a:defRPr sz="2800" b="1">
                 <a:solidFill>
                   <a:schemeClr val="dk2"/>
                 </a:solidFill>
@@ -7028,7 +7149,7 @@
               <a:buSzPts val="2800"/>
               <a:buFont typeface="Raleway"/>
               <a:buNone/>
-              <a:defRPr b="1" sz="2800">
+              <a:defRPr sz="2800" b="1">
                 <a:solidFill>
                   <a:schemeClr val="dk2"/>
                 </a:solidFill>
@@ -7051,7 +7172,7 @@
               <a:buSzPts val="2800"/>
               <a:buFont typeface="Raleway"/>
               <a:buNone/>
-              <a:defRPr b="1" sz="2800">
+              <a:defRPr sz="2800" b="1">
                 <a:solidFill>
                   <a:schemeClr val="dk2"/>
                 </a:solidFill>
@@ -7074,7 +7195,7 @@
               <a:buSzPts val="2800"/>
               <a:buFont typeface="Raleway"/>
               <a:buNone/>
-              <a:defRPr b="1" sz="2800">
+              <a:defRPr sz="2800" b="1">
                 <a:solidFill>
                   <a:schemeClr val="dk2"/>
                 </a:solidFill>
@@ -7097,7 +7218,7 @@
               <a:buSzPts val="2800"/>
               <a:buFont typeface="Raleway"/>
               <a:buNone/>
-              <a:defRPr b="1" sz="2800">
+              <a:defRPr sz="2800" b="1">
                 <a:solidFill>
                   <a:schemeClr val="dk2"/>
                 </a:solidFill>
@@ -7120,7 +7241,7 @@
               <a:buSzPts val="2800"/>
               <a:buFont typeface="Raleway"/>
               <a:buNone/>
-              <a:defRPr b="1" sz="2800">
+              <a:defRPr sz="2800" b="1">
                 <a:solidFill>
                   <a:schemeClr val="dk2"/>
                 </a:solidFill>
@@ -7143,7 +7264,7 @@
               <a:buSzPts val="2800"/>
               <a:buFont typeface="Raleway"/>
               <a:buNone/>
-              <a:defRPr b="1" sz="2800">
+              <a:defRPr sz="2800" b="1">
                 <a:solidFill>
                   <a:schemeClr val="dk2"/>
                 </a:solidFill>
@@ -7166,7 +7287,7 @@
               <a:buSzPts val="2800"/>
               <a:buFont typeface="Raleway"/>
               <a:buNone/>
-              <a:defRPr b="1" sz="2800">
+              <a:defRPr sz="2800" b="1">
                 <a:solidFill>
                   <a:schemeClr val="dk2"/>
                 </a:solidFill>
@@ -7177,15 +7298,19 @@
               </a:defRPr>
             </a:lvl9pPr>
           </a:lstStyle>
-          <a:p/>
+          <a:p>
+            <a:endParaRPr/>
+          </a:p>
         </p:txBody>
       </p:sp>
       <p:sp>
         <p:nvSpPr>
           <p:cNvPr id="7" name="Google Shape;7;p1"/>
-          <p:cNvSpPr txBox="1"/>
+          <p:cNvSpPr txBox="1">
+            <a:spLocks noGrp="1"/>
+          </p:cNvSpPr>
           <p:nvPr>
-            <p:ph idx="1" type="body"/>
+            <p:ph type="body" idx="1"/>
           </p:nvPr>
         </p:nvSpPr>
         <p:spPr>
@@ -7202,11 +7327,11 @@
           </a:ln>
         </p:spPr>
         <p:txBody>
-          <a:bodyPr anchorCtr="0" anchor="t" bIns="91425" lIns="91425" spcFirstLastPara="1" rIns="91425" wrap="square" tIns="91425">
+          <a:bodyPr spcFirstLastPara="1" wrap="square" lIns="91425" tIns="91425" rIns="91425" bIns="91425" anchor="t" anchorCtr="0">
             <a:normAutofit/>
           </a:bodyPr>
           <a:lstStyle>
-            <a:lvl1pPr indent="-311150" lvl="0" marL="457200">
+            <a:lvl1pPr marL="457200" lvl="0" indent="-311150">
               <a:lnSpc>
                 <a:spcPct val="115000"/>
               </a:lnSpc>
@@ -7232,7 +7357,7 @@
                 <a:sym typeface="Lato"/>
               </a:defRPr>
             </a:lvl1pPr>
-            <a:lvl2pPr indent="-298450" lvl="1" marL="914400">
+            <a:lvl2pPr marL="914400" lvl="1" indent="-298450">
               <a:lnSpc>
                 <a:spcPct val="115000"/>
               </a:lnSpc>
@@ -7258,7 +7383,7 @@
                 <a:sym typeface="Lato"/>
               </a:defRPr>
             </a:lvl2pPr>
-            <a:lvl3pPr indent="-298450" lvl="2" marL="1371600">
+            <a:lvl3pPr marL="1371600" lvl="2" indent="-298450">
               <a:lnSpc>
                 <a:spcPct val="115000"/>
               </a:lnSpc>
@@ -7284,7 +7409,7 @@
                 <a:sym typeface="Lato"/>
               </a:defRPr>
             </a:lvl3pPr>
-            <a:lvl4pPr indent="-298450" lvl="3" marL="1828800">
+            <a:lvl4pPr marL="1828800" lvl="3" indent="-298450">
               <a:lnSpc>
                 <a:spcPct val="115000"/>
               </a:lnSpc>
@@ -7310,7 +7435,7 @@
                 <a:sym typeface="Lato"/>
               </a:defRPr>
             </a:lvl4pPr>
-            <a:lvl5pPr indent="-298450" lvl="4" marL="2286000">
+            <a:lvl5pPr marL="2286000" lvl="4" indent="-298450">
               <a:lnSpc>
                 <a:spcPct val="115000"/>
               </a:lnSpc>
@@ -7336,7 +7461,7 @@
                 <a:sym typeface="Lato"/>
               </a:defRPr>
             </a:lvl5pPr>
-            <a:lvl6pPr indent="-298450" lvl="5" marL="2743200">
+            <a:lvl6pPr marL="2743200" lvl="5" indent="-298450">
               <a:lnSpc>
                 <a:spcPct val="115000"/>
               </a:lnSpc>
@@ -7362,7 +7487,7 @@
                 <a:sym typeface="Lato"/>
               </a:defRPr>
             </a:lvl6pPr>
-            <a:lvl7pPr indent="-298450" lvl="6" marL="3200400">
+            <a:lvl7pPr marL="3200400" lvl="6" indent="-298450">
               <a:lnSpc>
                 <a:spcPct val="115000"/>
               </a:lnSpc>
@@ -7388,7 +7513,7 @@
                 <a:sym typeface="Lato"/>
               </a:defRPr>
             </a:lvl7pPr>
-            <a:lvl8pPr indent="-298450" lvl="7" marL="3657600">
+            <a:lvl8pPr marL="3657600" lvl="7" indent="-298450">
               <a:lnSpc>
                 <a:spcPct val="115000"/>
               </a:lnSpc>
@@ -7414,7 +7539,7 @@
                 <a:sym typeface="Lato"/>
               </a:defRPr>
             </a:lvl8pPr>
-            <a:lvl9pPr indent="-298450" lvl="8" marL="4114800">
+            <a:lvl9pPr marL="4114800" lvl="8" indent="-298450">
               <a:lnSpc>
                 <a:spcPct val="115000"/>
               </a:lnSpc>
@@ -7441,15 +7566,19 @@
               </a:defRPr>
             </a:lvl9pPr>
           </a:lstStyle>
-          <a:p/>
+          <a:p>
+            <a:endParaRPr/>
+          </a:p>
         </p:txBody>
       </p:sp>
       <p:sp>
         <p:nvSpPr>
           <p:cNvPr id="8" name="Google Shape;8;p1"/>
-          <p:cNvSpPr txBox="1"/>
+          <p:cNvSpPr txBox="1">
+            <a:spLocks noGrp="1"/>
+          </p:cNvSpPr>
           <p:nvPr>
-            <p:ph idx="12" type="sldNum"/>
+            <p:ph type="sldNum" idx="12"/>
           </p:nvPr>
         </p:nvSpPr>
         <p:spPr>
@@ -7466,7 +7595,7 @@
           </a:ln>
         </p:spPr>
         <p:txBody>
-          <a:bodyPr anchorCtr="0" anchor="ctr" bIns="91425" lIns="91425" spcFirstLastPara="1" rIns="91425" wrap="square" tIns="91425">
+          <a:bodyPr spcFirstLastPara="1" wrap="square" lIns="91425" tIns="91425" rIns="91425" bIns="91425" anchor="ctr" anchorCtr="0">
             <a:normAutofit/>
           </a:bodyPr>
           <a:lstStyle>
@@ -7580,7 +7709,7 @@
             </a:lvl9pPr>
           </a:lstStyle>
           <a:p>
-            <a:pPr indent="0" lvl="0" marL="0" rtl="0" algn="r">
+            <a:pPr marL="0" lvl="0" indent="0" algn="r" rtl="0">
               <a:spcBef>
                 <a:spcPts val="0"/>
               </a:spcBef>
@@ -7599,7 +7728,7 @@
       </p:sp>
     </p:spTree>
   </p:cSld>
-  <p:clrMap accent1="accent1" accent2="accent2" accent3="accent3" accent4="accent4" accent5="accent5" accent6="accent6" bg1="lt1" bg2="dk2" tx1="dk1" tx2="lt2" folHlink="folHlink" hlink="hlink"/>
+  <p:clrMap bg1="lt1" tx1="dk1" bg2="dk2" tx2="lt2" accent1="accent1" accent2="accent2" accent3="accent3" accent4="accent4" accent5="accent5" accent6="accent6" hlink="hlink" folHlink="folHlink"/>
   <p:sldLayoutIdLst>
     <p:sldLayoutId id="2147483648" r:id="rId1"/>
     <p:sldLayoutId id="2147483649" r:id="rId2"/>
@@ -7613,10 +7742,10 @@
     <p:sldLayoutId id="2147483657" r:id="rId10"/>
     <p:sldLayoutId id="2147483658" r:id="rId11"/>
   </p:sldLayoutIdLst>
-  <p:hf dt="0" ftr="0" hdr="0"/>
+  <p:hf hdr="0" ftr="0" dt="0"/>
   <p:txStyles>
     <p:titleStyle>
-      <a:defPPr lvl="0" marR="0" rtl="0" algn="l">
+      <a:defPPr marR="0" lvl="0" algn="l" rtl="0">
         <a:lnSpc>
           <a:spcPct val="100000"/>
         </a:lnSpc>
@@ -7627,7 +7756,7 @@
           <a:spcPts val="0"/>
         </a:spcAft>
       </a:defPPr>
-      <a:lvl1pPr lvl="0" marR="0" rtl="0" algn="l">
+      <a:lvl1pPr marR="0" lvl="0" algn="l" rtl="0">
         <a:lnSpc>
           <a:spcPct val="100000"/>
         </a:lnSpc>
@@ -7641,7 +7770,7 @@
           <a:srgbClr val="000000"/>
         </a:buClr>
         <a:buFont typeface="Arial"/>
-        <a:defRPr b="0" i="0" sz="1400" u="none" cap="none" strike="noStrike">
+        <a:defRPr sz="1400" b="0" i="0" u="none" strike="noStrike" cap="none">
           <a:solidFill>
             <a:srgbClr val="000000"/>
           </a:solidFill>
@@ -7651,7 +7780,7 @@
           <a:sym typeface="Arial"/>
         </a:defRPr>
       </a:lvl1pPr>
-      <a:lvl2pPr lvl="1" marR="0" rtl="0" algn="l">
+      <a:lvl2pPr marR="0" lvl="1" algn="l" rtl="0">
         <a:lnSpc>
           <a:spcPct val="100000"/>
         </a:lnSpc>
@@ -7665,7 +7794,7 @@
           <a:srgbClr val="000000"/>
         </a:buClr>
         <a:buFont typeface="Arial"/>
-        <a:defRPr b="0" i="0" sz="1400" u="none" cap="none" strike="noStrike">
+        <a:defRPr sz="1400" b="0" i="0" u="none" strike="noStrike" cap="none">
           <a:solidFill>
             <a:srgbClr val="000000"/>
           </a:solidFill>
@@ -7675,7 +7804,7 @@
           <a:sym typeface="Arial"/>
         </a:defRPr>
       </a:lvl2pPr>
-      <a:lvl3pPr lvl="2" marR="0" rtl="0" algn="l">
+      <a:lvl3pPr marR="0" lvl="2" algn="l" rtl="0">
         <a:lnSpc>
           <a:spcPct val="100000"/>
         </a:lnSpc>
@@ -7689,7 +7818,7 @@
           <a:srgbClr val="000000"/>
         </a:buClr>
         <a:buFont typeface="Arial"/>
-        <a:defRPr b="0" i="0" sz="1400" u="none" cap="none" strike="noStrike">
+        <a:defRPr sz="1400" b="0" i="0" u="none" strike="noStrike" cap="none">
           <a:solidFill>
             <a:srgbClr val="000000"/>
           </a:solidFill>
@@ -7699,7 +7828,7 @@
           <a:sym typeface="Arial"/>
         </a:defRPr>
       </a:lvl3pPr>
-      <a:lvl4pPr lvl="3" marR="0" rtl="0" algn="l">
+      <a:lvl4pPr marR="0" lvl="3" algn="l" rtl="0">
         <a:lnSpc>
           <a:spcPct val="100000"/>
         </a:lnSpc>
@@ -7713,7 +7842,7 @@
           <a:srgbClr val="000000"/>
         </a:buClr>
         <a:buFont typeface="Arial"/>
-        <a:defRPr b="0" i="0" sz="1400" u="none" cap="none" strike="noStrike">
+        <a:defRPr sz="1400" b="0" i="0" u="none" strike="noStrike" cap="none">
           <a:solidFill>
             <a:srgbClr val="000000"/>
           </a:solidFill>
@@ -7723,7 +7852,7 @@
           <a:sym typeface="Arial"/>
         </a:defRPr>
       </a:lvl4pPr>
-      <a:lvl5pPr lvl="4" marR="0" rtl="0" algn="l">
+      <a:lvl5pPr marR="0" lvl="4" algn="l" rtl="0">
         <a:lnSpc>
           <a:spcPct val="100000"/>
         </a:lnSpc>
@@ -7737,7 +7866,7 @@
           <a:srgbClr val="000000"/>
         </a:buClr>
         <a:buFont typeface="Arial"/>
-        <a:defRPr b="0" i="0" sz="1400" u="none" cap="none" strike="noStrike">
+        <a:defRPr sz="1400" b="0" i="0" u="none" strike="noStrike" cap="none">
           <a:solidFill>
             <a:srgbClr val="000000"/>
           </a:solidFill>
@@ -7747,7 +7876,7 @@
           <a:sym typeface="Arial"/>
         </a:defRPr>
       </a:lvl5pPr>
-      <a:lvl6pPr lvl="5" marR="0" rtl="0" algn="l">
+      <a:lvl6pPr marR="0" lvl="5" algn="l" rtl="0">
         <a:lnSpc>
           <a:spcPct val="100000"/>
         </a:lnSpc>
@@ -7761,7 +7890,7 @@
           <a:srgbClr val="000000"/>
         </a:buClr>
         <a:buFont typeface="Arial"/>
-        <a:defRPr b="0" i="0" sz="1400" u="none" cap="none" strike="noStrike">
+        <a:defRPr sz="1400" b="0" i="0" u="none" strike="noStrike" cap="none">
           <a:solidFill>
             <a:srgbClr val="000000"/>
           </a:solidFill>
@@ -7771,7 +7900,7 @@
           <a:sym typeface="Arial"/>
         </a:defRPr>
       </a:lvl6pPr>
-      <a:lvl7pPr lvl="6" marR="0" rtl="0" algn="l">
+      <a:lvl7pPr marR="0" lvl="6" algn="l" rtl="0">
         <a:lnSpc>
           <a:spcPct val="100000"/>
         </a:lnSpc>
@@ -7785,7 +7914,7 @@
           <a:srgbClr val="000000"/>
         </a:buClr>
         <a:buFont typeface="Arial"/>
-        <a:defRPr b="0" i="0" sz="1400" u="none" cap="none" strike="noStrike">
+        <a:defRPr sz="1400" b="0" i="0" u="none" strike="noStrike" cap="none">
           <a:solidFill>
             <a:srgbClr val="000000"/>
           </a:solidFill>
@@ -7795,7 +7924,7 @@
           <a:sym typeface="Arial"/>
         </a:defRPr>
       </a:lvl7pPr>
-      <a:lvl8pPr lvl="7" marR="0" rtl="0" algn="l">
+      <a:lvl8pPr marR="0" lvl="7" algn="l" rtl="0">
         <a:lnSpc>
           <a:spcPct val="100000"/>
         </a:lnSpc>
@@ -7809,7 +7938,7 @@
           <a:srgbClr val="000000"/>
         </a:buClr>
         <a:buFont typeface="Arial"/>
-        <a:defRPr b="0" i="0" sz="1400" u="none" cap="none" strike="noStrike">
+        <a:defRPr sz="1400" b="0" i="0" u="none" strike="noStrike" cap="none">
           <a:solidFill>
             <a:srgbClr val="000000"/>
           </a:solidFill>
@@ -7819,7 +7948,7 @@
           <a:sym typeface="Arial"/>
         </a:defRPr>
       </a:lvl8pPr>
-      <a:lvl9pPr lvl="8" marR="0" rtl="0" algn="l">
+      <a:lvl9pPr marR="0" lvl="8" algn="l" rtl="0">
         <a:lnSpc>
           <a:spcPct val="100000"/>
         </a:lnSpc>
@@ -7833,7 +7962,7 @@
           <a:srgbClr val="000000"/>
         </a:buClr>
         <a:buFont typeface="Arial"/>
-        <a:defRPr b="0" i="0" sz="1400" u="none" cap="none" strike="noStrike">
+        <a:defRPr sz="1400" b="0" i="0" u="none" strike="noStrike" cap="none">
           <a:solidFill>
             <a:srgbClr val="000000"/>
           </a:solidFill>
@@ -7845,7 +7974,7 @@
       </a:lvl9pPr>
     </p:titleStyle>
     <p:bodyStyle>
-      <a:defPPr lvl="0" marR="0" rtl="0" algn="l">
+      <a:defPPr marR="0" lvl="0" algn="l" rtl="0">
         <a:lnSpc>
           <a:spcPct val="100000"/>
         </a:lnSpc>
@@ -7856,7 +7985,7 @@
           <a:spcPts val="0"/>
         </a:spcAft>
       </a:defPPr>
-      <a:lvl1pPr lvl="0" marR="0" rtl="0" algn="l">
+      <a:lvl1pPr marR="0" lvl="0" algn="l" rtl="0">
         <a:lnSpc>
           <a:spcPct val="100000"/>
         </a:lnSpc>
@@ -7870,7 +7999,7 @@
           <a:srgbClr val="000000"/>
         </a:buClr>
         <a:buFont typeface="Arial"/>
-        <a:defRPr b="0" i="0" sz="1400" u="none" cap="none" strike="noStrike">
+        <a:defRPr sz="1400" b="0" i="0" u="none" strike="noStrike" cap="none">
           <a:solidFill>
             <a:srgbClr val="000000"/>
           </a:solidFill>
@@ -7880,7 +8009,7 @@
           <a:sym typeface="Arial"/>
         </a:defRPr>
       </a:lvl1pPr>
-      <a:lvl2pPr lvl="1" marR="0" rtl="0" algn="l">
+      <a:lvl2pPr marR="0" lvl="1" algn="l" rtl="0">
         <a:lnSpc>
           <a:spcPct val="100000"/>
         </a:lnSpc>
@@ -7894,7 +8023,7 @@
           <a:srgbClr val="000000"/>
         </a:buClr>
         <a:buFont typeface="Arial"/>
-        <a:defRPr b="0" i="0" sz="1400" u="none" cap="none" strike="noStrike">
+        <a:defRPr sz="1400" b="0" i="0" u="none" strike="noStrike" cap="none">
           <a:solidFill>
             <a:srgbClr val="000000"/>
           </a:solidFill>
@@ -7904,7 +8033,7 @@
           <a:sym typeface="Arial"/>
         </a:defRPr>
       </a:lvl2pPr>
-      <a:lvl3pPr lvl="2" marR="0" rtl="0" algn="l">
+      <a:lvl3pPr marR="0" lvl="2" algn="l" rtl="0">
         <a:lnSpc>
           <a:spcPct val="100000"/>
         </a:lnSpc>
@@ -7918,7 +8047,7 @@
           <a:srgbClr val="000000"/>
         </a:buClr>
         <a:buFont typeface="Arial"/>
-        <a:defRPr b="0" i="0" sz="1400" u="none" cap="none" strike="noStrike">
+        <a:defRPr sz="1400" b="0" i="0" u="none" strike="noStrike" cap="none">
           <a:solidFill>
             <a:srgbClr val="000000"/>
           </a:solidFill>
@@ -7928,7 +8057,7 @@
           <a:sym typeface="Arial"/>
         </a:defRPr>
       </a:lvl3pPr>
-      <a:lvl4pPr lvl="3" marR="0" rtl="0" algn="l">
+      <a:lvl4pPr marR="0" lvl="3" algn="l" rtl="0">
         <a:lnSpc>
           <a:spcPct val="100000"/>
         </a:lnSpc>
@@ -7942,7 +8071,7 @@
           <a:srgbClr val="000000"/>
         </a:buClr>
         <a:buFont typeface="Arial"/>
-        <a:defRPr b="0" i="0" sz="1400" u="none" cap="none" strike="noStrike">
+        <a:defRPr sz="1400" b="0" i="0" u="none" strike="noStrike" cap="none">
           <a:solidFill>
             <a:srgbClr val="000000"/>
           </a:solidFill>
@@ -7952,7 +8081,7 @@
           <a:sym typeface="Arial"/>
         </a:defRPr>
       </a:lvl4pPr>
-      <a:lvl5pPr lvl="4" marR="0" rtl="0" algn="l">
+      <a:lvl5pPr marR="0" lvl="4" algn="l" rtl="0">
         <a:lnSpc>
           <a:spcPct val="100000"/>
         </a:lnSpc>
@@ -7966,7 +8095,7 @@
           <a:srgbClr val="000000"/>
         </a:buClr>
         <a:buFont typeface="Arial"/>
-        <a:defRPr b="0" i="0" sz="1400" u="none" cap="none" strike="noStrike">
+        <a:defRPr sz="1400" b="0" i="0" u="none" strike="noStrike" cap="none">
           <a:solidFill>
             <a:srgbClr val="000000"/>
           </a:solidFill>
@@ -7976,7 +8105,7 @@
           <a:sym typeface="Arial"/>
         </a:defRPr>
       </a:lvl5pPr>
-      <a:lvl6pPr lvl="5" marR="0" rtl="0" algn="l">
+      <a:lvl6pPr marR="0" lvl="5" algn="l" rtl="0">
         <a:lnSpc>
           <a:spcPct val="100000"/>
         </a:lnSpc>
@@ -7990,7 +8119,7 @@
           <a:srgbClr val="000000"/>
         </a:buClr>
         <a:buFont typeface="Arial"/>
-        <a:defRPr b="0" i="0" sz="1400" u="none" cap="none" strike="noStrike">
+        <a:defRPr sz="1400" b="0" i="0" u="none" strike="noStrike" cap="none">
           <a:solidFill>
             <a:srgbClr val="000000"/>
           </a:solidFill>
@@ -8000,7 +8129,7 @@
           <a:sym typeface="Arial"/>
         </a:defRPr>
       </a:lvl6pPr>
-      <a:lvl7pPr lvl="6" marR="0" rtl="0" algn="l">
+      <a:lvl7pPr marR="0" lvl="6" algn="l" rtl="0">
         <a:lnSpc>
           <a:spcPct val="100000"/>
         </a:lnSpc>
@@ -8014,7 +8143,7 @@
           <a:srgbClr val="000000"/>
         </a:buClr>
         <a:buFont typeface="Arial"/>
-        <a:defRPr b="0" i="0" sz="1400" u="none" cap="none" strike="noStrike">
+        <a:defRPr sz="1400" b="0" i="0" u="none" strike="noStrike" cap="none">
           <a:solidFill>
             <a:srgbClr val="000000"/>
           </a:solidFill>
@@ -8024,7 +8153,7 @@
           <a:sym typeface="Arial"/>
         </a:defRPr>
       </a:lvl7pPr>
-      <a:lvl8pPr lvl="7" marR="0" rtl="0" algn="l">
+      <a:lvl8pPr marR="0" lvl="7" algn="l" rtl="0">
         <a:lnSpc>
           <a:spcPct val="100000"/>
         </a:lnSpc>
@@ -8038,7 +8167,7 @@
           <a:srgbClr val="000000"/>
         </a:buClr>
         <a:buFont typeface="Arial"/>
-        <a:defRPr b="0" i="0" sz="1400" u="none" cap="none" strike="noStrike">
+        <a:defRPr sz="1400" b="0" i="0" u="none" strike="noStrike" cap="none">
           <a:solidFill>
             <a:srgbClr val="000000"/>
           </a:solidFill>
@@ -8048,7 +8177,7 @@
           <a:sym typeface="Arial"/>
         </a:defRPr>
       </a:lvl8pPr>
-      <a:lvl9pPr lvl="8" marR="0" rtl="0" algn="l">
+      <a:lvl9pPr marR="0" lvl="8" algn="l" rtl="0">
         <a:lnSpc>
           <a:spcPct val="100000"/>
         </a:lnSpc>
@@ -8062,7 +8191,7 @@
           <a:srgbClr val="000000"/>
         </a:buClr>
         <a:buFont typeface="Arial"/>
-        <a:defRPr b="0" i="0" sz="1400" u="none" cap="none" strike="noStrike">
+        <a:defRPr sz="1400" b="0" i="0" u="none" strike="noStrike" cap="none">
           <a:solidFill>
             <a:srgbClr val="000000"/>
           </a:solidFill>
@@ -8074,7 +8203,7 @@
       </a:lvl9pPr>
     </p:bodyStyle>
     <p:otherStyle>
-      <a:defPPr lvl="0" marR="0" rtl="0" algn="l">
+      <a:defPPr marR="0" lvl="0" algn="l" rtl="0">
         <a:lnSpc>
           <a:spcPct val="100000"/>
         </a:lnSpc>
@@ -8085,7 +8214,7 @@
           <a:spcPts val="0"/>
         </a:spcAft>
       </a:defPPr>
-      <a:lvl1pPr lvl="0" marR="0" rtl="0" algn="l">
+      <a:lvl1pPr marR="0" lvl="0" algn="l" rtl="0">
         <a:lnSpc>
           <a:spcPct val="100000"/>
         </a:lnSpc>
@@ -8099,7 +8228,7 @@
           <a:srgbClr val="000000"/>
         </a:buClr>
         <a:buFont typeface="Arial"/>
-        <a:defRPr b="0" i="0" sz="1400" u="none" cap="none" strike="noStrike">
+        <a:defRPr sz="1400" b="0" i="0" u="none" strike="noStrike" cap="none">
           <a:solidFill>
             <a:srgbClr val="000000"/>
           </a:solidFill>
@@ -8109,7 +8238,7 @@
           <a:sym typeface="Arial"/>
         </a:defRPr>
       </a:lvl1pPr>
-      <a:lvl2pPr lvl="1" marR="0" rtl="0" algn="l">
+      <a:lvl2pPr marR="0" lvl="1" algn="l" rtl="0">
         <a:lnSpc>
           <a:spcPct val="100000"/>
         </a:lnSpc>
@@ -8123,7 +8252,7 @@
           <a:srgbClr val="000000"/>
         </a:buClr>
         <a:buFont typeface="Arial"/>
-        <a:defRPr b="0" i="0" sz="1400" u="none" cap="none" strike="noStrike">
+        <a:defRPr sz="1400" b="0" i="0" u="none" strike="noStrike" cap="none">
           <a:solidFill>
             <a:srgbClr val="000000"/>
           </a:solidFill>
@@ -8133,7 +8262,7 @@
           <a:sym typeface="Arial"/>
         </a:defRPr>
       </a:lvl2pPr>
-      <a:lvl3pPr lvl="2" marR="0" rtl="0" algn="l">
+      <a:lvl3pPr marR="0" lvl="2" algn="l" rtl="0">
         <a:lnSpc>
           <a:spcPct val="100000"/>
         </a:lnSpc>
@@ -8147,7 +8276,7 @@
           <a:srgbClr val="000000"/>
         </a:buClr>
         <a:buFont typeface="Arial"/>
-        <a:defRPr b="0" i="0" sz="1400" u="none" cap="none" strike="noStrike">
+        <a:defRPr sz="1400" b="0" i="0" u="none" strike="noStrike" cap="none">
           <a:solidFill>
             <a:srgbClr val="000000"/>
           </a:solidFill>
@@ -8157,7 +8286,7 @@
           <a:sym typeface="Arial"/>
         </a:defRPr>
       </a:lvl3pPr>
-      <a:lvl4pPr lvl="3" marR="0" rtl="0" algn="l">
+      <a:lvl4pPr marR="0" lvl="3" algn="l" rtl="0">
         <a:lnSpc>
           <a:spcPct val="100000"/>
         </a:lnSpc>
@@ -8171,7 +8300,7 @@
           <a:srgbClr val="000000"/>
         </a:buClr>
         <a:buFont typeface="Arial"/>
-        <a:defRPr b="0" i="0" sz="1400" u="none" cap="none" strike="noStrike">
+        <a:defRPr sz="1400" b="0" i="0" u="none" strike="noStrike" cap="none">
           <a:solidFill>
             <a:srgbClr val="000000"/>
           </a:solidFill>
@@ -8181,7 +8310,7 @@
           <a:sym typeface="Arial"/>
         </a:defRPr>
       </a:lvl4pPr>
-      <a:lvl5pPr lvl="4" marR="0" rtl="0" algn="l">
+      <a:lvl5pPr marR="0" lvl="4" algn="l" rtl="0">
         <a:lnSpc>
           <a:spcPct val="100000"/>
         </a:lnSpc>
@@ -8195,7 +8324,7 @@
           <a:srgbClr val="000000"/>
         </a:buClr>
         <a:buFont typeface="Arial"/>
-        <a:defRPr b="0" i="0" sz="1400" u="none" cap="none" strike="noStrike">
+        <a:defRPr sz="1400" b="0" i="0" u="none" strike="noStrike" cap="none">
           <a:solidFill>
             <a:srgbClr val="000000"/>
           </a:solidFill>
@@ -8205,7 +8334,7 @@
           <a:sym typeface="Arial"/>
         </a:defRPr>
       </a:lvl5pPr>
-      <a:lvl6pPr lvl="5" marR="0" rtl="0" algn="l">
+      <a:lvl6pPr marR="0" lvl="5" algn="l" rtl="0">
         <a:lnSpc>
           <a:spcPct val="100000"/>
         </a:lnSpc>
@@ -8219,7 +8348,7 @@
           <a:srgbClr val="000000"/>
         </a:buClr>
         <a:buFont typeface="Arial"/>
-        <a:defRPr b="0" i="0" sz="1400" u="none" cap="none" strike="noStrike">
+        <a:defRPr sz="1400" b="0" i="0" u="none" strike="noStrike" cap="none">
           <a:solidFill>
             <a:srgbClr val="000000"/>
           </a:solidFill>
@@ -8229,7 +8358,7 @@
           <a:sym typeface="Arial"/>
         </a:defRPr>
       </a:lvl6pPr>
-      <a:lvl7pPr lvl="6" marR="0" rtl="0" algn="l">
+      <a:lvl7pPr marR="0" lvl="6" algn="l" rtl="0">
         <a:lnSpc>
           <a:spcPct val="100000"/>
         </a:lnSpc>
@@ -8243,7 +8372,7 @@
           <a:srgbClr val="000000"/>
         </a:buClr>
         <a:buFont typeface="Arial"/>
-        <a:defRPr b="0" i="0" sz="1400" u="none" cap="none" strike="noStrike">
+        <a:defRPr sz="1400" b="0" i="0" u="none" strike="noStrike" cap="none">
           <a:solidFill>
             <a:srgbClr val="000000"/>
           </a:solidFill>
@@ -8253,7 +8382,7 @@
           <a:sym typeface="Arial"/>
         </a:defRPr>
       </a:lvl7pPr>
-      <a:lvl8pPr lvl="7" marR="0" rtl="0" algn="l">
+      <a:lvl8pPr marR="0" lvl="7" algn="l" rtl="0">
         <a:lnSpc>
           <a:spcPct val="100000"/>
         </a:lnSpc>
@@ -8267,7 +8396,7 @@
           <a:srgbClr val="000000"/>
         </a:buClr>
         <a:buFont typeface="Arial"/>
-        <a:defRPr b="0" i="0" sz="1400" u="none" cap="none" strike="noStrike">
+        <a:defRPr sz="1400" b="0" i="0" u="none" strike="noStrike" cap="none">
           <a:solidFill>
             <a:srgbClr val="000000"/>
           </a:solidFill>
@@ -8277,7 +8406,7 @@
           <a:sym typeface="Arial"/>
         </a:defRPr>
       </a:lvl8pPr>
-      <a:lvl9pPr lvl="8" marR="0" rtl="0" algn="l">
+      <a:lvl9pPr marR="0" lvl="8" algn="l" rtl="0">
         <a:lnSpc>
           <a:spcPct val="100000"/>
         </a:lnSpc>
@@ -8291,7 +8420,7 @@
           <a:srgbClr val="000000"/>
         </a:buClr>
         <a:buFont typeface="Arial"/>
-        <a:defRPr b="0" i="0" sz="1400" u="none" cap="none" strike="noStrike">
+        <a:defRPr sz="1400" b="0" i="0" u="none" strike="noStrike" cap="none">
           <a:solidFill>
             <a:srgbClr val="000000"/>
           </a:solidFill>
@@ -8307,11 +8436,11 @@
 </file>
 
 <file path=ppt/slides/slide1.xml><?xml version="1.0" encoding="utf-8"?>
-<p:sld xmlns:a="http://schemas.openxmlformats.org/drawingml/2006/main" xmlns:r="http://schemas.openxmlformats.org/officeDocument/2006/relationships" xmlns:mc="http://schemas.openxmlformats.org/markup-compatibility/2006" xmlns:mv="urn:schemas-microsoft-com:mac:vml" xmlns:p="http://schemas.openxmlformats.org/presentationml/2006/main" xmlns:c="http://schemas.openxmlformats.org/drawingml/2006/chart" xmlns:dgm="http://schemas.openxmlformats.org/drawingml/2006/diagram" xmlns:o="urn:schemas-microsoft-com:office:office" xmlns:v="urn:schemas-microsoft-com:vml" xmlns:pvml="urn:schemas-microsoft-com:office:powerpoint" xmlns:com="http://schemas.openxmlformats.org/drawingml/2006/compatibility" xmlns:p14="http://schemas.microsoft.com/office/powerpoint/2010/main" xmlns:p15="http://schemas.microsoft.com/office/powerpoint/2012/main" xmlns:ahyp="http://schemas.microsoft.com/office/drawing/2018/hyperlinkcolor">
+<p:sld xmlns:a="http://schemas.openxmlformats.org/drawingml/2006/main" xmlns:r="http://schemas.openxmlformats.org/officeDocument/2006/relationships" xmlns:p="http://schemas.openxmlformats.org/presentationml/2006/main">
   <p:cSld>
     <p:spTree>
       <p:nvGrpSpPr>
-        <p:cNvPr id="85" name="Shape 85"/>
+        <p:cNvPr id="1" name="Shape 85"/>
         <p:cNvGrpSpPr/>
         <p:nvPr/>
       </p:nvGrpSpPr>
@@ -8326,7 +8455,9 @@
       <p:sp>
         <p:nvSpPr>
           <p:cNvPr id="86" name="Google Shape;86;p13"/>
-          <p:cNvSpPr txBox="1"/>
+          <p:cNvSpPr txBox="1">
+            <a:spLocks noGrp="1"/>
+          </p:cNvSpPr>
           <p:nvPr>
             <p:ph type="ctrTitle"/>
           </p:nvPr>
@@ -8341,12 +8472,12 @@
           </a:prstGeom>
         </p:spPr>
         <p:txBody>
-          <a:bodyPr anchorCtr="0" anchor="t" bIns="91425" lIns="91425" spcFirstLastPara="1" rIns="91425" wrap="square" tIns="91425">
+          <a:bodyPr spcFirstLastPara="1" wrap="square" lIns="91425" tIns="91425" rIns="91425" bIns="91425" anchor="t" anchorCtr="0">
             <a:normAutofit fontScale="90000"/>
           </a:bodyPr>
           <a:lstStyle/>
           <a:p>
-            <a:pPr indent="0" lvl="0" marL="0" rtl="0" algn="l">
+            <a:pPr marL="0" lvl="0" indent="0" algn="l" rtl="0">
               <a:spcBef>
                 <a:spcPts val="0"/>
               </a:spcBef>
@@ -8365,11 +8496,7 @@
             </a:r>
             <a:r>
               <a:rPr lang="en"/>
-              <a:t> number of discounted products</a:t>
-            </a:r>
-            <a:r>
-              <a:rPr lang="en"/>
-              <a:t>,  </a:t>
+              <a:t> number of discounted products,  </a:t>
             </a:r>
             <a:r>
               <a:rPr lang="en">
@@ -8377,30 +8504,24 @@
                   <a:schemeClr val="accent3"/>
                 </a:solidFill>
               </a:rPr>
-              <a:t>k</a:t>
-            </a:r>
-            <a:r>
-              <a:rPr lang="en">
-                <a:solidFill>
-                  <a:schemeClr val="accent3"/>
-                </a:solidFill>
-              </a:rPr>
-              <a:t>eep</a:t>
+              <a:t>keep</a:t>
             </a:r>
             <a:r>
               <a:rPr lang="en"/>
               <a:t> discount levels</a:t>
             </a:r>
-            <a:endParaRPr/>
+            <a:endParaRPr dirty="0"/>
           </a:p>
         </p:txBody>
       </p:sp>
       <p:sp>
         <p:nvSpPr>
           <p:cNvPr id="87" name="Google Shape;87;p13"/>
-          <p:cNvSpPr txBox="1"/>
+          <p:cNvSpPr txBox="1">
+            <a:spLocks noGrp="1"/>
+          </p:cNvSpPr>
           <p:nvPr>
-            <p:ph idx="1" type="subTitle"/>
+            <p:ph type="subTitle" idx="1"/>
           </p:nvPr>
         </p:nvSpPr>
         <p:spPr>
@@ -8413,12 +8534,12 @@
           </a:prstGeom>
         </p:spPr>
         <p:txBody>
-          <a:bodyPr anchorCtr="0" anchor="t" bIns="91425" lIns="91425" spcFirstLastPara="1" rIns="91425" wrap="square" tIns="91425">
+          <a:bodyPr spcFirstLastPara="1" wrap="square" lIns="91425" tIns="91425" rIns="91425" bIns="91425" anchor="t" anchorCtr="0">
             <a:normAutofit/>
           </a:bodyPr>
           <a:lstStyle/>
           <a:p>
-            <a:pPr indent="0" lvl="0" marL="0" rtl="0" algn="l">
+            <a:pPr marL="0" lvl="0" indent="0" algn="l" rtl="0">
               <a:spcBef>
                 <a:spcPts val="0"/>
               </a:spcBef>
@@ -8427,27 +8548,7 @@
               </a:spcAft>
               <a:buNone/>
             </a:pPr>
-            <a:r>
-              <a:rPr b="1" lang="en"/>
-              <a:t>Group 3</a:t>
-            </a:r>
-            <a:r>
-              <a:rPr lang="en"/>
-              <a:t>: </a:t>
-            </a:r>
-            <a:r>
-              <a:rPr lang="en"/>
-              <a:t>Joachim, </a:t>
-            </a:r>
-            <a:r>
-              <a:rPr lang="en"/>
-              <a:t>Ngoc, Yusuf, </a:t>
-            </a:r>
-            <a:r>
-              <a:rPr lang="en"/>
-              <a:t>Florian</a:t>
-            </a:r>
-            <a:endParaRPr/>
+            <a:endParaRPr dirty="0"/>
           </a:p>
         </p:txBody>
       </p:sp>
@@ -8460,11 +8561,11 @@
 </file>
 
 <file path=ppt/slides/slide10.xml><?xml version="1.0" encoding="utf-8"?>
-<p:sld xmlns:a="http://schemas.openxmlformats.org/drawingml/2006/main" xmlns:r="http://schemas.openxmlformats.org/officeDocument/2006/relationships" xmlns:mc="http://schemas.openxmlformats.org/markup-compatibility/2006" xmlns:mv="urn:schemas-microsoft-com:mac:vml" xmlns:p="http://schemas.openxmlformats.org/presentationml/2006/main" xmlns:c="http://schemas.openxmlformats.org/drawingml/2006/chart" xmlns:dgm="http://schemas.openxmlformats.org/drawingml/2006/diagram" xmlns:o="urn:schemas-microsoft-com:office:office" xmlns:v="urn:schemas-microsoft-com:vml" xmlns:pvml="urn:schemas-microsoft-com:office:powerpoint" xmlns:com="http://schemas.openxmlformats.org/drawingml/2006/compatibility" xmlns:p14="http://schemas.microsoft.com/office/powerpoint/2010/main" xmlns:p15="http://schemas.microsoft.com/office/powerpoint/2012/main" xmlns:ahyp="http://schemas.microsoft.com/office/drawing/2018/hyperlinkcolor">
+<p:sld xmlns:a="http://schemas.openxmlformats.org/drawingml/2006/main" xmlns:r="http://schemas.openxmlformats.org/officeDocument/2006/relationships" xmlns:p="http://schemas.openxmlformats.org/presentationml/2006/main">
   <p:cSld>
     <p:spTree>
       <p:nvGrpSpPr>
-        <p:cNvPr id="152" name="Shape 152"/>
+        <p:cNvPr id="1" name="Shape 152"/>
         <p:cNvGrpSpPr/>
         <p:nvPr/>
       </p:nvGrpSpPr>
@@ -8479,7 +8580,9 @@
       <p:sp>
         <p:nvSpPr>
           <p:cNvPr id="153" name="Google Shape;153;p22"/>
-          <p:cNvSpPr txBox="1"/>
+          <p:cNvSpPr txBox="1">
+            <a:spLocks noGrp="1"/>
+          </p:cNvSpPr>
           <p:nvPr>
             <p:ph type="title"/>
           </p:nvPr>
@@ -8497,12 +8600,12 @@
           </a:solidFill>
         </p:spPr>
         <p:txBody>
-          <a:bodyPr anchorCtr="0" anchor="t" bIns="91425" lIns="91425" spcFirstLastPara="1" rIns="91425" wrap="square" tIns="91425">
+          <a:bodyPr spcFirstLastPara="1" wrap="square" lIns="91425" tIns="91425" rIns="91425" bIns="91425" anchor="t" anchorCtr="0">
             <a:normAutofit fontScale="90000"/>
           </a:bodyPr>
           <a:lstStyle/>
           <a:p>
-            <a:pPr indent="0" lvl="0" marL="0" rtl="0" algn="l">
+            <a:pPr marL="0" lvl="0" indent="0" algn="l" rtl="0">
               <a:spcBef>
                 <a:spcPts val="0"/>
               </a:spcBef>
@@ -8513,11 +8616,7 @@
             </a:pPr>
             <a:r>
               <a:rPr lang="en"/>
-              <a:t>M</a:t>
-            </a:r>
-            <a:r>
-              <a:rPr lang="en"/>
-              <a:t>onthly discount in %</a:t>
+              <a:t>Monthly discount in %</a:t>
             </a:r>
             <a:endParaRPr/>
           </a:p>
@@ -8526,9 +8625,11 @@
       <p:sp>
         <p:nvSpPr>
           <p:cNvPr id="154" name="Google Shape;154;p22"/>
-          <p:cNvSpPr txBox="1"/>
+          <p:cNvSpPr txBox="1">
+            <a:spLocks noGrp="1"/>
+          </p:cNvSpPr>
           <p:nvPr>
-            <p:ph idx="1" type="body"/>
+            <p:ph type="body" idx="1"/>
           </p:nvPr>
         </p:nvSpPr>
         <p:spPr>
@@ -8541,12 +8642,12 @@
           </a:prstGeom>
         </p:spPr>
         <p:txBody>
-          <a:bodyPr anchorCtr="0" anchor="t" bIns="91425" lIns="91425" spcFirstLastPara="1" rIns="91425" wrap="square" tIns="91425">
+          <a:bodyPr spcFirstLastPara="1" wrap="square" lIns="91425" tIns="91425" rIns="91425" bIns="91425" anchor="t" anchorCtr="0">
             <a:normAutofit/>
           </a:bodyPr>
           <a:lstStyle/>
           <a:p>
-            <a:pPr indent="0" lvl="0" marL="0" rtl="0" algn="l">
+            <a:pPr marL="0" lvl="0" indent="0" algn="l" rtl="0">
               <a:spcBef>
                 <a:spcPts val="0"/>
               </a:spcBef>
@@ -8555,9 +8656,6 @@
               </a:spcAft>
               <a:buNone/>
             </a:pPr>
-            <a:r>
-              <a:t/>
-            </a:r>
             <a:endParaRPr/>
           </a:p>
         </p:txBody>
@@ -8565,9 +8663,11 @@
       <p:sp>
         <p:nvSpPr>
           <p:cNvPr id="155" name="Google Shape;155;p22"/>
-          <p:cNvSpPr txBox="1"/>
+          <p:cNvSpPr txBox="1">
+            <a:spLocks noGrp="1"/>
+          </p:cNvSpPr>
           <p:nvPr>
-            <p:ph idx="12" type="sldNum"/>
+            <p:ph type="sldNum" idx="12"/>
           </p:nvPr>
         </p:nvSpPr>
         <p:spPr>
@@ -8580,12 +8680,12 @@
           </a:prstGeom>
         </p:spPr>
         <p:txBody>
-          <a:bodyPr anchorCtr="0" anchor="ctr" bIns="91425" lIns="91425" spcFirstLastPara="1" rIns="91425" wrap="square" tIns="91425">
+          <a:bodyPr spcFirstLastPara="1" wrap="square" lIns="91425" tIns="91425" rIns="91425" bIns="91425" anchor="ctr" anchorCtr="0">
             <a:normAutofit/>
           </a:bodyPr>
           <a:lstStyle/>
           <a:p>
-            <a:pPr indent="0" lvl="0" marL="0" rtl="0" algn="r">
+            <a:pPr marL="0" lvl="0" indent="0" algn="r" rtl="0">
               <a:spcBef>
                 <a:spcPts val="0"/>
               </a:spcBef>
@@ -8596,7 +8696,7 @@
             </a:pPr>
             <a:fld id="{00000000-1234-1234-1234-123412341234}" type="slidenum">
               <a:rPr lang="en"/>
-              <a:t>‹#›</a:t>
+              <a:t>10</a:t>
             </a:fld>
             <a:endParaRPr/>
           </a:p>
@@ -8612,7 +8712,7 @@
           <a:blip r:embed="rId3">
             <a:alphaModFix/>
           </a:blip>
-          <a:srcRect b="0" l="0" r="0" t="2987"/>
+          <a:srcRect t="2987"/>
           <a:stretch/>
         </p:blipFill>
         <p:spPr>
@@ -8638,11 +8738,11 @@
 </file>
 
 <file path=ppt/slides/slide11.xml><?xml version="1.0" encoding="utf-8"?>
-<p:sld xmlns:a="http://schemas.openxmlformats.org/drawingml/2006/main" xmlns:r="http://schemas.openxmlformats.org/officeDocument/2006/relationships" xmlns:mc="http://schemas.openxmlformats.org/markup-compatibility/2006" xmlns:mv="urn:schemas-microsoft-com:mac:vml" xmlns:p="http://schemas.openxmlformats.org/presentationml/2006/main" xmlns:c="http://schemas.openxmlformats.org/drawingml/2006/chart" xmlns:dgm="http://schemas.openxmlformats.org/drawingml/2006/diagram" xmlns:o="urn:schemas-microsoft-com:office:office" xmlns:v="urn:schemas-microsoft-com:vml" xmlns:pvml="urn:schemas-microsoft-com:office:powerpoint" xmlns:com="http://schemas.openxmlformats.org/drawingml/2006/compatibility" xmlns:p14="http://schemas.microsoft.com/office/powerpoint/2010/main" xmlns:p15="http://schemas.microsoft.com/office/powerpoint/2012/main" xmlns:ahyp="http://schemas.microsoft.com/office/drawing/2018/hyperlinkcolor">
+<p:sld xmlns:a="http://schemas.openxmlformats.org/drawingml/2006/main" xmlns:r="http://schemas.openxmlformats.org/officeDocument/2006/relationships" xmlns:p="http://schemas.openxmlformats.org/presentationml/2006/main">
   <p:cSld>
     <p:spTree>
       <p:nvGrpSpPr>
-        <p:cNvPr id="160" name="Shape 160"/>
+        <p:cNvPr id="1" name="Shape 160"/>
         <p:cNvGrpSpPr/>
         <p:nvPr/>
       </p:nvGrpSpPr>
@@ -8657,7 +8757,9 @@
       <p:sp>
         <p:nvSpPr>
           <p:cNvPr id="161" name="Google Shape;161;p23"/>
-          <p:cNvSpPr txBox="1"/>
+          <p:cNvSpPr txBox="1">
+            <a:spLocks noGrp="1"/>
+          </p:cNvSpPr>
           <p:nvPr>
             <p:ph type="title"/>
           </p:nvPr>
@@ -8672,12 +8774,12 @@
           </a:prstGeom>
         </p:spPr>
         <p:txBody>
-          <a:bodyPr anchorCtr="0" anchor="t" bIns="91425" lIns="91425" spcFirstLastPara="1" rIns="91425" wrap="square" tIns="91425">
+          <a:bodyPr spcFirstLastPara="1" wrap="square" lIns="91425" tIns="91425" rIns="91425" bIns="91425" anchor="t" anchorCtr="0">
             <a:normAutofit fontScale="90000"/>
           </a:bodyPr>
           <a:lstStyle/>
           <a:p>
-            <a:pPr indent="0" lvl="0" marL="0" rtl="0" algn="l">
+            <a:pPr marL="0" lvl="0" indent="0" algn="l" rtl="0">
               <a:spcBef>
                 <a:spcPts val="0"/>
               </a:spcBef>
@@ -8697,9 +8799,11 @@
       <p:sp>
         <p:nvSpPr>
           <p:cNvPr id="162" name="Google Shape;162;p23"/>
-          <p:cNvSpPr txBox="1"/>
+          <p:cNvSpPr txBox="1">
+            <a:spLocks noGrp="1"/>
+          </p:cNvSpPr>
           <p:nvPr>
-            <p:ph idx="1" type="body"/>
+            <p:ph type="body" idx="1"/>
           </p:nvPr>
         </p:nvSpPr>
         <p:spPr>
@@ -8712,12 +8816,12 @@
           </a:prstGeom>
         </p:spPr>
         <p:txBody>
-          <a:bodyPr anchorCtr="0" anchor="t" bIns="91425" lIns="91425" spcFirstLastPara="1" rIns="91425" wrap="square" tIns="91425">
+          <a:bodyPr spcFirstLastPara="1" wrap="square" lIns="91425" tIns="91425" rIns="91425" bIns="91425" anchor="t" anchorCtr="0">
             <a:normAutofit/>
           </a:bodyPr>
           <a:lstStyle/>
           <a:p>
-            <a:pPr indent="-311150" lvl="0" marL="457200" rtl="0" algn="l">
+            <a:pPr marL="457200" lvl="0" indent="-311150" algn="l" rtl="0">
               <a:lnSpc>
                 <a:spcPct val="200000"/>
               </a:lnSpc>
@@ -8731,7 +8835,7 @@
               <a:buChar char="●"/>
             </a:pPr>
             <a:r>
-              <a:rPr b="1" lang="en">
+              <a:rPr lang="en" b="1">
                 <a:solidFill>
                   <a:schemeClr val="dk1"/>
                 </a:solidFill>
@@ -8745,7 +8849,7 @@
             <a:endParaRPr/>
           </a:p>
           <a:p>
-            <a:pPr indent="-311150" lvl="0" marL="457200" rtl="0" algn="l">
+            <a:pPr marL="457200" lvl="0" indent="-311150" algn="l" rtl="0">
               <a:lnSpc>
                 <a:spcPct val="200000"/>
               </a:lnSpc>
@@ -8763,7 +8867,7 @@
               <a:t>Do </a:t>
             </a:r>
             <a:r>
-              <a:rPr b="1" lang="en">
+              <a:rPr lang="en" b="1">
                 <a:solidFill>
                   <a:schemeClr val="accent3"/>
                 </a:solidFill>
@@ -8781,9 +8885,11 @@
       <p:sp>
         <p:nvSpPr>
           <p:cNvPr id="163" name="Google Shape;163;p23"/>
-          <p:cNvSpPr txBox="1"/>
+          <p:cNvSpPr txBox="1">
+            <a:spLocks noGrp="1"/>
+          </p:cNvSpPr>
           <p:nvPr>
-            <p:ph idx="12" type="sldNum"/>
+            <p:ph type="sldNum" idx="12"/>
           </p:nvPr>
         </p:nvSpPr>
         <p:spPr>
@@ -8796,12 +8902,12 @@
           </a:prstGeom>
         </p:spPr>
         <p:txBody>
-          <a:bodyPr anchorCtr="0" anchor="ctr" bIns="91425" lIns="91425" spcFirstLastPara="1" rIns="91425" wrap="square" tIns="91425">
+          <a:bodyPr spcFirstLastPara="1" wrap="square" lIns="91425" tIns="91425" rIns="91425" bIns="91425" anchor="ctr" anchorCtr="0">
             <a:normAutofit/>
           </a:bodyPr>
           <a:lstStyle/>
           <a:p>
-            <a:pPr indent="0" lvl="0" marL="0" rtl="0" algn="r">
+            <a:pPr marL="0" lvl="0" indent="0" algn="r" rtl="0">
               <a:spcBef>
                 <a:spcPts val="0"/>
               </a:spcBef>
@@ -8812,7 +8918,7 @@
             </a:pPr>
             <a:fld id="{00000000-1234-1234-1234-123412341234}" type="slidenum">
               <a:rPr lang="en"/>
-              <a:t>‹#›</a:t>
+              <a:t>11</a:t>
             </a:fld>
             <a:endParaRPr/>
           </a:p>
@@ -8827,11 +8933,11 @@
 </file>
 
 <file path=ppt/slides/slide12.xml><?xml version="1.0" encoding="utf-8"?>
-<p:sld xmlns:a="http://schemas.openxmlformats.org/drawingml/2006/main" xmlns:r="http://schemas.openxmlformats.org/officeDocument/2006/relationships" xmlns:mc="http://schemas.openxmlformats.org/markup-compatibility/2006" xmlns:mv="urn:schemas-microsoft-com:mac:vml" xmlns:p="http://schemas.openxmlformats.org/presentationml/2006/main" xmlns:c="http://schemas.openxmlformats.org/drawingml/2006/chart" xmlns:dgm="http://schemas.openxmlformats.org/drawingml/2006/diagram" xmlns:o="urn:schemas-microsoft-com:office:office" xmlns:v="urn:schemas-microsoft-com:vml" xmlns:pvml="urn:schemas-microsoft-com:office:powerpoint" xmlns:com="http://schemas.openxmlformats.org/drawingml/2006/compatibility" xmlns:p14="http://schemas.microsoft.com/office/powerpoint/2010/main" xmlns:p15="http://schemas.microsoft.com/office/powerpoint/2012/main" xmlns:ahyp="http://schemas.microsoft.com/office/drawing/2018/hyperlinkcolor">
+<p:sld xmlns:a="http://schemas.openxmlformats.org/drawingml/2006/main" xmlns:r="http://schemas.openxmlformats.org/officeDocument/2006/relationships" xmlns:p="http://schemas.openxmlformats.org/presentationml/2006/main">
   <p:cSld>
     <p:spTree>
       <p:nvGrpSpPr>
-        <p:cNvPr id="167" name="Shape 167"/>
+        <p:cNvPr id="1" name="Shape 167"/>
         <p:cNvGrpSpPr/>
         <p:nvPr/>
       </p:nvGrpSpPr>
@@ -8846,7 +8952,9 @@
       <p:sp>
         <p:nvSpPr>
           <p:cNvPr id="168" name="Google Shape;168;p24"/>
-          <p:cNvSpPr txBox="1"/>
+          <p:cNvSpPr txBox="1">
+            <a:spLocks noGrp="1"/>
+          </p:cNvSpPr>
           <p:nvPr>
             <p:ph type="ctrTitle"/>
           </p:nvPr>
@@ -8861,12 +8969,12 @@
           </a:prstGeom>
         </p:spPr>
         <p:txBody>
-          <a:bodyPr anchorCtr="0" anchor="ctr" bIns="91425" lIns="91425" spcFirstLastPara="1" rIns="91425" wrap="square" tIns="91425">
+          <a:bodyPr spcFirstLastPara="1" wrap="square" lIns="91425" tIns="91425" rIns="91425" bIns="91425" anchor="ctr" anchorCtr="0">
             <a:normAutofit/>
           </a:bodyPr>
           <a:lstStyle/>
           <a:p>
-            <a:pPr indent="0" lvl="0" marL="0" rtl="0" algn="ctr">
+            <a:pPr marL="0" lvl="0" indent="0" algn="ctr" rtl="0">
               <a:spcBef>
                 <a:spcPts val="0"/>
               </a:spcBef>
@@ -8908,11 +9016,11 @@
 </file>
 
 <file path=ppt/slides/slide2.xml><?xml version="1.0" encoding="utf-8"?>
-<p:sld xmlns:a="http://schemas.openxmlformats.org/drawingml/2006/main" xmlns:r="http://schemas.openxmlformats.org/officeDocument/2006/relationships" xmlns:mc="http://schemas.openxmlformats.org/markup-compatibility/2006" xmlns:mv="urn:schemas-microsoft-com:mac:vml" xmlns:p="http://schemas.openxmlformats.org/presentationml/2006/main" xmlns:c="http://schemas.openxmlformats.org/drawingml/2006/chart" xmlns:dgm="http://schemas.openxmlformats.org/drawingml/2006/diagram" xmlns:o="urn:schemas-microsoft-com:office:office" xmlns:v="urn:schemas-microsoft-com:vml" xmlns:pvml="urn:schemas-microsoft-com:office:powerpoint" xmlns:com="http://schemas.openxmlformats.org/drawingml/2006/compatibility" xmlns:p14="http://schemas.microsoft.com/office/powerpoint/2010/main" xmlns:p15="http://schemas.microsoft.com/office/powerpoint/2012/main" xmlns:ahyp="http://schemas.microsoft.com/office/drawing/2018/hyperlinkcolor">
+<p:sld xmlns:a="http://schemas.openxmlformats.org/drawingml/2006/main" xmlns:r="http://schemas.openxmlformats.org/officeDocument/2006/relationships" xmlns:p="http://schemas.openxmlformats.org/presentationml/2006/main">
   <p:cSld>
     <p:spTree>
       <p:nvGrpSpPr>
-        <p:cNvPr id="91" name="Shape 91"/>
+        <p:cNvPr id="1" name="Shape 91"/>
         <p:cNvGrpSpPr/>
         <p:nvPr/>
       </p:nvGrpSpPr>
@@ -8927,7 +9035,9 @@
       <p:sp>
         <p:nvSpPr>
           <p:cNvPr id="92" name="Google Shape;92;p14"/>
-          <p:cNvSpPr txBox="1"/>
+          <p:cNvSpPr txBox="1">
+            <a:spLocks noGrp="1"/>
+          </p:cNvSpPr>
           <p:nvPr>
             <p:ph type="title"/>
           </p:nvPr>
@@ -8942,12 +9052,12 @@
           </a:prstGeom>
         </p:spPr>
         <p:txBody>
-          <a:bodyPr anchorCtr="0" anchor="t" bIns="91425" lIns="91425" spcFirstLastPara="1" rIns="91425" wrap="square" tIns="91425">
+          <a:bodyPr spcFirstLastPara="1" wrap="square" lIns="91425" tIns="91425" rIns="91425" bIns="91425" anchor="t" anchorCtr="0">
             <a:normAutofit fontScale="90000"/>
           </a:bodyPr>
           <a:lstStyle/>
           <a:p>
-            <a:pPr indent="0" lvl="0" marL="0" rtl="0" algn="l">
+            <a:pPr marL="0" lvl="0" indent="0" algn="l" rtl="0">
               <a:spcBef>
                 <a:spcPts val="0"/>
               </a:spcBef>
@@ -8963,7 +9073,7 @@
             <a:endParaRPr/>
           </a:p>
           <a:p>
-            <a:pPr indent="0" lvl="0" marL="0" rtl="0" algn="l">
+            <a:pPr marL="0" lvl="0" indent="0" algn="l" rtl="0">
               <a:spcBef>
                 <a:spcPts val="0"/>
               </a:spcBef>
@@ -8972,9 +9082,6 @@
               </a:spcAft>
               <a:buNone/>
             </a:pPr>
-            <a:r>
-              <a:t/>
-            </a:r>
             <a:endParaRPr/>
           </a:p>
         </p:txBody>
@@ -8982,9 +9089,11 @@
       <p:sp>
         <p:nvSpPr>
           <p:cNvPr id="93" name="Google Shape;93;p14"/>
-          <p:cNvSpPr txBox="1"/>
+          <p:cNvSpPr txBox="1">
+            <a:spLocks noGrp="1"/>
+          </p:cNvSpPr>
           <p:nvPr>
-            <p:ph idx="1" type="body"/>
+            <p:ph type="body" idx="1"/>
           </p:nvPr>
         </p:nvSpPr>
         <p:spPr>
@@ -8997,12 +9106,12 @@
           </a:prstGeom>
         </p:spPr>
         <p:txBody>
-          <a:bodyPr anchorCtr="0" anchor="t" bIns="91425" lIns="91425" spcFirstLastPara="1" rIns="91425" wrap="square" tIns="91425">
+          <a:bodyPr spcFirstLastPara="1" wrap="square" lIns="91425" tIns="91425" rIns="91425" bIns="91425" anchor="t" anchorCtr="0">
             <a:normAutofit/>
           </a:bodyPr>
           <a:lstStyle/>
           <a:p>
-            <a:pPr indent="-311150" lvl="0" marL="457200" rtl="0" algn="l">
+            <a:pPr marL="457200" lvl="0" indent="-311150" algn="l" rtl="0">
               <a:lnSpc>
                 <a:spcPct val="200000"/>
               </a:lnSpc>
@@ -9022,7 +9131,7 @@
             <a:endParaRPr/>
           </a:p>
           <a:p>
-            <a:pPr indent="-311150" lvl="0" marL="457200" rtl="0" algn="l">
+            <a:pPr marL="457200" lvl="0" indent="-311150" algn="l" rtl="0">
               <a:spcBef>
                 <a:spcPts val="0"/>
               </a:spcBef>
@@ -9043,9 +9152,11 @@
       <p:sp>
         <p:nvSpPr>
           <p:cNvPr id="94" name="Google Shape;94;p14"/>
-          <p:cNvSpPr txBox="1"/>
+          <p:cNvSpPr txBox="1">
+            <a:spLocks noGrp="1"/>
+          </p:cNvSpPr>
           <p:nvPr>
-            <p:ph idx="12" type="sldNum"/>
+            <p:ph type="sldNum" idx="12"/>
           </p:nvPr>
         </p:nvSpPr>
         <p:spPr>
@@ -9058,12 +9169,12 @@
           </a:prstGeom>
         </p:spPr>
         <p:txBody>
-          <a:bodyPr anchorCtr="0" anchor="ctr" bIns="91425" lIns="91425" spcFirstLastPara="1" rIns="91425" wrap="square" tIns="91425">
+          <a:bodyPr spcFirstLastPara="1" wrap="square" lIns="91425" tIns="91425" rIns="91425" bIns="91425" anchor="ctr" anchorCtr="0">
             <a:normAutofit/>
           </a:bodyPr>
           <a:lstStyle/>
           <a:p>
-            <a:pPr indent="0" lvl="0" marL="0" rtl="0" algn="r">
+            <a:pPr marL="0" lvl="0" indent="0" algn="r" rtl="0">
               <a:spcBef>
                 <a:spcPts val="0"/>
               </a:spcBef>
@@ -9074,7 +9185,7 @@
             </a:pPr>
             <a:fld id="{00000000-1234-1234-1234-123412341234}" type="slidenum">
               <a:rPr lang="en"/>
-              <a:t>‹#›</a:t>
+              <a:t>2</a:t>
             </a:fld>
             <a:endParaRPr/>
           </a:p>
@@ -9089,11 +9200,11 @@
 </file>
 
 <file path=ppt/slides/slide3.xml><?xml version="1.0" encoding="utf-8"?>
-<p:sld xmlns:a="http://schemas.openxmlformats.org/drawingml/2006/main" xmlns:r="http://schemas.openxmlformats.org/officeDocument/2006/relationships" xmlns:mc="http://schemas.openxmlformats.org/markup-compatibility/2006" xmlns:mv="urn:schemas-microsoft-com:mac:vml" xmlns:p="http://schemas.openxmlformats.org/presentationml/2006/main" xmlns:c="http://schemas.openxmlformats.org/drawingml/2006/chart" xmlns:dgm="http://schemas.openxmlformats.org/drawingml/2006/diagram" xmlns:o="urn:schemas-microsoft-com:office:office" xmlns:v="urn:schemas-microsoft-com:vml" xmlns:pvml="urn:schemas-microsoft-com:office:powerpoint" xmlns:com="http://schemas.openxmlformats.org/drawingml/2006/compatibility" xmlns:p14="http://schemas.microsoft.com/office/powerpoint/2010/main" xmlns:p15="http://schemas.microsoft.com/office/powerpoint/2012/main" xmlns:ahyp="http://schemas.microsoft.com/office/drawing/2018/hyperlinkcolor">
+<p:sld xmlns:a="http://schemas.openxmlformats.org/drawingml/2006/main" xmlns:r="http://schemas.openxmlformats.org/officeDocument/2006/relationships" xmlns:p="http://schemas.openxmlformats.org/presentationml/2006/main">
   <p:cSld>
     <p:spTree>
       <p:nvGrpSpPr>
-        <p:cNvPr id="98" name="Shape 98"/>
+        <p:cNvPr id="1" name="Shape 98"/>
         <p:cNvGrpSpPr/>
         <p:nvPr/>
       </p:nvGrpSpPr>
@@ -9108,7 +9219,9 @@
       <p:sp>
         <p:nvSpPr>
           <p:cNvPr id="99" name="Google Shape;99;p15"/>
-          <p:cNvSpPr txBox="1"/>
+          <p:cNvSpPr txBox="1">
+            <a:spLocks noGrp="1"/>
+          </p:cNvSpPr>
           <p:nvPr>
             <p:ph type="title"/>
           </p:nvPr>
@@ -9123,12 +9236,12 @@
           </a:prstGeom>
         </p:spPr>
         <p:txBody>
-          <a:bodyPr anchorCtr="0" anchor="t" bIns="91425" lIns="91425" spcFirstLastPara="1" rIns="91425" wrap="square" tIns="91425">
+          <a:bodyPr spcFirstLastPara="1" wrap="square" lIns="91425" tIns="91425" rIns="91425" bIns="91425" anchor="t" anchorCtr="0">
             <a:normAutofit fontScale="90000"/>
           </a:bodyPr>
           <a:lstStyle/>
           <a:p>
-            <a:pPr indent="0" lvl="0" marL="0" rtl="0" algn="l">
+            <a:pPr marL="0" lvl="0" indent="0" algn="l" rtl="0">
               <a:spcBef>
                 <a:spcPts val="0"/>
               </a:spcBef>
@@ -9144,7 +9257,7 @@
             <a:endParaRPr/>
           </a:p>
           <a:p>
-            <a:pPr indent="0" lvl="0" marL="0" rtl="0" algn="l">
+            <a:pPr marL="0" lvl="0" indent="0" algn="l" rtl="0">
               <a:spcBef>
                 <a:spcPts val="0"/>
               </a:spcBef>
@@ -9153,9 +9266,6 @@
               </a:spcAft>
               <a:buNone/>
             </a:pPr>
-            <a:r>
-              <a:t/>
-            </a:r>
             <a:endParaRPr/>
           </a:p>
         </p:txBody>
@@ -9163,9 +9273,11 @@
       <p:sp>
         <p:nvSpPr>
           <p:cNvPr id="100" name="Google Shape;100;p15"/>
-          <p:cNvSpPr txBox="1"/>
+          <p:cNvSpPr txBox="1">
+            <a:spLocks noGrp="1"/>
+          </p:cNvSpPr>
           <p:nvPr>
-            <p:ph idx="1" type="body"/>
+            <p:ph type="body" idx="1"/>
           </p:nvPr>
         </p:nvSpPr>
         <p:spPr>
@@ -9178,12 +9290,12 @@
           </a:prstGeom>
         </p:spPr>
         <p:txBody>
-          <a:bodyPr anchorCtr="0" anchor="t" bIns="91425" lIns="91425" spcFirstLastPara="1" rIns="91425" wrap="square" tIns="91425">
+          <a:bodyPr spcFirstLastPara="1" wrap="square" lIns="91425" tIns="91425" rIns="91425" bIns="91425" anchor="t" anchorCtr="0">
             <a:normAutofit/>
           </a:bodyPr>
           <a:lstStyle/>
           <a:p>
-            <a:pPr indent="-311150" lvl="0" marL="457200" rtl="0" algn="l">
+            <a:pPr marL="457200" lvl="0" indent="-311150" algn="l" rtl="0">
               <a:lnSpc>
                 <a:spcPct val="200000"/>
               </a:lnSpc>
@@ -9203,7 +9315,7 @@
             <a:endParaRPr/>
           </a:p>
           <a:p>
-            <a:pPr indent="-311150" lvl="0" marL="457200" rtl="0" algn="l">
+            <a:pPr marL="457200" lvl="0" indent="-311150" algn="l" rtl="0">
               <a:spcBef>
                 <a:spcPts val="0"/>
               </a:spcBef>
@@ -9224,9 +9336,11 @@
       <p:sp>
         <p:nvSpPr>
           <p:cNvPr id="101" name="Google Shape;101;p15"/>
-          <p:cNvSpPr txBox="1"/>
+          <p:cNvSpPr txBox="1">
+            <a:spLocks noGrp="1"/>
+          </p:cNvSpPr>
           <p:nvPr>
-            <p:ph idx="12" type="sldNum"/>
+            <p:ph type="sldNum" idx="12"/>
           </p:nvPr>
         </p:nvSpPr>
         <p:spPr>
@@ -9239,12 +9353,12 @@
           </a:prstGeom>
         </p:spPr>
         <p:txBody>
-          <a:bodyPr anchorCtr="0" anchor="ctr" bIns="91425" lIns="91425" spcFirstLastPara="1" rIns="91425" wrap="square" tIns="91425">
+          <a:bodyPr spcFirstLastPara="1" wrap="square" lIns="91425" tIns="91425" rIns="91425" bIns="91425" anchor="ctr" anchorCtr="0">
             <a:normAutofit/>
           </a:bodyPr>
           <a:lstStyle/>
           <a:p>
-            <a:pPr indent="0" lvl="0" marL="0" rtl="0" algn="r">
+            <a:pPr marL="0" lvl="0" indent="0" algn="r" rtl="0">
               <a:spcBef>
                 <a:spcPts val="0"/>
               </a:spcBef>
@@ -9255,7 +9369,7 @@
             </a:pPr>
             <a:fld id="{00000000-1234-1234-1234-123412341234}" type="slidenum">
               <a:rPr lang="en"/>
-              <a:t>‹#›</a:t>
+              <a:t>3</a:t>
             </a:fld>
             <a:endParaRPr/>
           </a:p>
@@ -9323,12 +9437,12 @@
             </a:ln>
           </p:spPr>
           <p:txBody>
-            <a:bodyPr anchorCtr="0" anchor="t" bIns="91425" lIns="91425" spcFirstLastPara="1" rIns="91425" wrap="square" tIns="91425">
+            <a:bodyPr spcFirstLastPara="1" wrap="square" lIns="91425" tIns="91425" rIns="91425" bIns="91425" anchor="t" anchorCtr="0">
               <a:spAutoFit/>
             </a:bodyPr>
             <a:lstStyle/>
             <a:p>
-              <a:pPr indent="0" lvl="0" marL="0" rtl="0" algn="l">
+              <a:pPr marL="0" lvl="0" indent="0" algn="l" rtl="0">
                 <a:spcBef>
                   <a:spcPts val="0"/>
                 </a:spcBef>
@@ -9354,7 +9468,7 @@
               </a:endParaRPr>
             </a:p>
             <a:p>
-              <a:pPr indent="-336550" lvl="0" marL="457200" rtl="0" algn="l">
+              <a:pPr marL="457200" lvl="0" indent="-336550" algn="l" rtl="0">
                 <a:spcBef>
                   <a:spcPts val="0"/>
                 </a:spcBef>
@@ -9382,7 +9496,7 @@
               </a:endParaRPr>
             </a:p>
             <a:p>
-              <a:pPr indent="-336550" lvl="0" marL="457200" rtl="0" algn="l">
+              <a:pPr marL="457200" lvl="0" indent="-336550" algn="l" rtl="0">
                 <a:spcBef>
                   <a:spcPts val="0"/>
                 </a:spcBef>
@@ -9410,7 +9524,7 @@
               </a:endParaRPr>
             </a:p>
             <a:p>
-              <a:pPr indent="-336550" lvl="0" marL="457200" rtl="0" algn="l">
+              <a:pPr marL="457200" lvl="0" indent="-336550" algn="l" rtl="0">
                 <a:spcBef>
                   <a:spcPts val="0"/>
                 </a:spcBef>
@@ -9449,11 +9563,11 @@
 </file>
 
 <file path=ppt/slides/slide4.xml><?xml version="1.0" encoding="utf-8"?>
-<p:sld xmlns:a="http://schemas.openxmlformats.org/drawingml/2006/main" xmlns:r="http://schemas.openxmlformats.org/officeDocument/2006/relationships" xmlns:mc="http://schemas.openxmlformats.org/markup-compatibility/2006" xmlns:mv="urn:schemas-microsoft-com:mac:vml" xmlns:p="http://schemas.openxmlformats.org/presentationml/2006/main" xmlns:c="http://schemas.openxmlformats.org/drawingml/2006/chart" xmlns:dgm="http://schemas.openxmlformats.org/drawingml/2006/diagram" xmlns:o="urn:schemas-microsoft-com:office:office" xmlns:v="urn:schemas-microsoft-com:vml" xmlns:pvml="urn:schemas-microsoft-com:office:powerpoint" xmlns:com="http://schemas.openxmlformats.org/drawingml/2006/compatibility" xmlns:p14="http://schemas.microsoft.com/office/powerpoint/2010/main" xmlns:p15="http://schemas.microsoft.com/office/powerpoint/2012/main" xmlns:ahyp="http://schemas.microsoft.com/office/drawing/2018/hyperlinkcolor">
+<p:sld xmlns:a="http://schemas.openxmlformats.org/drawingml/2006/main" xmlns:r="http://schemas.openxmlformats.org/officeDocument/2006/relationships" xmlns:p="http://schemas.openxmlformats.org/presentationml/2006/main">
   <p:cSld>
     <p:spTree>
       <p:nvGrpSpPr>
-        <p:cNvPr id="108" name="Shape 108"/>
+        <p:cNvPr id="1" name="Shape 108"/>
         <p:cNvGrpSpPr/>
         <p:nvPr/>
       </p:nvGrpSpPr>
@@ -9468,7 +9582,9 @@
       <p:sp>
         <p:nvSpPr>
           <p:cNvPr id="109" name="Google Shape;109;p16"/>
-          <p:cNvSpPr txBox="1"/>
+          <p:cNvSpPr txBox="1">
+            <a:spLocks noGrp="1"/>
+          </p:cNvSpPr>
           <p:nvPr>
             <p:ph type="title"/>
           </p:nvPr>
@@ -9483,12 +9599,12 @@
           </a:prstGeom>
         </p:spPr>
         <p:txBody>
-          <a:bodyPr anchorCtr="0" anchor="t" bIns="91425" lIns="91425" spcFirstLastPara="1" rIns="91425" wrap="square" tIns="91425">
+          <a:bodyPr spcFirstLastPara="1" wrap="square" lIns="91425" tIns="91425" rIns="91425" bIns="91425" anchor="t" anchorCtr="0">
             <a:normAutofit fontScale="90000"/>
           </a:bodyPr>
           <a:lstStyle/>
           <a:p>
-            <a:pPr indent="0" lvl="0" marL="0" rtl="0" algn="l">
+            <a:pPr marL="0" lvl="0" indent="0" algn="l" rtl="0">
               <a:spcBef>
                 <a:spcPts val="0"/>
               </a:spcBef>
@@ -9504,7 +9620,7 @@
             <a:endParaRPr/>
           </a:p>
           <a:p>
-            <a:pPr indent="0" lvl="0" marL="0" rtl="0" algn="l">
+            <a:pPr marL="0" lvl="0" indent="0" algn="l" rtl="0">
               <a:spcBef>
                 <a:spcPts val="0"/>
               </a:spcBef>
@@ -9513,9 +9629,6 @@
               </a:spcAft>
               <a:buNone/>
             </a:pPr>
-            <a:r>
-              <a:t/>
-            </a:r>
             <a:endParaRPr/>
           </a:p>
         </p:txBody>
@@ -9523,9 +9636,11 @@
       <p:sp>
         <p:nvSpPr>
           <p:cNvPr id="110" name="Google Shape;110;p16"/>
-          <p:cNvSpPr txBox="1"/>
+          <p:cNvSpPr txBox="1">
+            <a:spLocks noGrp="1"/>
+          </p:cNvSpPr>
           <p:nvPr>
-            <p:ph idx="1" type="body"/>
+            <p:ph type="body" idx="1"/>
           </p:nvPr>
         </p:nvSpPr>
         <p:spPr>
@@ -9538,12 +9653,12 @@
           </a:prstGeom>
         </p:spPr>
         <p:txBody>
-          <a:bodyPr anchorCtr="0" anchor="t" bIns="91425" lIns="91425" spcFirstLastPara="1" rIns="91425" wrap="square" tIns="91425">
+          <a:bodyPr spcFirstLastPara="1" wrap="square" lIns="91425" tIns="91425" rIns="91425" bIns="91425" anchor="t" anchorCtr="0">
             <a:normAutofit/>
           </a:bodyPr>
           <a:lstStyle/>
           <a:p>
-            <a:pPr indent="-311150" lvl="0" marL="457200" rtl="0" algn="l">
+            <a:pPr marL="457200" lvl="0" indent="-311150" algn="l" rtl="0">
               <a:lnSpc>
                 <a:spcPct val="200000"/>
               </a:lnSpc>
@@ -9563,7 +9678,7 @@
             <a:endParaRPr/>
           </a:p>
           <a:p>
-            <a:pPr indent="-311150" lvl="0" marL="457200" rtl="0" algn="l">
+            <a:pPr marL="457200" lvl="0" indent="-311150" algn="l" rtl="0">
               <a:lnSpc>
                 <a:spcPct val="200000"/>
               </a:lnSpc>
@@ -9583,7 +9698,7 @@
             <a:endParaRPr/>
           </a:p>
           <a:p>
-            <a:pPr indent="-311150" lvl="0" marL="457200" rtl="0" algn="l">
+            <a:pPr marL="457200" lvl="0" indent="-311150" algn="l" rtl="0">
               <a:lnSpc>
                 <a:spcPct val="200000"/>
               </a:lnSpc>
@@ -9603,7 +9718,7 @@
             <a:endParaRPr/>
           </a:p>
           <a:p>
-            <a:pPr indent="-311150" lvl="0" marL="457200" rtl="0" algn="l">
+            <a:pPr marL="457200" lvl="0" indent="-311150" algn="l" rtl="0">
               <a:lnSpc>
                 <a:spcPct val="200000"/>
               </a:lnSpc>
@@ -9627,9 +9742,11 @@
       <p:sp>
         <p:nvSpPr>
           <p:cNvPr id="111" name="Google Shape;111;p16"/>
-          <p:cNvSpPr txBox="1"/>
+          <p:cNvSpPr txBox="1">
+            <a:spLocks noGrp="1"/>
+          </p:cNvSpPr>
           <p:nvPr>
-            <p:ph idx="12" type="sldNum"/>
+            <p:ph type="sldNum" idx="12"/>
           </p:nvPr>
         </p:nvSpPr>
         <p:spPr>
@@ -9642,12 +9759,12 @@
           </a:prstGeom>
         </p:spPr>
         <p:txBody>
-          <a:bodyPr anchorCtr="0" anchor="ctr" bIns="91425" lIns="91425" spcFirstLastPara="1" rIns="91425" wrap="square" tIns="91425">
+          <a:bodyPr spcFirstLastPara="1" wrap="square" lIns="91425" tIns="91425" rIns="91425" bIns="91425" anchor="ctr" anchorCtr="0">
             <a:normAutofit/>
           </a:bodyPr>
           <a:lstStyle/>
           <a:p>
-            <a:pPr indent="0" lvl="0" marL="0" rtl="0" algn="r">
+            <a:pPr marL="0" lvl="0" indent="0" algn="r" rtl="0">
               <a:spcBef>
                 <a:spcPts val="0"/>
               </a:spcBef>
@@ -9658,7 +9775,7 @@
             </a:pPr>
             <a:fld id="{00000000-1234-1234-1234-123412341234}" type="slidenum">
               <a:rPr lang="en"/>
-              <a:t>‹#›</a:t>
+              <a:t>4</a:t>
             </a:fld>
             <a:endParaRPr/>
           </a:p>
@@ -9673,11 +9790,11 @@
 </file>
 
 <file path=ppt/slides/slide5.xml><?xml version="1.0" encoding="utf-8"?>
-<p:sld xmlns:a="http://schemas.openxmlformats.org/drawingml/2006/main" xmlns:r="http://schemas.openxmlformats.org/officeDocument/2006/relationships" xmlns:mc="http://schemas.openxmlformats.org/markup-compatibility/2006" xmlns:mv="urn:schemas-microsoft-com:mac:vml" xmlns:p="http://schemas.openxmlformats.org/presentationml/2006/main" xmlns:c="http://schemas.openxmlformats.org/drawingml/2006/chart" xmlns:dgm="http://schemas.openxmlformats.org/drawingml/2006/diagram" xmlns:o="urn:schemas-microsoft-com:office:office" xmlns:v="urn:schemas-microsoft-com:vml" xmlns:pvml="urn:schemas-microsoft-com:office:powerpoint" xmlns:com="http://schemas.openxmlformats.org/drawingml/2006/compatibility" xmlns:p14="http://schemas.microsoft.com/office/powerpoint/2010/main" xmlns:p15="http://schemas.microsoft.com/office/powerpoint/2012/main" xmlns:ahyp="http://schemas.microsoft.com/office/drawing/2018/hyperlinkcolor">
+<p:sld xmlns:a="http://schemas.openxmlformats.org/drawingml/2006/main" xmlns:r="http://schemas.openxmlformats.org/officeDocument/2006/relationships" xmlns:p="http://schemas.openxmlformats.org/presentationml/2006/main">
   <p:cSld>
     <p:spTree>
       <p:nvGrpSpPr>
-        <p:cNvPr id="115" name="Shape 115"/>
+        <p:cNvPr id="1" name="Shape 115"/>
         <p:cNvGrpSpPr/>
         <p:nvPr/>
       </p:nvGrpSpPr>
@@ -9692,7 +9809,9 @@
       <p:sp>
         <p:nvSpPr>
           <p:cNvPr id="116" name="Google Shape;116;p17"/>
-          <p:cNvSpPr txBox="1"/>
+          <p:cNvSpPr txBox="1">
+            <a:spLocks noGrp="1"/>
+          </p:cNvSpPr>
           <p:nvPr>
             <p:ph type="title"/>
           </p:nvPr>
@@ -9707,12 +9826,12 @@
           </a:prstGeom>
         </p:spPr>
         <p:txBody>
-          <a:bodyPr anchorCtr="0" anchor="t" bIns="91425" lIns="91425" spcFirstLastPara="1" rIns="91425" wrap="square" tIns="91425">
+          <a:bodyPr spcFirstLastPara="1" wrap="square" lIns="91425" tIns="91425" rIns="91425" bIns="91425" anchor="t" anchorCtr="0">
             <a:normAutofit fontScale="90000"/>
           </a:bodyPr>
           <a:lstStyle/>
           <a:p>
-            <a:pPr indent="0" lvl="0" marL="0" rtl="0" algn="l">
+            <a:pPr marL="0" lvl="0" indent="0" algn="l" rtl="0">
               <a:spcBef>
                 <a:spcPts val="0"/>
               </a:spcBef>
@@ -9723,11 +9842,7 @@
             </a:pPr>
             <a:r>
               <a:rPr lang="en"/>
-              <a:t>D</a:t>
-            </a:r>
-            <a:r>
-              <a:rPr lang="en"/>
-              <a:t>istribution of product categories</a:t>
+              <a:t>Distribution of product categories</a:t>
             </a:r>
             <a:endParaRPr/>
           </a:p>
@@ -9736,9 +9851,11 @@
       <p:sp>
         <p:nvSpPr>
           <p:cNvPr id="117" name="Google Shape;117;p17"/>
-          <p:cNvSpPr txBox="1"/>
+          <p:cNvSpPr txBox="1">
+            <a:spLocks noGrp="1"/>
+          </p:cNvSpPr>
           <p:nvPr>
-            <p:ph idx="12" type="sldNum"/>
+            <p:ph type="sldNum" idx="12"/>
           </p:nvPr>
         </p:nvSpPr>
         <p:spPr>
@@ -9751,12 +9868,12 @@
           </a:prstGeom>
         </p:spPr>
         <p:txBody>
-          <a:bodyPr anchorCtr="0" anchor="ctr" bIns="91425" lIns="91425" spcFirstLastPara="1" rIns="91425" wrap="square" tIns="91425">
+          <a:bodyPr spcFirstLastPara="1" wrap="square" lIns="91425" tIns="91425" rIns="91425" bIns="91425" anchor="ctr" anchorCtr="0">
             <a:normAutofit/>
           </a:bodyPr>
           <a:lstStyle/>
           <a:p>
-            <a:pPr indent="0" lvl="0" marL="0" rtl="0" algn="r">
+            <a:pPr marL="0" lvl="0" indent="0" algn="r" rtl="0">
               <a:spcBef>
                 <a:spcPts val="0"/>
               </a:spcBef>
@@ -9767,7 +9884,7 @@
             </a:pPr>
             <a:fld id="{00000000-1234-1234-1234-123412341234}" type="slidenum">
               <a:rPr lang="en"/>
-              <a:t>‹#›</a:t>
+              <a:t>5</a:t>
             </a:fld>
             <a:endParaRPr/>
           </a:p>
@@ -9783,7 +9900,7 @@
           <a:blip r:embed="rId3">
             <a:alphaModFix/>
           </a:blip>
-          <a:srcRect b="6348" l="0" r="0" t="13291"/>
+          <a:srcRect t="13291" b="6348"/>
           <a:stretch/>
         </p:blipFill>
         <p:spPr>
@@ -9809,11 +9926,11 @@
 </file>
 
 <file path=ppt/slides/slide6.xml><?xml version="1.0" encoding="utf-8"?>
-<p:sld xmlns:a="http://schemas.openxmlformats.org/drawingml/2006/main" xmlns:r="http://schemas.openxmlformats.org/officeDocument/2006/relationships" xmlns:mc="http://schemas.openxmlformats.org/markup-compatibility/2006" xmlns:mv="urn:schemas-microsoft-com:mac:vml" xmlns:p="http://schemas.openxmlformats.org/presentationml/2006/main" xmlns:c="http://schemas.openxmlformats.org/drawingml/2006/chart" xmlns:dgm="http://schemas.openxmlformats.org/drawingml/2006/diagram" xmlns:o="urn:schemas-microsoft-com:office:office" xmlns:v="urn:schemas-microsoft-com:vml" xmlns:pvml="urn:schemas-microsoft-com:office:powerpoint" xmlns:com="http://schemas.openxmlformats.org/drawingml/2006/compatibility" xmlns:p14="http://schemas.microsoft.com/office/powerpoint/2010/main" xmlns:p15="http://schemas.microsoft.com/office/powerpoint/2012/main" xmlns:ahyp="http://schemas.microsoft.com/office/drawing/2018/hyperlinkcolor">
+<p:sld xmlns:a="http://schemas.openxmlformats.org/drawingml/2006/main" xmlns:r="http://schemas.openxmlformats.org/officeDocument/2006/relationships" xmlns:p="http://schemas.openxmlformats.org/presentationml/2006/main">
   <p:cSld>
     <p:spTree>
       <p:nvGrpSpPr>
-        <p:cNvPr id="122" name="Shape 122"/>
+        <p:cNvPr id="1" name="Shape 122"/>
         <p:cNvGrpSpPr/>
         <p:nvPr/>
       </p:nvGrpSpPr>
@@ -9828,7 +9945,9 @@
       <p:sp>
         <p:nvSpPr>
           <p:cNvPr id="123" name="Google Shape;123;p18"/>
-          <p:cNvSpPr txBox="1"/>
+          <p:cNvSpPr txBox="1">
+            <a:spLocks noGrp="1"/>
+          </p:cNvSpPr>
           <p:nvPr>
             <p:ph type="title"/>
           </p:nvPr>
@@ -9843,12 +9962,12 @@
           </a:prstGeom>
         </p:spPr>
         <p:txBody>
-          <a:bodyPr anchorCtr="0" anchor="t" bIns="91425" lIns="91425" spcFirstLastPara="1" rIns="91425" wrap="square" tIns="91425">
+          <a:bodyPr spcFirstLastPara="1" wrap="square" lIns="91425" tIns="91425" rIns="91425" bIns="91425" anchor="t" anchorCtr="0">
             <a:normAutofit fontScale="90000"/>
           </a:bodyPr>
           <a:lstStyle/>
           <a:p>
-            <a:pPr indent="0" lvl="0" marL="0" rtl="0" algn="l">
+            <a:pPr marL="0" lvl="0" indent="0" algn="l" rtl="0">
               <a:spcBef>
                 <a:spcPts val="0"/>
               </a:spcBef>
@@ -9859,16 +9978,12 @@
             </a:pPr>
             <a:r>
               <a:rPr lang="en"/>
-              <a:t>Categories’</a:t>
-            </a:r>
-            <a:r>
-              <a:rPr lang="en"/>
-              <a:t> revenues</a:t>
+              <a:t>Categories’ revenues</a:t>
             </a:r>
             <a:endParaRPr/>
           </a:p>
           <a:p>
-            <a:pPr indent="0" lvl="0" marL="0" rtl="0" algn="l">
+            <a:pPr marL="0" lvl="0" indent="0" algn="l" rtl="0">
               <a:spcBef>
                 <a:spcPts val="0"/>
               </a:spcBef>
@@ -9877,9 +9992,6 @@
               </a:spcAft>
               <a:buNone/>
             </a:pPr>
-            <a:r>
-              <a:t/>
-            </a:r>
             <a:endParaRPr/>
           </a:p>
         </p:txBody>
@@ -9887,9 +9999,11 @@
       <p:sp>
         <p:nvSpPr>
           <p:cNvPr id="124" name="Google Shape;124;p18"/>
-          <p:cNvSpPr txBox="1"/>
+          <p:cNvSpPr txBox="1">
+            <a:spLocks noGrp="1"/>
+          </p:cNvSpPr>
           <p:nvPr>
-            <p:ph idx="12" type="sldNum"/>
+            <p:ph type="sldNum" idx="12"/>
           </p:nvPr>
         </p:nvSpPr>
         <p:spPr>
@@ -9902,12 +10016,12 @@
           </a:prstGeom>
         </p:spPr>
         <p:txBody>
-          <a:bodyPr anchorCtr="0" anchor="ctr" bIns="91425" lIns="91425" spcFirstLastPara="1" rIns="91425" wrap="square" tIns="91425">
+          <a:bodyPr spcFirstLastPara="1" wrap="square" lIns="91425" tIns="91425" rIns="91425" bIns="91425" anchor="ctr" anchorCtr="0">
             <a:normAutofit/>
           </a:bodyPr>
           <a:lstStyle/>
           <a:p>
-            <a:pPr indent="0" lvl="0" marL="0" rtl="0" algn="r">
+            <a:pPr marL="0" lvl="0" indent="0" algn="r" rtl="0">
               <a:spcBef>
                 <a:spcPts val="0"/>
               </a:spcBef>
@@ -9918,7 +10032,7 @@
             </a:pPr>
             <a:fld id="{00000000-1234-1234-1234-123412341234}" type="slidenum">
               <a:rPr lang="en"/>
-              <a:t>‹#›</a:t>
+              <a:t>6</a:t>
             </a:fld>
             <a:endParaRPr/>
           </a:p>
@@ -9934,7 +10048,7 @@
           <a:blip r:embed="rId3">
             <a:alphaModFix/>
           </a:blip>
-          <a:srcRect b="0" l="0" r="0" t="2827"/>
+          <a:srcRect t="2827"/>
           <a:stretch/>
         </p:blipFill>
         <p:spPr>
@@ -9960,11 +10074,11 @@
 </file>
 
 <file path=ppt/slides/slide7.xml><?xml version="1.0" encoding="utf-8"?>
-<p:sld xmlns:a="http://schemas.openxmlformats.org/drawingml/2006/main" xmlns:r="http://schemas.openxmlformats.org/officeDocument/2006/relationships" xmlns:mc="http://schemas.openxmlformats.org/markup-compatibility/2006" xmlns:mv="urn:schemas-microsoft-com:mac:vml" xmlns:p="http://schemas.openxmlformats.org/presentationml/2006/main" xmlns:c="http://schemas.openxmlformats.org/drawingml/2006/chart" xmlns:dgm="http://schemas.openxmlformats.org/drawingml/2006/diagram" xmlns:o="urn:schemas-microsoft-com:office:office" xmlns:v="urn:schemas-microsoft-com:vml" xmlns:pvml="urn:schemas-microsoft-com:office:powerpoint" xmlns:com="http://schemas.openxmlformats.org/drawingml/2006/compatibility" xmlns:p14="http://schemas.microsoft.com/office/powerpoint/2010/main" xmlns:p15="http://schemas.microsoft.com/office/powerpoint/2012/main" xmlns:ahyp="http://schemas.microsoft.com/office/drawing/2018/hyperlinkcolor">
+<p:sld xmlns:a="http://schemas.openxmlformats.org/drawingml/2006/main" xmlns:r="http://schemas.openxmlformats.org/officeDocument/2006/relationships" xmlns:p="http://schemas.openxmlformats.org/presentationml/2006/main">
   <p:cSld>
     <p:spTree>
       <p:nvGrpSpPr>
-        <p:cNvPr id="129" name="Shape 129"/>
+        <p:cNvPr id="1" name="Shape 129"/>
         <p:cNvGrpSpPr/>
         <p:nvPr/>
       </p:nvGrpSpPr>
@@ -9979,7 +10093,9 @@
       <p:sp>
         <p:nvSpPr>
           <p:cNvPr id="130" name="Google Shape;130;p19"/>
-          <p:cNvSpPr txBox="1"/>
+          <p:cNvSpPr txBox="1">
+            <a:spLocks noGrp="1"/>
+          </p:cNvSpPr>
           <p:nvPr>
             <p:ph type="title"/>
           </p:nvPr>
@@ -9994,12 +10110,12 @@
           </a:prstGeom>
         </p:spPr>
         <p:txBody>
-          <a:bodyPr anchorCtr="0" anchor="t" bIns="91425" lIns="91425" spcFirstLastPara="1" rIns="91425" wrap="square" tIns="91425">
+          <a:bodyPr spcFirstLastPara="1" wrap="square" lIns="91425" tIns="91425" rIns="91425" bIns="91425" anchor="t" anchorCtr="0">
             <a:normAutofit fontScale="90000"/>
           </a:bodyPr>
           <a:lstStyle/>
           <a:p>
-            <a:pPr indent="0" lvl="0" marL="0" rtl="0" algn="l">
+            <a:pPr marL="0" lvl="0" indent="0" algn="l" rtl="0">
               <a:spcBef>
                 <a:spcPts val="0"/>
               </a:spcBef>
@@ -10010,16 +10126,12 @@
             </a:pPr>
             <a:r>
               <a:rPr lang="en"/>
-              <a:t>Category d</a:t>
-            </a:r>
-            <a:r>
-              <a:rPr lang="en"/>
-              <a:t>iscounts in %</a:t>
+              <a:t>Category discounts in %</a:t>
             </a:r>
             <a:endParaRPr/>
           </a:p>
           <a:p>
-            <a:pPr indent="0" lvl="0" marL="0" rtl="0" algn="l">
+            <a:pPr marL="0" lvl="0" indent="0" algn="l" rtl="0">
               <a:spcBef>
                 <a:spcPts val="0"/>
               </a:spcBef>
@@ -10028,9 +10140,6 @@
               </a:spcAft>
               <a:buNone/>
             </a:pPr>
-            <a:r>
-              <a:t/>
-            </a:r>
             <a:endParaRPr/>
           </a:p>
         </p:txBody>
@@ -10038,9 +10147,11 @@
       <p:sp>
         <p:nvSpPr>
           <p:cNvPr id="131" name="Google Shape;131;p19"/>
-          <p:cNvSpPr txBox="1"/>
+          <p:cNvSpPr txBox="1">
+            <a:spLocks noGrp="1"/>
+          </p:cNvSpPr>
           <p:nvPr>
-            <p:ph idx="12" type="sldNum"/>
+            <p:ph type="sldNum" idx="12"/>
           </p:nvPr>
         </p:nvSpPr>
         <p:spPr>
@@ -10053,12 +10164,12 @@
           </a:prstGeom>
         </p:spPr>
         <p:txBody>
-          <a:bodyPr anchorCtr="0" anchor="ctr" bIns="91425" lIns="91425" spcFirstLastPara="1" rIns="91425" wrap="square" tIns="91425">
+          <a:bodyPr spcFirstLastPara="1" wrap="square" lIns="91425" tIns="91425" rIns="91425" bIns="91425" anchor="ctr" anchorCtr="0">
             <a:normAutofit/>
           </a:bodyPr>
           <a:lstStyle/>
           <a:p>
-            <a:pPr indent="0" lvl="0" marL="0" rtl="0" algn="r">
+            <a:pPr marL="0" lvl="0" indent="0" algn="r" rtl="0">
               <a:spcBef>
                 <a:spcPts val="0"/>
               </a:spcBef>
@@ -10069,7 +10180,7 @@
             </a:pPr>
             <a:fld id="{00000000-1234-1234-1234-123412341234}" type="slidenum">
               <a:rPr lang="en"/>
-              <a:t>‹#›</a:t>
+              <a:t>7</a:t>
             </a:fld>
             <a:endParaRPr/>
           </a:p>
@@ -10085,7 +10196,7 @@
           <a:blip r:embed="rId3">
             <a:alphaModFix/>
           </a:blip>
-          <a:srcRect b="0" l="0" r="0" t="2353"/>
+          <a:srcRect t="2353"/>
           <a:stretch/>
         </p:blipFill>
         <p:spPr>
@@ -10111,11 +10222,11 @@
 </file>
 
 <file path=ppt/slides/slide8.xml><?xml version="1.0" encoding="utf-8"?>
-<p:sld xmlns:a="http://schemas.openxmlformats.org/drawingml/2006/main" xmlns:r="http://schemas.openxmlformats.org/officeDocument/2006/relationships" xmlns:mc="http://schemas.openxmlformats.org/markup-compatibility/2006" xmlns:mv="urn:schemas-microsoft-com:mac:vml" xmlns:p="http://schemas.openxmlformats.org/presentationml/2006/main" xmlns:c="http://schemas.openxmlformats.org/drawingml/2006/chart" xmlns:dgm="http://schemas.openxmlformats.org/drawingml/2006/diagram" xmlns:o="urn:schemas-microsoft-com:office:office" xmlns:v="urn:schemas-microsoft-com:vml" xmlns:pvml="urn:schemas-microsoft-com:office:powerpoint" xmlns:com="http://schemas.openxmlformats.org/drawingml/2006/compatibility" xmlns:p14="http://schemas.microsoft.com/office/powerpoint/2010/main" xmlns:p15="http://schemas.microsoft.com/office/powerpoint/2012/main" xmlns:ahyp="http://schemas.microsoft.com/office/drawing/2018/hyperlinkcolor">
+<p:sld xmlns:a="http://schemas.openxmlformats.org/drawingml/2006/main" xmlns:r="http://schemas.openxmlformats.org/officeDocument/2006/relationships" xmlns:p="http://schemas.openxmlformats.org/presentationml/2006/main">
   <p:cSld>
     <p:spTree>
       <p:nvGrpSpPr>
-        <p:cNvPr id="136" name="Shape 136"/>
+        <p:cNvPr id="1" name="Shape 136"/>
         <p:cNvGrpSpPr/>
         <p:nvPr/>
       </p:nvGrpSpPr>
@@ -10137,7 +10248,7 @@
           <a:blip r:embed="rId3">
             <a:alphaModFix/>
           </a:blip>
-          <a:srcRect b="0" l="0" r="0" t="6226"/>
+          <a:srcRect t="6226"/>
           <a:stretch/>
         </p:blipFill>
         <p:spPr>
@@ -10174,12 +10285,12 @@
           </a:ln>
         </p:spPr>
         <p:txBody>
-          <a:bodyPr anchorCtr="0" anchor="t" bIns="91425" lIns="91425" spcFirstLastPara="1" rIns="91425" wrap="square" tIns="91425">
+          <a:bodyPr spcFirstLastPara="1" wrap="square" lIns="91425" tIns="91425" rIns="91425" bIns="91425" anchor="t" anchorCtr="0">
             <a:spAutoFit/>
           </a:bodyPr>
           <a:lstStyle/>
           <a:p>
-            <a:pPr indent="0" lvl="0" marL="0" rtl="0" algn="l">
+            <a:pPr marL="0" lvl="0" indent="0" algn="l" rtl="0">
               <a:spcBef>
                 <a:spcPts val="0"/>
               </a:spcBef>
@@ -10211,7 +10322,7 @@
             </a:endParaRPr>
           </a:p>
           <a:p>
-            <a:pPr indent="0" lvl="0" marL="0" rtl="0" algn="l">
+            <a:pPr marL="0" lvl="0" indent="0" algn="l" rtl="0">
               <a:spcBef>
                 <a:spcPts val="0"/>
               </a:spcBef>
@@ -10247,9 +10358,11 @@
       <p:sp>
         <p:nvSpPr>
           <p:cNvPr id="139" name="Google Shape;139;p20"/>
-          <p:cNvSpPr txBox="1"/>
+          <p:cNvSpPr txBox="1">
+            <a:spLocks noGrp="1"/>
+          </p:cNvSpPr>
           <p:nvPr>
-            <p:ph idx="12" type="sldNum"/>
+            <p:ph type="sldNum" idx="12"/>
           </p:nvPr>
         </p:nvSpPr>
         <p:spPr>
@@ -10262,12 +10375,12 @@
           </a:prstGeom>
         </p:spPr>
         <p:txBody>
-          <a:bodyPr anchorCtr="0" anchor="ctr" bIns="91425" lIns="91425" spcFirstLastPara="1" rIns="91425" wrap="square" tIns="91425">
+          <a:bodyPr spcFirstLastPara="1" wrap="square" lIns="91425" tIns="91425" rIns="91425" bIns="91425" anchor="ctr" anchorCtr="0">
             <a:normAutofit/>
           </a:bodyPr>
           <a:lstStyle/>
           <a:p>
-            <a:pPr indent="0" lvl="0" marL="0" rtl="0" algn="r">
+            <a:pPr marL="0" lvl="0" indent="0" algn="r" rtl="0">
               <a:spcBef>
                 <a:spcPts val="0"/>
               </a:spcBef>
@@ -10278,7 +10391,7 @@
             </a:pPr>
             <a:fld id="{00000000-1234-1234-1234-123412341234}" type="slidenum">
               <a:rPr lang="en"/>
-              <a:t>‹#›</a:t>
+              <a:t>8</a:t>
             </a:fld>
             <a:endParaRPr/>
           </a:p>
@@ -10287,7 +10400,9 @@
       <p:sp>
         <p:nvSpPr>
           <p:cNvPr id="140" name="Google Shape;140;p20"/>
-          <p:cNvSpPr txBox="1"/>
+          <p:cNvSpPr txBox="1">
+            <a:spLocks noGrp="1"/>
+          </p:cNvSpPr>
           <p:nvPr>
             <p:ph type="title"/>
           </p:nvPr>
@@ -10302,12 +10417,12 @@
           </a:prstGeom>
         </p:spPr>
         <p:txBody>
-          <a:bodyPr anchorCtr="0" anchor="t" bIns="91425" lIns="91425" spcFirstLastPara="1" rIns="91425" wrap="square" tIns="91425">
+          <a:bodyPr spcFirstLastPara="1" wrap="square" lIns="91425" tIns="91425" rIns="91425" bIns="91425" anchor="t" anchorCtr="0">
             <a:normAutofit fontScale="90000"/>
           </a:bodyPr>
           <a:lstStyle/>
           <a:p>
-            <a:pPr indent="0" lvl="0" marL="0" rtl="0" algn="l">
+            <a:pPr marL="0" lvl="0" indent="0" algn="l" rtl="0">
               <a:spcBef>
                 <a:spcPts val="0"/>
               </a:spcBef>
@@ -10333,11 +10448,11 @@
 </file>
 
 <file path=ppt/slides/slide9.xml><?xml version="1.0" encoding="utf-8"?>
-<p:sld xmlns:a="http://schemas.openxmlformats.org/drawingml/2006/main" xmlns:r="http://schemas.openxmlformats.org/officeDocument/2006/relationships" xmlns:mc="http://schemas.openxmlformats.org/markup-compatibility/2006" xmlns:mv="urn:schemas-microsoft-com:mac:vml" xmlns:p="http://schemas.openxmlformats.org/presentationml/2006/main" xmlns:c="http://schemas.openxmlformats.org/drawingml/2006/chart" xmlns:dgm="http://schemas.openxmlformats.org/drawingml/2006/diagram" xmlns:o="urn:schemas-microsoft-com:office:office" xmlns:v="urn:schemas-microsoft-com:vml" xmlns:pvml="urn:schemas-microsoft-com:office:powerpoint" xmlns:com="http://schemas.openxmlformats.org/drawingml/2006/compatibility" xmlns:p14="http://schemas.microsoft.com/office/powerpoint/2010/main" xmlns:p15="http://schemas.microsoft.com/office/powerpoint/2012/main" xmlns:ahyp="http://schemas.microsoft.com/office/drawing/2018/hyperlinkcolor">
+<p:sld xmlns:a="http://schemas.openxmlformats.org/drawingml/2006/main" xmlns:r="http://schemas.openxmlformats.org/officeDocument/2006/relationships" xmlns:p="http://schemas.openxmlformats.org/presentationml/2006/main">
   <p:cSld>
     <p:spTree>
       <p:nvGrpSpPr>
-        <p:cNvPr id="144" name="Shape 144"/>
+        <p:cNvPr id="1" name="Shape 144"/>
         <p:cNvGrpSpPr/>
         <p:nvPr/>
       </p:nvGrpSpPr>
@@ -10352,7 +10467,9 @@
       <p:sp>
         <p:nvSpPr>
           <p:cNvPr id="145" name="Google Shape;145;p21"/>
-          <p:cNvSpPr txBox="1"/>
+          <p:cNvSpPr txBox="1">
+            <a:spLocks noGrp="1"/>
+          </p:cNvSpPr>
           <p:nvPr>
             <p:ph type="title"/>
           </p:nvPr>
@@ -10367,12 +10484,12 @@
           </a:prstGeom>
         </p:spPr>
         <p:txBody>
-          <a:bodyPr anchorCtr="0" anchor="t" bIns="91425" lIns="91425" spcFirstLastPara="1" rIns="91425" wrap="square" tIns="91425">
+          <a:bodyPr spcFirstLastPara="1" wrap="square" lIns="91425" tIns="91425" rIns="91425" bIns="91425" anchor="t" anchorCtr="0">
             <a:normAutofit fontScale="90000"/>
           </a:bodyPr>
           <a:lstStyle/>
           <a:p>
-            <a:pPr indent="0" lvl="0" marL="0" rtl="0" algn="l">
+            <a:pPr marL="0" lvl="0" indent="0" algn="l" rtl="0">
               <a:spcBef>
                 <a:spcPts val="0"/>
               </a:spcBef>
@@ -10383,11 +10500,7 @@
             </a:pPr>
             <a:r>
               <a:rPr lang="en"/>
-              <a:t>M</a:t>
-            </a:r>
-            <a:r>
-              <a:rPr lang="en"/>
-              <a:t>onthly discounted products</a:t>
+              <a:t>Monthly discounted products</a:t>
             </a:r>
             <a:endParaRPr/>
           </a:p>
@@ -10396,9 +10509,11 @@
       <p:sp>
         <p:nvSpPr>
           <p:cNvPr id="146" name="Google Shape;146;p21"/>
-          <p:cNvSpPr txBox="1"/>
+          <p:cNvSpPr txBox="1">
+            <a:spLocks noGrp="1"/>
+          </p:cNvSpPr>
           <p:nvPr>
-            <p:ph idx="1" type="body"/>
+            <p:ph type="body" idx="1"/>
           </p:nvPr>
         </p:nvSpPr>
         <p:spPr>
@@ -10411,12 +10526,12 @@
           </a:prstGeom>
         </p:spPr>
         <p:txBody>
-          <a:bodyPr anchorCtr="0" anchor="t" bIns="91425" lIns="91425" spcFirstLastPara="1" rIns="91425" wrap="square" tIns="91425">
+          <a:bodyPr spcFirstLastPara="1" wrap="square" lIns="91425" tIns="91425" rIns="91425" bIns="91425" anchor="t" anchorCtr="0">
             <a:normAutofit/>
           </a:bodyPr>
           <a:lstStyle/>
           <a:p>
-            <a:pPr indent="0" lvl="0" marL="0" rtl="0" algn="l">
+            <a:pPr marL="0" lvl="0" indent="0" algn="l" rtl="0">
               <a:spcBef>
                 <a:spcPts val="0"/>
               </a:spcBef>
@@ -10425,9 +10540,6 @@
               </a:spcAft>
               <a:buNone/>
             </a:pPr>
-            <a:r>
-              <a:t/>
-            </a:r>
             <a:endParaRPr/>
           </a:p>
         </p:txBody>
@@ -10435,9 +10547,11 @@
       <p:sp>
         <p:nvSpPr>
           <p:cNvPr id="147" name="Google Shape;147;p21"/>
-          <p:cNvSpPr txBox="1"/>
+          <p:cNvSpPr txBox="1">
+            <a:spLocks noGrp="1"/>
+          </p:cNvSpPr>
           <p:nvPr>
-            <p:ph idx="12" type="sldNum"/>
+            <p:ph type="sldNum" idx="12"/>
           </p:nvPr>
         </p:nvSpPr>
         <p:spPr>
@@ -10450,12 +10564,12 @@
           </a:prstGeom>
         </p:spPr>
         <p:txBody>
-          <a:bodyPr anchorCtr="0" anchor="ctr" bIns="91425" lIns="91425" spcFirstLastPara="1" rIns="91425" wrap="square" tIns="91425">
+          <a:bodyPr spcFirstLastPara="1" wrap="square" lIns="91425" tIns="91425" rIns="91425" bIns="91425" anchor="ctr" anchorCtr="0">
             <a:normAutofit/>
           </a:bodyPr>
           <a:lstStyle/>
           <a:p>
-            <a:pPr indent="0" lvl="0" marL="0" rtl="0" algn="r">
+            <a:pPr marL="0" lvl="0" indent="0" algn="r" rtl="0">
               <a:spcBef>
                 <a:spcPts val="0"/>
               </a:spcBef>
@@ -10466,7 +10580,7 @@
             </a:pPr>
             <a:fld id="{00000000-1234-1234-1234-123412341234}" type="slidenum">
               <a:rPr lang="en"/>
-              <a:t>‹#›</a:t>
+              <a:t>9</a:t>
             </a:fld>
             <a:endParaRPr/>
           </a:p>
@@ -10482,7 +10596,7 @@
           <a:blip r:embed="rId3">
             <a:alphaModFix/>
           </a:blip>
-          <a:srcRect b="0" l="0" r="0" t="2987"/>
+          <a:srcRect t="2987"/>
           <a:stretch/>
         </p:blipFill>
         <p:spPr>
@@ -10508,7 +10622,288 @@
 </file>
 
 <file path=ppt/theme/theme1.xml><?xml version="1.0" encoding="utf-8"?>
-<a:theme xmlns:a="http://schemas.openxmlformats.org/drawingml/2006/main" xmlns:r="http://schemas.openxmlformats.org/officeDocument/2006/relationships">
+<a:theme xmlns:a="http://schemas.openxmlformats.org/drawingml/2006/main" name="Streamline">
+  <a:themeElements>
+    <a:clrScheme name="Streamline">
+      <a:dk1>
+        <a:srgbClr val="1A9988"/>
+      </a:dk1>
+      <a:lt1>
+        <a:srgbClr val="FFFFFF"/>
+      </a:lt1>
+      <a:dk2>
+        <a:srgbClr val="1A1A1A"/>
+      </a:dk2>
+      <a:lt2>
+        <a:srgbClr val="E9EDEE"/>
+      </a:lt2>
+      <a:accent1>
+        <a:srgbClr val="595959"/>
+      </a:accent1>
+      <a:accent2>
+        <a:srgbClr val="6AA4C8"/>
+      </a:accent2>
+      <a:accent3>
+        <a:srgbClr val="EB5600"/>
+      </a:accent3>
+      <a:accent4>
+        <a:srgbClr val="A2FFE8"/>
+      </a:accent4>
+      <a:accent5>
+        <a:srgbClr val="1C3678"/>
+      </a:accent5>
+      <a:accent6>
+        <a:srgbClr val="FFB8A2"/>
+      </a:accent6>
+      <a:hlink>
+        <a:srgbClr val="1C3678"/>
+      </a:hlink>
+      <a:folHlink>
+        <a:srgbClr val="1C3678"/>
+      </a:folHlink>
+    </a:clrScheme>
+    <a:fontScheme name="Office">
+      <a:majorFont>
+        <a:latin typeface="Arial"/>
+        <a:ea typeface=""/>
+        <a:cs typeface=""/>
+        <a:font script="Jpan" typeface="ＭＳ Ｐゴシック"/>
+        <a:font script="Hang" typeface="맑은 고딕"/>
+        <a:font script="Hans" typeface="宋体"/>
+        <a:font script="Hant" typeface="新細明體"/>
+        <a:font script="Arab" typeface="Times New Roman"/>
+        <a:font script="Hebr" typeface="Times New Roman"/>
+        <a:font script="Thai" typeface="Angsana New"/>
+        <a:font script="Ethi" typeface="Nyala"/>
+        <a:font script="Beng" typeface="Vrinda"/>
+        <a:font script="Gujr" typeface="Shruti"/>
+        <a:font script="Khmr" typeface="MoolBoran"/>
+        <a:font script="Knda" typeface="Tunga"/>
+        <a:font script="Guru" typeface="Raavi"/>
+        <a:font script="Cans" typeface="Euphemia"/>
+        <a:font script="Cher" typeface="Plantagenet Cherokee"/>
+        <a:font script="Yiii" typeface="Microsoft Yi Baiti"/>
+        <a:font script="Tibt" typeface="Microsoft Himalaya"/>
+        <a:font script="Thaa" typeface="MV Boli"/>
+        <a:font script="Deva" typeface="Mangal"/>
+        <a:font script="Telu" typeface="Gautami"/>
+        <a:font script="Taml" typeface="Latha"/>
+        <a:font script="Syrc" typeface="Estrangelo Edessa"/>
+        <a:font script="Orya" typeface="Kalinga"/>
+        <a:font script="Mlym" typeface="Kartika"/>
+        <a:font script="Laoo" typeface="DokChampa"/>
+        <a:font script="Sinh" typeface="Iskoola Pota"/>
+        <a:font script="Mong" typeface="Mongolian Baiti"/>
+        <a:font script="Viet" typeface="Times New Roman"/>
+        <a:font script="Uigh" typeface="Microsoft Uighur"/>
+        <a:font script="Geor" typeface="Sylfaen"/>
+      </a:majorFont>
+      <a:minorFont>
+        <a:latin typeface="Arial"/>
+        <a:ea typeface=""/>
+        <a:cs typeface=""/>
+        <a:font script="Jpan" typeface="ＭＳ Ｐゴシック"/>
+        <a:font script="Hang" typeface="맑은 고딕"/>
+        <a:font script="Hans" typeface="宋体"/>
+        <a:font script="Hant" typeface="新細明體"/>
+        <a:font script="Arab" typeface="Arial"/>
+        <a:font script="Hebr" typeface="Arial"/>
+        <a:font script="Thai" typeface="Cordia New"/>
+        <a:font script="Ethi" typeface="Nyala"/>
+        <a:font script="Beng" typeface="Vrinda"/>
+        <a:font script="Gujr" typeface="Shruti"/>
+        <a:font script="Khmr" typeface="DaunPenh"/>
+        <a:font script="Knda" typeface="Tunga"/>
+        <a:font script="Guru" typeface="Raavi"/>
+        <a:font script="Cans" typeface="Euphemia"/>
+        <a:font script="Cher" typeface="Plantagenet Cherokee"/>
+        <a:font script="Yiii" typeface="Microsoft Yi Baiti"/>
+        <a:font script="Tibt" typeface="Microsoft Himalaya"/>
+        <a:font script="Thaa" typeface="MV Boli"/>
+        <a:font script="Deva" typeface="Mangal"/>
+        <a:font script="Telu" typeface="Gautami"/>
+        <a:font script="Taml" typeface="Latha"/>
+        <a:font script="Syrc" typeface="Estrangelo Edessa"/>
+        <a:font script="Orya" typeface="Kalinga"/>
+        <a:font script="Mlym" typeface="Kartika"/>
+        <a:font script="Laoo" typeface="DokChampa"/>
+        <a:font script="Sinh" typeface="Iskoola Pota"/>
+        <a:font script="Mong" typeface="Mongolian Baiti"/>
+        <a:font script="Viet" typeface="Arial"/>
+        <a:font script="Uigh" typeface="Microsoft Uighur"/>
+        <a:font script="Geor" typeface="Sylfaen"/>
+      </a:minorFont>
+    </a:fontScheme>
+    <a:fmtScheme name="Office">
+      <a:fillStyleLst>
+        <a:solidFill>
+          <a:schemeClr val="phClr"/>
+        </a:solidFill>
+        <a:gradFill rotWithShape="1">
+          <a:gsLst>
+            <a:gs pos="0">
+              <a:schemeClr val="phClr">
+                <a:tint val="50000"/>
+                <a:satMod val="300000"/>
+              </a:schemeClr>
+            </a:gs>
+            <a:gs pos="35000">
+              <a:schemeClr val="phClr">
+                <a:tint val="37000"/>
+                <a:satMod val="300000"/>
+              </a:schemeClr>
+            </a:gs>
+            <a:gs pos="100000">
+              <a:schemeClr val="phClr">
+                <a:tint val="15000"/>
+                <a:satMod val="350000"/>
+              </a:schemeClr>
+            </a:gs>
+          </a:gsLst>
+          <a:lin ang="16200000" scaled="1"/>
+        </a:gradFill>
+        <a:gradFill rotWithShape="1">
+          <a:gsLst>
+            <a:gs pos="0">
+              <a:schemeClr val="phClr">
+                <a:tint val="100000"/>
+                <a:shade val="100000"/>
+                <a:satMod val="130000"/>
+              </a:schemeClr>
+            </a:gs>
+            <a:gs pos="100000">
+              <a:schemeClr val="phClr">
+                <a:tint val="50000"/>
+                <a:shade val="100000"/>
+                <a:satMod val="350000"/>
+              </a:schemeClr>
+            </a:gs>
+          </a:gsLst>
+          <a:lin ang="16200000" scaled="0"/>
+        </a:gradFill>
+      </a:fillStyleLst>
+      <a:lnStyleLst>
+        <a:ln w="9525" cap="flat" cmpd="sng" algn="ctr">
+          <a:solidFill>
+            <a:schemeClr val="phClr">
+              <a:shade val="95000"/>
+              <a:satMod val="105000"/>
+            </a:schemeClr>
+          </a:solidFill>
+          <a:prstDash val="solid"/>
+        </a:ln>
+        <a:ln w="25400" cap="flat" cmpd="sng" algn="ctr">
+          <a:solidFill>
+            <a:schemeClr val="phClr"/>
+          </a:solidFill>
+          <a:prstDash val="solid"/>
+        </a:ln>
+        <a:ln w="38100" cap="flat" cmpd="sng" algn="ctr">
+          <a:solidFill>
+            <a:schemeClr val="phClr"/>
+          </a:solidFill>
+          <a:prstDash val="solid"/>
+        </a:ln>
+      </a:lnStyleLst>
+      <a:effectStyleLst>
+        <a:effectStyle>
+          <a:effectLst>
+            <a:outerShdw blurRad="40000" dist="20000" dir="5400000" rotWithShape="0">
+              <a:srgbClr val="000000">
+                <a:alpha val="38000"/>
+              </a:srgbClr>
+            </a:outerShdw>
+          </a:effectLst>
+        </a:effectStyle>
+        <a:effectStyle>
+          <a:effectLst>
+            <a:outerShdw blurRad="40000" dist="23000" dir="5400000" rotWithShape="0">
+              <a:srgbClr val="000000">
+                <a:alpha val="35000"/>
+              </a:srgbClr>
+            </a:outerShdw>
+          </a:effectLst>
+        </a:effectStyle>
+        <a:effectStyle>
+          <a:effectLst>
+            <a:outerShdw blurRad="40000" dist="23000" dir="5400000" rotWithShape="0">
+              <a:srgbClr val="000000">
+                <a:alpha val="35000"/>
+              </a:srgbClr>
+            </a:outerShdw>
+          </a:effectLst>
+          <a:scene3d>
+            <a:camera prst="orthographicFront">
+              <a:rot lat="0" lon="0" rev="0"/>
+            </a:camera>
+            <a:lightRig rig="threePt" dir="t">
+              <a:rot lat="0" lon="0" rev="1200000"/>
+            </a:lightRig>
+          </a:scene3d>
+          <a:sp3d>
+            <a:bevelT w="63500" h="25400"/>
+          </a:sp3d>
+        </a:effectStyle>
+      </a:effectStyleLst>
+      <a:bgFillStyleLst>
+        <a:solidFill>
+          <a:schemeClr val="phClr"/>
+        </a:solidFill>
+        <a:gradFill rotWithShape="1">
+          <a:gsLst>
+            <a:gs pos="0">
+              <a:schemeClr val="phClr">
+                <a:tint val="40000"/>
+                <a:satMod val="350000"/>
+              </a:schemeClr>
+            </a:gs>
+            <a:gs pos="40000">
+              <a:schemeClr val="phClr">
+                <a:tint val="45000"/>
+                <a:shade val="99000"/>
+                <a:satMod val="350000"/>
+              </a:schemeClr>
+            </a:gs>
+            <a:gs pos="100000">
+              <a:schemeClr val="phClr">
+                <a:shade val="20000"/>
+                <a:satMod val="255000"/>
+              </a:schemeClr>
+            </a:gs>
+          </a:gsLst>
+          <a:path path="circle">
+            <a:fillToRect l="50000" t="-80000" r="50000" b="180000"/>
+          </a:path>
+        </a:gradFill>
+        <a:gradFill rotWithShape="1">
+          <a:gsLst>
+            <a:gs pos="0">
+              <a:schemeClr val="phClr">
+                <a:tint val="80000"/>
+                <a:satMod val="300000"/>
+              </a:schemeClr>
+            </a:gs>
+            <a:gs pos="100000">
+              <a:schemeClr val="phClr">
+                <a:shade val="30000"/>
+                <a:satMod val="200000"/>
+              </a:schemeClr>
+            </a:gs>
+          </a:gsLst>
+          <a:path path="circle">
+            <a:fillToRect l="50000" t="50000" r="50000" b="50000"/>
+          </a:path>
+        </a:gradFill>
+      </a:bgFillStyleLst>
+    </a:fmtScheme>
+  </a:themeElements>
+  <a:objectDefaults/>
+  <a:extraClrSchemeLst/>
+</a:theme>
+</file>
+
+<file path=ppt/theme/theme2.xml><?xml version="1.0" encoding="utf-8"?>
+<a:theme xmlns:a="http://schemas.openxmlformats.org/drawingml/2006/main">
   <a:themeElements>
     <a:clrScheme name="Default">
       <a:dk1>
@@ -10783,284 +11178,7 @@
       </a:bgFillStyleLst>
     </a:fmtScheme>
   </a:themeElements>
-</a:theme>
-</file>
-
-<file path=ppt/theme/theme2.xml><?xml version="1.0" encoding="utf-8"?>
-<a:theme xmlns:a="http://schemas.openxmlformats.org/drawingml/2006/main" xmlns:r="http://schemas.openxmlformats.org/officeDocument/2006/relationships" name="Streamline">
-  <a:themeElements>
-    <a:clrScheme name="Streamline">
-      <a:dk1>
-        <a:srgbClr val="1A9988"/>
-      </a:dk1>
-      <a:lt1>
-        <a:srgbClr val="FFFFFF"/>
-      </a:lt1>
-      <a:dk2>
-        <a:srgbClr val="1A1A1A"/>
-      </a:dk2>
-      <a:lt2>
-        <a:srgbClr val="E9EDEE"/>
-      </a:lt2>
-      <a:accent1>
-        <a:srgbClr val="595959"/>
-      </a:accent1>
-      <a:accent2>
-        <a:srgbClr val="6AA4C8"/>
-      </a:accent2>
-      <a:accent3>
-        <a:srgbClr val="EB5600"/>
-      </a:accent3>
-      <a:accent4>
-        <a:srgbClr val="A2FFE8"/>
-      </a:accent4>
-      <a:accent5>
-        <a:srgbClr val="1C3678"/>
-      </a:accent5>
-      <a:accent6>
-        <a:srgbClr val="FFB8A2"/>
-      </a:accent6>
-      <a:hlink>
-        <a:srgbClr val="1C3678"/>
-      </a:hlink>
-      <a:folHlink>
-        <a:srgbClr val="1C3678"/>
-      </a:folHlink>
-    </a:clrScheme>
-    <a:fontScheme name="Office">
-      <a:majorFont>
-        <a:latin typeface="Arial"/>
-        <a:ea typeface=""/>
-        <a:cs typeface=""/>
-        <a:font script="Jpan" typeface="ＭＳ Ｐゴシック"/>
-        <a:font script="Hang" typeface="맑은 고딕"/>
-        <a:font script="Hans" typeface="宋体"/>
-        <a:font script="Hant" typeface="新細明體"/>
-        <a:font script="Arab" typeface="Times New Roman"/>
-        <a:font script="Hebr" typeface="Times New Roman"/>
-        <a:font script="Thai" typeface="Angsana New"/>
-        <a:font script="Ethi" typeface="Nyala"/>
-        <a:font script="Beng" typeface="Vrinda"/>
-        <a:font script="Gujr" typeface="Shruti"/>
-        <a:font script="Khmr" typeface="MoolBoran"/>
-        <a:font script="Knda" typeface="Tunga"/>
-        <a:font script="Guru" typeface="Raavi"/>
-        <a:font script="Cans" typeface="Euphemia"/>
-        <a:font script="Cher" typeface="Plantagenet Cherokee"/>
-        <a:font script="Yiii" typeface="Microsoft Yi Baiti"/>
-        <a:font script="Tibt" typeface="Microsoft Himalaya"/>
-        <a:font script="Thaa" typeface="MV Boli"/>
-        <a:font script="Deva" typeface="Mangal"/>
-        <a:font script="Telu" typeface="Gautami"/>
-        <a:font script="Taml" typeface="Latha"/>
-        <a:font script="Syrc" typeface="Estrangelo Edessa"/>
-        <a:font script="Orya" typeface="Kalinga"/>
-        <a:font script="Mlym" typeface="Kartika"/>
-        <a:font script="Laoo" typeface="DokChampa"/>
-        <a:font script="Sinh" typeface="Iskoola Pota"/>
-        <a:font script="Mong" typeface="Mongolian Baiti"/>
-        <a:font script="Viet" typeface="Times New Roman"/>
-        <a:font script="Uigh" typeface="Microsoft Uighur"/>
-        <a:font script="Geor" typeface="Sylfaen"/>
-      </a:majorFont>
-      <a:minorFont>
-        <a:latin typeface="Arial"/>
-        <a:ea typeface=""/>
-        <a:cs typeface=""/>
-        <a:font script="Jpan" typeface="ＭＳ Ｐゴシック"/>
-        <a:font script="Hang" typeface="맑은 고딕"/>
-        <a:font script="Hans" typeface="宋体"/>
-        <a:font script="Hant" typeface="新細明體"/>
-        <a:font script="Arab" typeface="Arial"/>
-        <a:font script="Hebr" typeface="Arial"/>
-        <a:font script="Thai" typeface="Cordia New"/>
-        <a:font script="Ethi" typeface="Nyala"/>
-        <a:font script="Beng" typeface="Vrinda"/>
-        <a:font script="Gujr" typeface="Shruti"/>
-        <a:font script="Khmr" typeface="DaunPenh"/>
-        <a:font script="Knda" typeface="Tunga"/>
-        <a:font script="Guru" typeface="Raavi"/>
-        <a:font script="Cans" typeface="Euphemia"/>
-        <a:font script="Cher" typeface="Plantagenet Cherokee"/>
-        <a:font script="Yiii" typeface="Microsoft Yi Baiti"/>
-        <a:font script="Tibt" typeface="Microsoft Himalaya"/>
-        <a:font script="Thaa" typeface="MV Boli"/>
-        <a:font script="Deva" typeface="Mangal"/>
-        <a:font script="Telu" typeface="Gautami"/>
-        <a:font script="Taml" typeface="Latha"/>
-        <a:font script="Syrc" typeface="Estrangelo Edessa"/>
-        <a:font script="Orya" typeface="Kalinga"/>
-        <a:font script="Mlym" typeface="Kartika"/>
-        <a:font script="Laoo" typeface="DokChampa"/>
-        <a:font script="Sinh" typeface="Iskoola Pota"/>
-        <a:font script="Mong" typeface="Mongolian Baiti"/>
-        <a:font script="Viet" typeface="Arial"/>
-        <a:font script="Uigh" typeface="Microsoft Uighur"/>
-        <a:font script="Geor" typeface="Sylfaen"/>
-      </a:minorFont>
-    </a:fontScheme>
-    <a:fmtScheme name="Office">
-      <a:fillStyleLst>
-        <a:solidFill>
-          <a:schemeClr val="phClr"/>
-        </a:solidFill>
-        <a:gradFill rotWithShape="1">
-          <a:gsLst>
-            <a:gs pos="0">
-              <a:schemeClr val="phClr">
-                <a:tint val="50000"/>
-                <a:satMod val="300000"/>
-              </a:schemeClr>
-            </a:gs>
-            <a:gs pos="35000">
-              <a:schemeClr val="phClr">
-                <a:tint val="37000"/>
-                <a:satMod val="300000"/>
-              </a:schemeClr>
-            </a:gs>
-            <a:gs pos="100000">
-              <a:schemeClr val="phClr">
-                <a:tint val="15000"/>
-                <a:satMod val="350000"/>
-              </a:schemeClr>
-            </a:gs>
-          </a:gsLst>
-          <a:lin ang="16200000" scaled="1"/>
-        </a:gradFill>
-        <a:gradFill rotWithShape="1">
-          <a:gsLst>
-            <a:gs pos="0">
-              <a:schemeClr val="phClr">
-                <a:tint val="100000"/>
-                <a:shade val="100000"/>
-                <a:satMod val="130000"/>
-              </a:schemeClr>
-            </a:gs>
-            <a:gs pos="100000">
-              <a:schemeClr val="phClr">
-                <a:tint val="50000"/>
-                <a:shade val="100000"/>
-                <a:satMod val="350000"/>
-              </a:schemeClr>
-            </a:gs>
-          </a:gsLst>
-          <a:lin ang="16200000" scaled="0"/>
-        </a:gradFill>
-      </a:fillStyleLst>
-      <a:lnStyleLst>
-        <a:ln w="9525" cap="flat" cmpd="sng" algn="ctr">
-          <a:solidFill>
-            <a:schemeClr val="phClr">
-              <a:shade val="95000"/>
-              <a:satMod val="105000"/>
-            </a:schemeClr>
-          </a:solidFill>
-          <a:prstDash val="solid"/>
-        </a:ln>
-        <a:ln w="25400" cap="flat" cmpd="sng" algn="ctr">
-          <a:solidFill>
-            <a:schemeClr val="phClr"/>
-          </a:solidFill>
-          <a:prstDash val="solid"/>
-        </a:ln>
-        <a:ln w="38100" cap="flat" cmpd="sng" algn="ctr">
-          <a:solidFill>
-            <a:schemeClr val="phClr"/>
-          </a:solidFill>
-          <a:prstDash val="solid"/>
-        </a:ln>
-      </a:lnStyleLst>
-      <a:effectStyleLst>
-        <a:effectStyle>
-          <a:effectLst>
-            <a:outerShdw blurRad="40000" dist="20000" dir="5400000" rotWithShape="0">
-              <a:srgbClr val="000000">
-                <a:alpha val="38000"/>
-              </a:srgbClr>
-            </a:outerShdw>
-          </a:effectLst>
-        </a:effectStyle>
-        <a:effectStyle>
-          <a:effectLst>
-            <a:outerShdw blurRad="40000" dist="23000" dir="5400000" rotWithShape="0">
-              <a:srgbClr val="000000">
-                <a:alpha val="35000"/>
-              </a:srgbClr>
-            </a:outerShdw>
-          </a:effectLst>
-        </a:effectStyle>
-        <a:effectStyle>
-          <a:effectLst>
-            <a:outerShdw blurRad="40000" dist="23000" dir="5400000" rotWithShape="0">
-              <a:srgbClr val="000000">
-                <a:alpha val="35000"/>
-              </a:srgbClr>
-            </a:outerShdw>
-          </a:effectLst>
-          <a:scene3d>
-            <a:camera prst="orthographicFront">
-              <a:rot lat="0" lon="0" rev="0"/>
-            </a:camera>
-            <a:lightRig rig="threePt" dir="t">
-              <a:rot lat="0" lon="0" rev="1200000"/>
-            </a:lightRig>
-          </a:scene3d>
-          <a:sp3d>
-            <a:bevelT w="63500" h="25400"/>
-          </a:sp3d>
-        </a:effectStyle>
-      </a:effectStyleLst>
-      <a:bgFillStyleLst>
-        <a:solidFill>
-          <a:schemeClr val="phClr"/>
-        </a:solidFill>
-        <a:gradFill rotWithShape="1">
-          <a:gsLst>
-            <a:gs pos="0">
-              <a:schemeClr val="phClr">
-                <a:tint val="40000"/>
-                <a:satMod val="350000"/>
-              </a:schemeClr>
-            </a:gs>
-            <a:gs pos="40000">
-              <a:schemeClr val="phClr">
-                <a:tint val="45000"/>
-                <a:shade val="99000"/>
-                <a:satMod val="350000"/>
-              </a:schemeClr>
-            </a:gs>
-            <a:gs pos="100000">
-              <a:schemeClr val="phClr">
-                <a:shade val="20000"/>
-                <a:satMod val="255000"/>
-              </a:schemeClr>
-            </a:gs>
-          </a:gsLst>
-          <a:path path="circle">
-            <a:fillToRect l="50000" t="-80000" r="50000" b="180000"/>
-          </a:path>
-        </a:gradFill>
-        <a:gradFill rotWithShape="1">
-          <a:gsLst>
-            <a:gs pos="0">
-              <a:schemeClr val="phClr">
-                <a:tint val="80000"/>
-                <a:satMod val="300000"/>
-              </a:schemeClr>
-            </a:gs>
-            <a:gs pos="100000">
-              <a:schemeClr val="phClr">
-                <a:shade val="30000"/>
-                <a:satMod val="200000"/>
-              </a:schemeClr>
-            </a:gs>
-          </a:gsLst>
-          <a:path path="circle">
-            <a:fillToRect l="50000" t="50000" r="50000" b="50000"/>
-          </a:path>
-        </a:gradFill>
-      </a:bgFillStyleLst>
-    </a:fmtScheme>
-  </a:themeElements>
+  <a:objectDefaults/>
+  <a:extraClrSchemeLst/>
 </a:theme>
 </file>